--- a/materials/slides/ch01.pptx
+++ b/materials/slides/ch01.pptx
@@ -673,7 +673,7 @@
               <a:pPr>
                 <a:defRPr/>
               </a:pPr>
-              <a:t>2018/9/21</a:t>
+              <a:t>2020/9/26</a:t>
             </a:fld>
             <a:endParaRPr lang="en-US" altLang="zh-CN" dirty="0"/>
           </a:p>
@@ -1175,7 +1175,7 @@
           <a:bodyPr/>
           <a:lstStyle/>
           <a:p>
-            <a:endParaRPr lang="zh-CN" altLang="en-US"/>
+            <a:endParaRPr lang="zh-CN" altLang="en-US" smtClean="0"/>
           </a:p>
         </p:txBody>
       </p:sp>
@@ -1333,7 +1333,7 @@
               </a:pPr>
               <a:t>2</a:t>
             </a:fld>
-            <a:endParaRPr lang="en-US" altLang="zh-CN" dirty="0">
+            <a:endParaRPr lang="en-US" altLang="zh-CN" dirty="0" smtClean="0">
               <a:latin typeface="Arial" panose="020B0604020202020204" pitchFamily="34" charset="0"/>
             </a:endParaRPr>
           </a:p>
@@ -1399,7 +1399,7 @@
           <a:bodyPr/>
           <a:lstStyle/>
           <a:p>
-            <a:endParaRPr lang="zh-CN" altLang="en-US"/>
+            <a:endParaRPr lang="zh-CN" altLang="en-US" smtClean="0"/>
           </a:p>
         </p:txBody>
       </p:sp>
@@ -1531,7 +1531,7 @@
               <a:pPr/>
               <a:t>24</a:t>
             </a:fld>
-            <a:endParaRPr lang="en-US" altLang="zh-CN" dirty="0"/>
+            <a:endParaRPr lang="en-US" altLang="zh-CN" dirty="0" smtClean="0"/>
           </a:p>
         </p:txBody>
       </p:sp>
@@ -1595,7 +1595,7 @@
           <a:bodyPr/>
           <a:lstStyle/>
           <a:p>
-            <a:endParaRPr lang="zh-CN" altLang="en-US"/>
+            <a:endParaRPr lang="zh-CN" altLang="en-US" smtClean="0"/>
           </a:p>
         </p:txBody>
       </p:sp>
@@ -1727,7 +1727,7 @@
               <a:pPr/>
               <a:t>25</a:t>
             </a:fld>
-            <a:endParaRPr lang="en-US" altLang="zh-CN" dirty="0"/>
+            <a:endParaRPr lang="en-US" altLang="zh-CN" dirty="0" smtClean="0"/>
           </a:p>
         </p:txBody>
       </p:sp>
@@ -1796,7 +1796,7 @@
           <a:bodyPr/>
           <a:lstStyle/>
           <a:p>
-            <a:endParaRPr lang="zh-CN" altLang="en-US"/>
+            <a:endParaRPr lang="zh-CN" altLang="en-US" smtClean="0"/>
           </a:p>
         </p:txBody>
       </p:sp>
@@ -1928,7 +1928,7 @@
               <a:pPr/>
               <a:t>26</a:t>
             </a:fld>
-            <a:endParaRPr lang="en-US" altLang="zh-CN" dirty="0"/>
+            <a:endParaRPr lang="en-US" altLang="zh-CN" dirty="0" smtClean="0"/>
           </a:p>
         </p:txBody>
       </p:sp>
@@ -1997,7 +1997,7 @@
           <a:bodyPr/>
           <a:lstStyle/>
           <a:p>
-            <a:endParaRPr lang="zh-CN" altLang="en-US"/>
+            <a:endParaRPr lang="zh-CN" altLang="en-US" smtClean="0"/>
           </a:p>
         </p:txBody>
       </p:sp>
@@ -2129,7 +2129,7 @@
               <a:pPr/>
               <a:t>27</a:t>
             </a:fld>
-            <a:endParaRPr lang="en-US" altLang="zh-CN" dirty="0"/>
+            <a:endParaRPr lang="en-US" altLang="zh-CN" dirty="0" smtClean="0"/>
           </a:p>
         </p:txBody>
       </p:sp>
@@ -2293,7 +2293,7 @@
                 <a:spcPct val="0"/>
               </a:spcBef>
             </a:pPr>
-            <a:endParaRPr lang="zh-CN" altLang="en-US"/>
+            <a:endParaRPr lang="zh-CN" altLang="en-US" smtClean="0"/>
           </a:p>
         </p:txBody>
       </p:sp>
@@ -2451,7 +2451,7 @@
               </a:pPr>
               <a:t>8</a:t>
             </a:fld>
-            <a:endParaRPr lang="zh-CN" altLang="en-US">
+            <a:endParaRPr lang="zh-CN" altLang="en-US" smtClean="0">
               <a:latin typeface="Arial" panose="020B0604020202020204" pitchFamily="34" charset="0"/>
             </a:endParaRPr>
           </a:p>
@@ -2517,7 +2517,7 @@
           <a:bodyPr/>
           <a:lstStyle/>
           <a:p>
-            <a:endParaRPr lang="zh-CN" altLang="en-US"/>
+            <a:endParaRPr lang="zh-CN" altLang="en-US" smtClean="0"/>
           </a:p>
         </p:txBody>
       </p:sp>
@@ -2675,7 +2675,7 @@
               </a:pPr>
               <a:t>9</a:t>
             </a:fld>
-            <a:endParaRPr lang="zh-CN" altLang="en-US">
+            <a:endParaRPr lang="zh-CN" altLang="en-US" smtClean="0">
               <a:latin typeface="Arial" panose="020B0604020202020204" pitchFamily="34" charset="0"/>
             </a:endParaRPr>
           </a:p>
@@ -2741,7 +2741,7 @@
           <a:bodyPr/>
           <a:lstStyle/>
           <a:p>
-            <a:endParaRPr lang="zh-CN" altLang="en-US" b="1">
+            <a:endParaRPr lang="zh-CN" altLang="en-US" b="1" smtClean="0">
               <a:solidFill>
                 <a:srgbClr val="FF0000"/>
               </a:solidFill>
@@ -2903,7 +2903,7 @@
               </a:pPr>
               <a:t>10</a:t>
             </a:fld>
-            <a:endParaRPr lang="zh-CN" altLang="en-US">
+            <a:endParaRPr lang="zh-CN" altLang="en-US" smtClean="0">
               <a:latin typeface="Arial" panose="020B0604020202020204" pitchFamily="34" charset="0"/>
             </a:endParaRPr>
           </a:p>
@@ -2969,7 +2969,7 @@
           <a:bodyPr/>
           <a:lstStyle/>
           <a:p>
-            <a:endParaRPr lang="zh-CN" altLang="en-US"/>
+            <a:endParaRPr lang="zh-CN" altLang="en-US" smtClean="0"/>
           </a:p>
         </p:txBody>
       </p:sp>
@@ -3127,7 +3127,7 @@
               </a:pPr>
               <a:t>11</a:t>
             </a:fld>
-            <a:endParaRPr lang="zh-CN" altLang="en-US">
+            <a:endParaRPr lang="zh-CN" altLang="en-US" smtClean="0">
               <a:latin typeface="Arial" panose="020B0604020202020204" pitchFamily="34" charset="0"/>
             </a:endParaRPr>
           </a:p>
@@ -3193,7 +3193,7 @@
           <a:bodyPr/>
           <a:lstStyle/>
           <a:p>
-            <a:endParaRPr lang="zh-CN" altLang="en-US"/>
+            <a:endParaRPr lang="zh-CN" altLang="en-US" smtClean="0"/>
           </a:p>
         </p:txBody>
       </p:sp>
@@ -3351,7 +3351,7 @@
               </a:pPr>
               <a:t>12</a:t>
             </a:fld>
-            <a:endParaRPr lang="zh-CN" altLang="en-US">
+            <a:endParaRPr lang="zh-CN" altLang="en-US" smtClean="0">
               <a:latin typeface="Arial" panose="020B0604020202020204" pitchFamily="34" charset="0"/>
             </a:endParaRPr>
           </a:p>
@@ -3417,7 +3417,7 @@
           <a:bodyPr/>
           <a:lstStyle/>
           <a:p>
-            <a:endParaRPr lang="zh-CN" altLang="en-US"/>
+            <a:endParaRPr lang="zh-CN" altLang="en-US" smtClean="0"/>
           </a:p>
         </p:txBody>
       </p:sp>
@@ -3575,7 +3575,7 @@
               </a:pPr>
               <a:t>13</a:t>
             </a:fld>
-            <a:endParaRPr lang="zh-CN" altLang="en-US">
+            <a:endParaRPr lang="zh-CN" altLang="en-US" smtClean="0">
               <a:latin typeface="Arial" panose="020B0604020202020204" pitchFamily="34" charset="0"/>
             </a:endParaRPr>
           </a:p>
@@ -3811,7 +3811,7 @@
               </a:pPr>
               <a:t>14</a:t>
             </a:fld>
-            <a:endParaRPr lang="zh-CN" altLang="en-US">
+            <a:endParaRPr lang="zh-CN" altLang="en-US" smtClean="0">
               <a:latin typeface="Arial" panose="020B0604020202020204" pitchFamily="34" charset="0"/>
             </a:endParaRPr>
           </a:p>
@@ -4047,7 +4047,7 @@
               </a:pPr>
               <a:t>21</a:t>
             </a:fld>
-            <a:endParaRPr lang="zh-CN" altLang="en-US">
+            <a:endParaRPr lang="zh-CN" altLang="en-US" smtClean="0">
               <a:latin typeface="Arial" panose="020B0604020202020204" pitchFamily="34" charset="0"/>
             </a:endParaRPr>
           </a:p>
@@ -4415,6 +4415,13 @@
   <p:transition>
     <p:fade/>
   </p:transition>
+  <p:timing>
+    <p:tnLst>
+      <p:par>
+        <p:cTn id="1" dur="indefinite" restart="never" nodeType="tmRoot"/>
+      </p:par>
+    </p:tnLst>
+  </p:timing>
 </p:sldLayout>
 </file>
 
@@ -4700,6 +4707,13 @@
   <p:transition>
     <p:fade/>
   </p:transition>
+  <p:timing>
+    <p:tnLst>
+      <p:par>
+        <p:cTn id="1" dur="indefinite" restart="never" nodeType="tmRoot"/>
+      </p:par>
+    </p:tnLst>
+  </p:timing>
 </p:sldLayout>
 </file>
 
@@ -5990,7 +6004,7 @@
           <a:p>
             <a:pPr lvl="0"/>
             <a:r>
-              <a:rPr lang="zh-CN" altLang="en-US"/>
+              <a:rPr lang="zh-CN" altLang="en-US" smtClean="0"/>
               <a:t>单击此处编辑母版标题样式</a:t>
             </a:r>
           </a:p>
@@ -6048,35 +6062,35 @@
           <a:p>
             <a:pPr lvl="0"/>
             <a:r>
-              <a:rPr lang="zh-CN" altLang="en-US"/>
+              <a:rPr lang="zh-CN" altLang="en-US" smtClean="0"/>
               <a:t>单击此处编辑母版文本样式</a:t>
             </a:r>
           </a:p>
           <a:p>
             <a:pPr lvl="1"/>
             <a:r>
-              <a:rPr lang="zh-CN" altLang="en-US"/>
+              <a:rPr lang="zh-CN" altLang="en-US" smtClean="0"/>
               <a:t>第二级</a:t>
             </a:r>
           </a:p>
           <a:p>
             <a:pPr lvl="2"/>
             <a:r>
-              <a:rPr lang="zh-CN" altLang="en-US"/>
+              <a:rPr lang="zh-CN" altLang="en-US" smtClean="0"/>
               <a:t>第三级</a:t>
             </a:r>
           </a:p>
           <a:p>
             <a:pPr lvl="3"/>
             <a:r>
-              <a:rPr lang="zh-CN" altLang="en-US"/>
+              <a:rPr lang="zh-CN" altLang="en-US" smtClean="0"/>
               <a:t>第四级</a:t>
             </a:r>
           </a:p>
           <a:p>
             <a:pPr lvl="4"/>
             <a:r>
-              <a:rPr lang="zh-CN" altLang="en-US"/>
+              <a:rPr lang="zh-CN" altLang="en-US" smtClean="0"/>
               <a:t>第五级</a:t>
             </a:r>
           </a:p>
@@ -6103,6 +6117,13 @@
   <p:transition>
     <p:fade/>
   </p:transition>
+  <p:timing>
+    <p:tnLst>
+      <p:par>
+        <p:cTn id="1" dur="indefinite" restart="never" nodeType="tmRoot"/>
+      </p:par>
+    </p:tnLst>
+  </p:timing>
   <p:txStyles>
     <p:titleStyle>
       <a:lvl1pPr algn="r" rtl="0" eaLnBrk="0" fontAlgn="base" hangingPunct="0">
@@ -6515,7 +6536,7 @@
         </p:nvSpPr>
         <p:spPr bwMode="black">
           <a:xfrm>
-            <a:off x="1559496" y="1340768"/>
+            <a:off x="1559496" y="1916832"/>
             <a:ext cx="6480720" cy="1368152"/>
           </a:xfrm>
           <a:prstGeom prst="rect">
@@ -6691,218 +6712,10 @@
                 <a:solidFill>
                   <a:schemeClr val="bg1"/>
                 </a:solidFill>
-                <a:effectLst>
-                  <a:outerShdw blurRad="38100" dist="38100" dir="2700000" algn="tl">
-                    <a:srgbClr val="000000">
-                      <a:alpha val="43137"/>
-                    </a:srgbClr>
-                  </a:outerShdw>
-                </a:effectLst>
                 <a:latin typeface="微软雅黑" panose="020B0503020204020204" pitchFamily="34" charset="-122"/>
                 <a:ea typeface="微软雅黑" panose="020B0503020204020204" pitchFamily="34" charset="-122"/>
               </a:rPr>
               <a:t>计算机导论</a:t>
-            </a:r>
-          </a:p>
-        </p:txBody>
-      </p:sp>
-      <p:sp>
-        <p:nvSpPr>
-          <p:cNvPr id="3" name="Rectangle 9"/>
-          <p:cNvSpPr>
-            <a:spLocks noChangeArrowheads="1"/>
-          </p:cNvSpPr>
-          <p:nvPr/>
-        </p:nvSpPr>
-        <p:spPr bwMode="black">
-          <a:xfrm>
-            <a:off x="1559496" y="2996952"/>
-            <a:ext cx="6480720" cy="1368152"/>
-          </a:xfrm>
-          <a:prstGeom prst="rect">
-            <a:avLst/>
-          </a:prstGeom>
-          <a:noFill/>
-          <a:ln>
-            <a:noFill/>
-          </a:ln>
-          <a:extLst>
-            <a:ext uri="{909E8E84-426E-40DD-AFC4-6F175D3DCCD1}">
-              <a14:hiddenFill xmlns:a14="http://schemas.microsoft.com/office/drawing/2010/main">
-                <a:solidFill>
-                  <a:srgbClr val="FFFFFF"/>
-                </a:solidFill>
-              </a14:hiddenFill>
-            </a:ext>
-            <a:ext uri="{91240B29-F687-4F45-9708-019B960494DF}">
-              <a14:hiddenLine xmlns:a14="http://schemas.microsoft.com/office/drawing/2010/main" w="9525">
-                <a:solidFill>
-                  <a:srgbClr val="000000"/>
-                </a:solidFill>
-                <a:miter lim="800000"/>
-                <a:headEnd/>
-                <a:tailEnd/>
-              </a14:hiddenLine>
-            </a:ext>
-          </a:extLst>
-        </p:spPr>
-        <p:txBody>
-          <a:bodyPr anchor="ctr"/>
-          <a:lstStyle>
-            <a:lvl1pPr>
-              <a:spcBef>
-                <a:spcPct val="20000"/>
-              </a:spcBef>
-              <a:buChar char="•"/>
-              <a:defRPr sz="2000">
-                <a:solidFill>
-                  <a:schemeClr val="tx1"/>
-                </a:solidFill>
-                <a:latin typeface="Arial" panose="020B0604020202020204" pitchFamily="34" charset="0"/>
-                <a:ea typeface="黑体" panose="02010609060101010101" pitchFamily="49" charset="-122"/>
-              </a:defRPr>
-            </a:lvl1pPr>
-            <a:lvl2pPr marL="742950" indent="-285750">
-              <a:spcBef>
-                <a:spcPct val="20000"/>
-              </a:spcBef>
-              <a:buChar char="–"/>
-              <a:defRPr>
-                <a:solidFill>
-                  <a:schemeClr val="tx1"/>
-                </a:solidFill>
-                <a:latin typeface="Arial" panose="020B0604020202020204" pitchFamily="34" charset="0"/>
-                <a:ea typeface="黑体" panose="02010609060101010101" pitchFamily="49" charset="-122"/>
-              </a:defRPr>
-            </a:lvl2pPr>
-            <a:lvl3pPr marL="1143000" indent="-228600">
-              <a:spcBef>
-                <a:spcPct val="20000"/>
-              </a:spcBef>
-              <a:buChar char="•"/>
-              <a:defRPr sz="1600">
-                <a:solidFill>
-                  <a:schemeClr val="tx1"/>
-                </a:solidFill>
-                <a:latin typeface="Arial" panose="020B0604020202020204" pitchFamily="34" charset="0"/>
-                <a:ea typeface="黑体" panose="02010609060101010101" pitchFamily="49" charset="-122"/>
-              </a:defRPr>
-            </a:lvl3pPr>
-            <a:lvl4pPr marL="1600200" indent="-228600">
-              <a:spcBef>
-                <a:spcPct val="20000"/>
-              </a:spcBef>
-              <a:buChar char="–"/>
-              <a:defRPr sz="1600">
-                <a:solidFill>
-                  <a:schemeClr val="tx1"/>
-                </a:solidFill>
-                <a:latin typeface="Arial" panose="020B0604020202020204" pitchFamily="34" charset="0"/>
-                <a:ea typeface="黑体" panose="02010609060101010101" pitchFamily="49" charset="-122"/>
-              </a:defRPr>
-            </a:lvl4pPr>
-            <a:lvl5pPr marL="2057400" indent="-228600">
-              <a:spcBef>
-                <a:spcPct val="20000"/>
-              </a:spcBef>
-              <a:buChar char="»"/>
-              <a:defRPr sz="1600">
-                <a:solidFill>
-                  <a:schemeClr val="tx1"/>
-                </a:solidFill>
-                <a:latin typeface="Arial" panose="020B0604020202020204" pitchFamily="34" charset="0"/>
-                <a:ea typeface="黑体" panose="02010609060101010101" pitchFamily="49" charset="-122"/>
-              </a:defRPr>
-            </a:lvl5pPr>
-            <a:lvl6pPr marL="2514600" indent="-228600" eaLnBrk="0" fontAlgn="base" hangingPunct="0">
-              <a:spcBef>
-                <a:spcPct val="20000"/>
-              </a:spcBef>
-              <a:spcAft>
-                <a:spcPct val="0"/>
-              </a:spcAft>
-              <a:buChar char="»"/>
-              <a:defRPr sz="1600">
-                <a:solidFill>
-                  <a:schemeClr val="tx1"/>
-                </a:solidFill>
-                <a:latin typeface="Arial" panose="020B0604020202020204" pitchFamily="34" charset="0"/>
-                <a:ea typeface="黑体" panose="02010609060101010101" pitchFamily="49" charset="-122"/>
-              </a:defRPr>
-            </a:lvl6pPr>
-            <a:lvl7pPr marL="2971800" indent="-228600" eaLnBrk="0" fontAlgn="base" hangingPunct="0">
-              <a:spcBef>
-                <a:spcPct val="20000"/>
-              </a:spcBef>
-              <a:spcAft>
-                <a:spcPct val="0"/>
-              </a:spcAft>
-              <a:buChar char="»"/>
-              <a:defRPr sz="1600">
-                <a:solidFill>
-                  <a:schemeClr val="tx1"/>
-                </a:solidFill>
-                <a:latin typeface="Arial" panose="020B0604020202020204" pitchFamily="34" charset="0"/>
-                <a:ea typeface="黑体" panose="02010609060101010101" pitchFamily="49" charset="-122"/>
-              </a:defRPr>
-            </a:lvl7pPr>
-            <a:lvl8pPr marL="3429000" indent="-228600" eaLnBrk="0" fontAlgn="base" hangingPunct="0">
-              <a:spcBef>
-                <a:spcPct val="20000"/>
-              </a:spcBef>
-              <a:spcAft>
-                <a:spcPct val="0"/>
-              </a:spcAft>
-              <a:buChar char="»"/>
-              <a:defRPr sz="1600">
-                <a:solidFill>
-                  <a:schemeClr val="tx1"/>
-                </a:solidFill>
-                <a:latin typeface="Arial" panose="020B0604020202020204" pitchFamily="34" charset="0"/>
-                <a:ea typeface="黑体" panose="02010609060101010101" pitchFamily="49" charset="-122"/>
-              </a:defRPr>
-            </a:lvl8pPr>
-            <a:lvl9pPr marL="3886200" indent="-228600" eaLnBrk="0" fontAlgn="base" hangingPunct="0">
-              <a:spcBef>
-                <a:spcPct val="20000"/>
-              </a:spcBef>
-              <a:spcAft>
-                <a:spcPct val="0"/>
-              </a:spcAft>
-              <a:buChar char="»"/>
-              <a:defRPr sz="1600">
-                <a:solidFill>
-                  <a:schemeClr val="tx1"/>
-                </a:solidFill>
-                <a:latin typeface="Arial" panose="020B0604020202020204" pitchFamily="34" charset="0"/>
-                <a:ea typeface="黑体" panose="02010609060101010101" pitchFamily="49" charset="-122"/>
-              </a:defRPr>
-            </a:lvl9pPr>
-          </a:lstStyle>
-          <a:p>
-            <a:pPr eaLnBrk="1" hangingPunct="1">
-              <a:spcBef>
-                <a:spcPct val="0"/>
-              </a:spcBef>
-              <a:buFontTx/>
-              <a:buNone/>
-            </a:pPr>
-            <a:r>
-              <a:rPr lang="zh-CN" altLang="en-US" sz="4800" dirty="0">
-                <a:solidFill>
-                  <a:schemeClr val="bg1"/>
-                </a:solidFill>
-                <a:effectLst>
-                  <a:outerShdw blurRad="38100" dist="38100" dir="2700000" algn="tl">
-                    <a:srgbClr val="000000">
-                      <a:alpha val="43137"/>
-                    </a:srgbClr>
-                  </a:outerShdw>
-                </a:effectLst>
-                <a:latin typeface="微软雅黑" panose="020B0503020204020204" pitchFamily="34" charset="-122"/>
-                <a:ea typeface="微软雅黑" panose="020B0503020204020204" pitchFamily="34" charset="-122"/>
-              </a:rPr>
-              <a:t>第一章  计算机概述</a:t>
             </a:r>
           </a:p>
         </p:txBody>
@@ -6912,18 +6725,16 @@
   <p:clrMapOvr>
     <a:masterClrMapping/>
   </p:clrMapOvr>
-  <mc:AlternateContent xmlns:mc="http://schemas.openxmlformats.org/markup-compatibility/2006" xmlns:p14="http://schemas.microsoft.com/office/powerpoint/2010/main">
-    <mc:Choice Requires="p14">
-      <p:transition p14:dur="300">
-        <p:fade/>
-      </p:transition>
-    </mc:Choice>
-    <mc:Fallback xmlns="">
-      <p:transition>
-        <p:fade/>
-      </p:transition>
-    </mc:Fallback>
-  </mc:AlternateContent>
+  <p:transition>
+    <p:fade/>
+  </p:transition>
+  <p:timing>
+    <p:tnLst>
+      <p:par>
+        <p:cTn id="1" dur="indefinite" restart="never" nodeType="tmRoot"/>
+      </p:par>
+    </p:tnLst>
+  </p:timing>
 </p:sld>
 </file>
 
@@ -8970,7 +8781,7 @@
               <a:buNone/>
             </a:pPr>
             <a:r>
-              <a:rPr lang="zh-CN" altLang="en-US" sz="3200" dirty="0">
+              <a:rPr lang="zh-CN" altLang="en-US" sz="3200" dirty="0" smtClean="0">
                 <a:solidFill>
                   <a:schemeClr val="tx1">
                     <a:lumMod val="75000"/>
@@ -8981,7 +8792,21 @@
                 <a:ea typeface="微软雅黑" panose="020B0503020204020204" pitchFamily="34" charset="-122"/>
                 <a:cs typeface="Times New Roman" panose="02020603050405020304" pitchFamily="18" charset="0"/>
               </a:rPr>
-              <a:t>          可使用高级语言编写程序，出现了管理程序</a:t>
+              <a:t>          可</a:t>
+            </a:r>
+            <a:r>
+              <a:rPr lang="zh-CN" altLang="en-US" sz="3200" dirty="0">
+                <a:solidFill>
+                  <a:schemeClr val="tx1">
+                    <a:lumMod val="75000"/>
+                    <a:lumOff val="25000"/>
+                  </a:schemeClr>
+                </a:solidFill>
+                <a:latin typeface="微软雅黑" panose="020B0503020204020204" pitchFamily="34" charset="-122"/>
+                <a:ea typeface="微软雅黑" panose="020B0503020204020204" pitchFamily="34" charset="-122"/>
+                <a:cs typeface="Times New Roman" panose="02020603050405020304" pitchFamily="18" charset="0"/>
+              </a:rPr>
+              <a:t>使用高级语言编写程序，出现了管理程序</a:t>
             </a:r>
           </a:p>
         </p:txBody>
@@ -9912,7 +9737,7 @@
                 <a:t>IBM360</a:t>
               </a:r>
               <a:r>
-                <a:rPr lang="zh-CN" altLang="en-US" sz="2800" dirty="0">
+                <a:rPr lang="zh-CN" altLang="en-US" sz="2800" dirty="0" smtClean="0">
                   <a:solidFill>
                     <a:schemeClr val="tx1">
                       <a:lumMod val="75000"/>
@@ -9924,7 +9749,7 @@
                 </a:rPr>
                 <a:t>系统</a:t>
               </a:r>
-              <a:endParaRPr lang="en-US" altLang="zh-CN" sz="2800" dirty="0">
+              <a:endParaRPr lang="en-US" altLang="zh-CN" sz="2800" dirty="0" smtClean="0">
                 <a:solidFill>
                   <a:schemeClr val="tx1">
                     <a:lumMod val="75000"/>
@@ -9944,6 +9769,19 @@
                 <a:buNone/>
               </a:pPr>
               <a:r>
+                <a:rPr lang="zh-CN" altLang="en-US" sz="2800" dirty="0" smtClean="0">
+                  <a:solidFill>
+                    <a:schemeClr val="tx1">
+                      <a:lumMod val="75000"/>
+                      <a:lumOff val="25000"/>
+                    </a:schemeClr>
+                  </a:solidFill>
+                  <a:latin typeface="微软雅黑" panose="020B0503020204020204" pitchFamily="34" charset="-122"/>
+                  <a:ea typeface="微软雅黑" panose="020B0503020204020204" pitchFamily="34" charset="-122"/>
+                </a:rPr>
+                <a:t>（</a:t>
+              </a:r>
+              <a:r>
                 <a:rPr lang="zh-CN" altLang="en-US" sz="2800" dirty="0">
                   <a:solidFill>
                     <a:schemeClr val="tx1">
@@ -9954,7 +9792,7 @@
                   <a:latin typeface="微软雅黑" panose="020B0503020204020204" pitchFamily="34" charset="-122"/>
                   <a:ea typeface="微软雅黑" panose="020B0503020204020204" pitchFamily="34" charset="-122"/>
                 </a:rPr>
-                <a:t>（计算机和</a:t>
+                <a:t>计算机和</a:t>
               </a:r>
               <a:r>
                 <a:rPr lang="en-US" altLang="zh-CN" sz="2800" dirty="0">
@@ -10613,7 +10451,7 @@
               </a:lnSpc>
             </a:pPr>
             <a:r>
-              <a:rPr lang="zh-CN" altLang="en-US" sz="3200" dirty="0">
+              <a:rPr lang="zh-CN" altLang="en-US" sz="3200" dirty="0" smtClean="0">
                 <a:solidFill>
                   <a:schemeClr val="tx1">
                     <a:lumMod val="75000"/>
@@ -10625,7 +10463,7 @@
               </a:rPr>
               <a:t>大、超大规模集成电路计算机时代</a:t>
             </a:r>
-            <a:endParaRPr lang="en-US" altLang="zh-CN" sz="3200" dirty="0">
+            <a:endParaRPr lang="en-US" altLang="zh-CN" sz="3200" dirty="0" smtClean="0">
               <a:solidFill>
                 <a:schemeClr val="tx1">
                   <a:lumMod val="75000"/>
@@ -10643,7 +10481,7 @@
               </a:lnSpc>
             </a:pPr>
             <a:r>
-              <a:rPr lang="zh-CN" altLang="en-US" sz="2800" dirty="0">
+              <a:rPr lang="zh-CN" altLang="en-US" sz="2800" dirty="0" smtClean="0">
                 <a:solidFill>
                   <a:schemeClr val="tx1">
                     <a:lumMod val="75000"/>
@@ -10655,7 +10493,7 @@
               </a:rPr>
               <a:t>微电子技术迅猛发展（高集成度）</a:t>
             </a:r>
-            <a:endParaRPr lang="en-US" altLang="zh-CN" sz="2800" dirty="0">
+            <a:endParaRPr lang="en-US" altLang="zh-CN" sz="2800" dirty="0" smtClean="0">
               <a:solidFill>
                 <a:schemeClr val="tx1">
                   <a:lumMod val="75000"/>
@@ -10673,7 +10511,7 @@
               </a:lnSpc>
             </a:pPr>
             <a:r>
-              <a:rPr lang="zh-CN" altLang="en-US" sz="2800" dirty="0">
+              <a:rPr lang="zh-CN" altLang="en-US" sz="2800" dirty="0" smtClean="0">
                 <a:solidFill>
                   <a:schemeClr val="tx1">
                     <a:lumMod val="75000"/>
@@ -10685,7 +10523,7 @@
               </a:rPr>
               <a:t>半导体存储器问世（大容量、高速度）</a:t>
             </a:r>
-            <a:endParaRPr lang="en-US" altLang="zh-CN" sz="2800" dirty="0">
+            <a:endParaRPr lang="en-US" altLang="zh-CN" sz="2800" dirty="0" smtClean="0">
               <a:solidFill>
                 <a:schemeClr val="tx1">
                   <a:lumMod val="75000"/>
@@ -10703,7 +10541,7 @@
               </a:lnSpc>
             </a:pPr>
             <a:r>
-              <a:rPr lang="zh-CN" altLang="en-US" sz="2800" dirty="0">
+              <a:rPr lang="zh-CN" altLang="en-US" sz="2800" dirty="0" smtClean="0">
                 <a:solidFill>
                   <a:schemeClr val="tx1">
                     <a:lumMod val="75000"/>
@@ -10715,7 +10553,7 @@
               </a:rPr>
               <a:t>数据库技术、网络通信技术、多媒体技术等发展</a:t>
             </a:r>
-            <a:endParaRPr lang="en-US" altLang="zh-CN" sz="2800" dirty="0">
+            <a:endParaRPr lang="en-US" altLang="zh-CN" sz="2800" dirty="0" smtClean="0">
               <a:solidFill>
                 <a:schemeClr val="tx1">
                   <a:lumMod val="75000"/>
@@ -10733,7 +10571,7 @@
               </a:lnSpc>
             </a:pPr>
             <a:r>
-              <a:rPr lang="zh-CN" altLang="en-US" sz="3200" dirty="0">
+              <a:rPr lang="zh-CN" altLang="en-US" sz="3200" dirty="0" smtClean="0">
                 <a:solidFill>
                   <a:schemeClr val="tx1">
                     <a:lumMod val="75000"/>
@@ -10745,7 +10583,7 @@
               </a:rPr>
               <a:t>甚大、极大规模集成电路计算机时代</a:t>
             </a:r>
-            <a:endParaRPr lang="en-US" altLang="zh-CN" sz="3200" dirty="0">
+            <a:endParaRPr lang="en-US" altLang="zh-CN" sz="3200" dirty="0" smtClean="0">
               <a:solidFill>
                 <a:schemeClr val="tx1">
                   <a:lumMod val="75000"/>
@@ -10763,7 +10601,7 @@
               </a:lnSpc>
             </a:pPr>
             <a:r>
-              <a:rPr lang="zh-CN" altLang="en-US" sz="2800" dirty="0">
+              <a:rPr lang="zh-CN" altLang="en-US" sz="2800" dirty="0" smtClean="0">
                 <a:solidFill>
                   <a:schemeClr val="tx1">
                     <a:lumMod val="75000"/>
@@ -10776,7 +10614,7 @@
               <a:t>单片集成电路规模达</a:t>
             </a:r>
             <a:r>
-              <a:rPr lang="en-US" altLang="zh-CN" sz="2800" dirty="0">
+              <a:rPr lang="en-US" altLang="zh-CN" sz="2800" dirty="0" smtClean="0">
                 <a:solidFill>
                   <a:schemeClr val="tx1">
                     <a:lumMod val="75000"/>
@@ -10789,7 +10627,7 @@
               <a:t>100</a:t>
             </a:r>
             <a:r>
-              <a:rPr lang="zh-CN" altLang="en-US" sz="2800" dirty="0">
+              <a:rPr lang="zh-CN" altLang="en-US" sz="2800" dirty="0" smtClean="0">
                 <a:solidFill>
                   <a:schemeClr val="tx1">
                     <a:lumMod val="75000"/>
@@ -10801,7 +10639,7 @@
               </a:rPr>
               <a:t>万晶体管以上</a:t>
             </a:r>
-            <a:endParaRPr lang="en-US" altLang="zh-CN" sz="2800" dirty="0">
+            <a:endParaRPr lang="en-US" altLang="zh-CN" sz="2800" dirty="0" smtClean="0">
               <a:solidFill>
                 <a:schemeClr val="tx1">
                   <a:lumMod val="75000"/>
@@ -10819,7 +10657,7 @@
               </a:lnSpc>
             </a:pPr>
             <a:r>
-              <a:rPr lang="zh-CN" altLang="en-US" sz="2800" dirty="0">
+              <a:rPr lang="zh-CN" altLang="en-US" sz="2800" dirty="0" smtClean="0">
                 <a:solidFill>
                   <a:schemeClr val="tx1">
                     <a:lumMod val="75000"/>
@@ -10842,6 +10680,13 @@
   <p:transition>
     <p:fade/>
   </p:transition>
+  <p:timing>
+    <p:tnLst>
+      <p:par>
+        <p:cTn id="1" dur="indefinite" restart="never" nodeType="tmRoot"/>
+      </p:par>
+    </p:tnLst>
+  </p:timing>
 </p:sld>
 </file>
 
@@ -10921,7 +10766,7 @@
               </a:lnSpc>
             </a:pPr>
             <a:r>
-              <a:rPr lang="zh-CN" altLang="en-US" sz="3200" dirty="0">
+              <a:rPr lang="zh-CN" altLang="en-US" sz="3200" dirty="0" smtClean="0">
                 <a:solidFill>
                   <a:schemeClr val="tx1">
                     <a:lumMod val="75000"/>
@@ -10933,7 +10778,7 @@
               </a:rPr>
               <a:t>运算方式</a:t>
             </a:r>
-            <a:endParaRPr lang="en-US" altLang="zh-CN" sz="3200" dirty="0">
+            <a:endParaRPr lang="en-US" altLang="zh-CN" sz="3200" dirty="0" smtClean="0">
               <a:solidFill>
                 <a:schemeClr val="tx1">
                   <a:lumMod val="75000"/>
@@ -11021,7 +10866,7 @@
               </a:lnSpc>
             </a:pPr>
             <a:r>
-              <a:rPr lang="zh-CN" altLang="en-US" sz="3200" dirty="0">
+              <a:rPr lang="zh-CN" altLang="en-US" sz="3200" dirty="0" smtClean="0">
                 <a:solidFill>
                   <a:schemeClr val="tx1">
                     <a:lumMod val="75000"/>
@@ -11033,7 +10878,7 @@
               </a:rPr>
               <a:t>规模和功能</a:t>
             </a:r>
-            <a:endParaRPr lang="en-US" altLang="zh-CN" sz="3200" dirty="0">
+            <a:endParaRPr lang="en-US" altLang="zh-CN" sz="3200" dirty="0" smtClean="0">
               <a:solidFill>
                 <a:schemeClr val="tx1">
                   <a:lumMod val="75000"/>
@@ -11191,9 +11036,22 @@
                 <a:latin typeface="微软雅黑" panose="020B0503020204020204" pitchFamily="34" charset="-122"/>
                 <a:ea typeface="微软雅黑" panose="020B0503020204020204" pitchFamily="34" charset="-122"/>
               </a:rPr>
-              <a:t>笔记本计算机</a:t>
-            </a:r>
-            <a:endParaRPr lang="zh-CN" altLang="en-US" sz="3600" i="1" dirty="0">
+              <a:t>笔记本</a:t>
+            </a:r>
+            <a:r>
+              <a:rPr lang="zh-CN" altLang="en-US" sz="2800" dirty="0" smtClean="0">
+                <a:solidFill>
+                  <a:schemeClr val="tx1">
+                    <a:lumMod val="75000"/>
+                    <a:lumOff val="25000"/>
+                  </a:schemeClr>
+                </a:solidFill>
+                <a:latin typeface="微软雅黑" panose="020B0503020204020204" pitchFamily="34" charset="-122"/>
+                <a:ea typeface="微软雅黑" panose="020B0503020204020204" pitchFamily="34" charset="-122"/>
+              </a:rPr>
+              <a:t>计算机</a:t>
+            </a:r>
+            <a:endParaRPr lang="zh-CN" altLang="en-US" sz="3600" i="1" dirty="0" smtClean="0">
               <a:solidFill>
                 <a:schemeClr val="tx1">
                   <a:lumMod val="75000"/>
@@ -11716,10 +11574,10 @@
           <a:lstStyle/>
           <a:p>
             <a:r>
-              <a:rPr lang="zh-CN" altLang="en-US" dirty="0"/>
+              <a:rPr lang="zh-CN" altLang="en-US" dirty="0" smtClean="0"/>
               <a:t>本章内容</a:t>
             </a:r>
-            <a:endParaRPr lang="en-US" altLang="zh-CN" dirty="0"/>
+            <a:endParaRPr lang="en-US" altLang="zh-CN" dirty="0" smtClean="0"/>
           </a:p>
         </p:txBody>
       </p:sp>
@@ -11809,7 +11667,7 @@
               <a:buChar char="Ø"/>
             </a:pPr>
             <a:r>
-              <a:rPr lang="zh-CN" altLang="en-US" sz="4000" dirty="0">
+              <a:rPr lang="zh-CN" altLang="en-US" sz="4000" dirty="0" smtClean="0">
                 <a:solidFill>
                   <a:schemeClr val="tx1">
                     <a:lumMod val="75000"/>
@@ -11821,7 +11679,7 @@
               </a:rPr>
               <a:t> 计算机性能指标</a:t>
             </a:r>
-            <a:endParaRPr lang="en-US" altLang="zh-CN" sz="4000" dirty="0">
+            <a:endParaRPr lang="en-US" altLang="zh-CN" sz="4000" dirty="0" smtClean="0">
               <a:solidFill>
                 <a:schemeClr val="tx1">
                   <a:lumMod val="75000"/>
@@ -11841,7 +11699,7 @@
               <a:buChar char="Ø"/>
             </a:pPr>
             <a:r>
-              <a:rPr lang="zh-CN" altLang="en-US" sz="4000" dirty="0">
+              <a:rPr lang="zh-CN" altLang="en-US" sz="4000" dirty="0" smtClean="0">
                 <a:solidFill>
                   <a:schemeClr val="tx1">
                     <a:lumMod val="75000"/>
@@ -11853,7 +11711,7 @@
               </a:rPr>
               <a:t> 计算机的应用领域及发展趋势</a:t>
             </a:r>
-            <a:endParaRPr lang="en-US" altLang="zh-CN" sz="4000" dirty="0">
+            <a:endParaRPr lang="en-US" altLang="zh-CN" sz="4000" dirty="0" smtClean="0">
               <a:solidFill>
                 <a:schemeClr val="tx1">
                   <a:lumMod val="75000"/>
@@ -11879,6 +11737,13 @@
   <p:transition>
     <p:fade/>
   </p:transition>
+  <p:timing>
+    <p:tnLst>
+      <p:par>
+        <p:cTn id="1" dur="indefinite" restart="never" nodeType="tmRoot"/>
+      </p:par>
+    </p:tnLst>
+  </p:timing>
 </p:sld>
 </file>
 
@@ -11899,30 +11764,6 @@
           <a:chExt cx="0" cy="0"/>
         </a:xfrm>
       </p:grpSpPr>
-      <p:pic>
-        <p:nvPicPr>
-          <p:cNvPr id="2" name="图片 1"/>
-          <p:cNvPicPr>
-            <a:picLocks noChangeAspect="1"/>
-          </p:cNvPicPr>
-          <p:nvPr/>
-        </p:nvPicPr>
-        <p:blipFill>
-          <a:blip r:embed="rId2"/>
-          <a:stretch>
-            <a:fillRect/>
-          </a:stretch>
-        </p:blipFill>
-        <p:spPr>
-          <a:xfrm>
-            <a:off x="1775520" y="1268760"/>
-            <a:ext cx="9073008" cy="5400600"/>
-          </a:xfrm>
-          <a:prstGeom prst="rect">
-            <a:avLst/>
-          </a:prstGeom>
-        </p:spPr>
-      </p:pic>
       <p:sp>
         <p:nvSpPr>
           <p:cNvPr id="28674" name="标题 1"/>
@@ -11939,12 +11780,36 @@
           <a:lstStyle/>
           <a:p>
             <a:r>
-              <a:rPr lang="zh-CN" altLang="en-US"/>
+              <a:rPr lang="zh-CN" altLang="en-US" smtClean="0"/>
               <a:t>计算机系统</a:t>
             </a:r>
           </a:p>
         </p:txBody>
       </p:sp>
+      <p:pic>
+        <p:nvPicPr>
+          <p:cNvPr id="4" name="图片 3"/>
+          <p:cNvPicPr>
+            <a:picLocks noChangeAspect="1"/>
+          </p:cNvPicPr>
+          <p:nvPr/>
+        </p:nvPicPr>
+        <p:blipFill>
+          <a:blip r:embed="rId2"/>
+          <a:stretch>
+            <a:fillRect/>
+          </a:stretch>
+        </p:blipFill>
+        <p:spPr>
+          <a:xfrm>
+            <a:off x="1775520" y="1268760"/>
+            <a:ext cx="9073008" cy="5465753"/>
+          </a:xfrm>
+          <a:prstGeom prst="rect">
+            <a:avLst/>
+          </a:prstGeom>
+        </p:spPr>
+      </p:pic>
     </p:spTree>
   </p:cSld>
   <p:clrMapOvr>
@@ -11953,6 +11818,13 @@
   <p:transition>
     <p:fade/>
   </p:transition>
+  <p:timing>
+    <p:tnLst>
+      <p:par>
+        <p:cTn id="1" dur="indefinite" restart="never" nodeType="tmRoot"/>
+      </p:par>
+    </p:tnLst>
+  </p:timing>
 </p:sld>
 </file>
 
@@ -11989,7 +11861,7 @@
           <a:lstStyle/>
           <a:p>
             <a:r>
-              <a:rPr lang="zh-CN" altLang="en-US"/>
+              <a:rPr lang="zh-CN" altLang="en-US" smtClean="0"/>
               <a:t>计算机系统</a:t>
             </a:r>
           </a:p>
@@ -12027,6 +11899,13 @@
   <p:transition>
     <p:fade/>
   </p:transition>
+  <p:timing>
+    <p:tnLst>
+      <p:par>
+        <p:cTn id="1" dur="indefinite" restart="never" nodeType="tmRoot"/>
+      </p:par>
+    </p:tnLst>
+  </p:timing>
 </p:sld>
 </file>
 
@@ -12063,7 +11942,7 @@
           <a:lstStyle/>
           <a:p>
             <a:r>
-              <a:rPr lang="zh-CN" altLang="en-US" dirty="0"/>
+              <a:rPr lang="zh-CN" altLang="en-US" dirty="0" smtClean="0"/>
               <a:t>计算机软件</a:t>
             </a:r>
           </a:p>
@@ -12178,7 +12057,7 @@
               <a:lstStyle/>
               <a:p>
                 <a:r>
-                  <a:rPr lang="zh-CN" altLang="en-US" sz="2600" b="1" dirty="0">
+                  <a:rPr lang="zh-CN" altLang="en-US" sz="2600" b="1" dirty="0" smtClean="0">
                     <a:solidFill>
                       <a:schemeClr val="tx1">
                         <a:lumMod val="75000"/>
@@ -12190,6 +12069,16 @@
                   </a:rPr>
                   <a:t>应用软件</a:t>
                 </a:r>
+                <a:endParaRPr lang="zh-CN" altLang="en-US" sz="2600" b="1" dirty="0">
+                  <a:solidFill>
+                    <a:schemeClr val="tx1">
+                      <a:lumMod val="75000"/>
+                      <a:lumOff val="25000"/>
+                    </a:schemeClr>
+                  </a:solidFill>
+                  <a:latin typeface="微软雅黑" panose="020B0503020204020204" pitchFamily="34" charset="-122"/>
+                  <a:ea typeface="微软雅黑" panose="020B0503020204020204" pitchFamily="34" charset="-122"/>
+                </a:endParaRPr>
               </a:p>
             </p:txBody>
           </p:sp>
@@ -12216,7 +12105,7 @@
               <a:lstStyle/>
               <a:p>
                 <a:r>
-                  <a:rPr lang="zh-CN" altLang="en-US" sz="2000" dirty="0">
+                  <a:rPr lang="zh-CN" altLang="en-US" sz="2000" dirty="0" smtClean="0">
                     <a:solidFill>
                       <a:schemeClr val="tx1">
                         <a:lumMod val="75000"/>
@@ -12228,6 +12117,16 @@
                   </a:rPr>
                   <a:t>公文制作</a:t>
                 </a:r>
+                <a:endParaRPr lang="zh-CN" altLang="en-US" sz="2000" dirty="0">
+                  <a:solidFill>
+                    <a:schemeClr val="tx1">
+                      <a:lumMod val="75000"/>
+                      <a:lumOff val="25000"/>
+                    </a:schemeClr>
+                  </a:solidFill>
+                  <a:latin typeface="微软雅黑" panose="020B0503020204020204" pitchFamily="34" charset="-122"/>
+                  <a:ea typeface="微软雅黑" panose="020B0503020204020204" pitchFamily="34" charset="-122"/>
+                </a:endParaRPr>
               </a:p>
             </p:txBody>
           </p:sp>
@@ -12254,7 +12153,7 @@
               <a:lstStyle/>
               <a:p>
                 <a:r>
-                  <a:rPr lang="zh-CN" altLang="en-US" sz="2000" dirty="0">
+                  <a:rPr lang="zh-CN" altLang="en-US" sz="2000" dirty="0" smtClean="0">
                     <a:solidFill>
                       <a:schemeClr val="tx1">
                         <a:lumMod val="75000"/>
@@ -12266,7 +12165,7 @@
                   </a:rPr>
                   <a:t>科学数值</a:t>
                 </a:r>
-                <a:endParaRPr lang="en-US" altLang="zh-CN" sz="2000" dirty="0">
+                <a:endParaRPr lang="en-US" altLang="zh-CN" sz="2000" dirty="0" smtClean="0">
                   <a:solidFill>
                     <a:schemeClr val="tx1">
                       <a:lumMod val="75000"/>
@@ -12279,7 +12178,7 @@
               </a:p>
               <a:p>
                 <a:r>
-                  <a:rPr lang="zh-CN" altLang="en-US" sz="2000" dirty="0">
+                  <a:rPr lang="zh-CN" altLang="en-US" sz="2000" dirty="0" smtClean="0">
                     <a:solidFill>
                       <a:schemeClr val="tx1">
                         <a:lumMod val="75000"/>
@@ -12291,6 +12190,16 @@
                   </a:rPr>
                   <a:t>计算</a:t>
                 </a:r>
+                <a:endParaRPr lang="zh-CN" altLang="en-US" sz="2000" dirty="0">
+                  <a:solidFill>
+                    <a:schemeClr val="tx1">
+                      <a:lumMod val="75000"/>
+                      <a:lumOff val="25000"/>
+                    </a:schemeClr>
+                  </a:solidFill>
+                  <a:latin typeface="微软雅黑" panose="020B0503020204020204" pitchFamily="34" charset="-122"/>
+                  <a:ea typeface="微软雅黑" panose="020B0503020204020204" pitchFamily="34" charset="-122"/>
+                </a:endParaRPr>
               </a:p>
             </p:txBody>
           </p:sp>
@@ -12317,7 +12226,7 @@
               <a:lstStyle/>
               <a:p>
                 <a:r>
-                  <a:rPr lang="zh-CN" altLang="en-US" sz="2000" dirty="0">
+                  <a:rPr lang="zh-CN" altLang="en-US" sz="2000" dirty="0" smtClean="0">
                     <a:solidFill>
                       <a:schemeClr val="tx1">
                         <a:lumMod val="75000"/>
@@ -12329,7 +12238,7 @@
                   </a:rPr>
                   <a:t>财务</a:t>
                 </a:r>
-                <a:endParaRPr lang="en-US" altLang="zh-CN" sz="2000" dirty="0">
+                <a:endParaRPr lang="en-US" altLang="zh-CN" sz="2000" dirty="0" smtClean="0">
                   <a:solidFill>
                     <a:schemeClr val="tx1">
                       <a:lumMod val="75000"/>
@@ -12342,7 +12251,7 @@
               </a:p>
               <a:p>
                 <a:r>
-                  <a:rPr lang="zh-CN" altLang="en-US" sz="2000" dirty="0">
+                  <a:rPr lang="zh-CN" altLang="en-US" sz="2000" dirty="0" smtClean="0">
                     <a:solidFill>
                       <a:schemeClr val="tx1">
                         <a:lumMod val="75000"/>
@@ -12354,6 +12263,16 @@
                   </a:rPr>
                   <a:t>会计</a:t>
                 </a:r>
+                <a:endParaRPr lang="zh-CN" altLang="en-US" sz="2000" dirty="0">
+                  <a:solidFill>
+                    <a:schemeClr val="tx1">
+                      <a:lumMod val="75000"/>
+                      <a:lumOff val="25000"/>
+                    </a:schemeClr>
+                  </a:solidFill>
+                  <a:latin typeface="微软雅黑" panose="020B0503020204020204" pitchFamily="34" charset="-122"/>
+                  <a:ea typeface="微软雅黑" panose="020B0503020204020204" pitchFamily="34" charset="-122"/>
+                </a:endParaRPr>
               </a:p>
             </p:txBody>
           </p:sp>
@@ -12380,7 +12299,7 @@
               <a:lstStyle/>
               <a:p>
                 <a:r>
-                  <a:rPr lang="zh-CN" altLang="en-US" sz="2000" dirty="0">
+                  <a:rPr lang="zh-CN" altLang="en-US" sz="2000" dirty="0" smtClean="0">
                     <a:solidFill>
                       <a:schemeClr val="tx1">
                         <a:lumMod val="75000"/>
@@ -12392,6 +12311,16 @@
                   </a:rPr>
                   <a:t>信息检索</a:t>
                 </a:r>
+                <a:endParaRPr lang="zh-CN" altLang="en-US" sz="2000" dirty="0">
+                  <a:solidFill>
+                    <a:schemeClr val="tx1">
+                      <a:lumMod val="75000"/>
+                      <a:lumOff val="25000"/>
+                    </a:schemeClr>
+                  </a:solidFill>
+                  <a:latin typeface="微软雅黑" panose="020B0503020204020204" pitchFamily="34" charset="-122"/>
+                  <a:ea typeface="微软雅黑" panose="020B0503020204020204" pitchFamily="34" charset="-122"/>
+                </a:endParaRPr>
               </a:p>
             </p:txBody>
           </p:sp>
@@ -12418,7 +12347,7 @@
               <a:lstStyle/>
               <a:p>
                 <a:r>
-                  <a:rPr lang="zh-CN" altLang="en-US" sz="2000" dirty="0">
+                  <a:rPr lang="zh-CN" altLang="en-US" sz="2000" dirty="0" smtClean="0">
                     <a:solidFill>
                       <a:schemeClr val="tx1">
                         <a:lumMod val="75000"/>
@@ -12430,6 +12359,16 @@
                   </a:rPr>
                   <a:t>数据管理</a:t>
                 </a:r>
+                <a:endParaRPr lang="zh-CN" altLang="en-US" sz="2000" dirty="0">
+                  <a:solidFill>
+                    <a:schemeClr val="tx1">
+                      <a:lumMod val="75000"/>
+                      <a:lumOff val="25000"/>
+                    </a:schemeClr>
+                  </a:solidFill>
+                  <a:latin typeface="微软雅黑" panose="020B0503020204020204" pitchFamily="34" charset="-122"/>
+                  <a:ea typeface="微软雅黑" panose="020B0503020204020204" pitchFamily="34" charset="-122"/>
+                </a:endParaRPr>
               </a:p>
             </p:txBody>
           </p:sp>
@@ -12456,7 +12395,7 @@
               <a:lstStyle/>
               <a:p>
                 <a:r>
-                  <a:rPr lang="zh-CN" altLang="en-US" sz="2000" dirty="0">
+                  <a:rPr lang="zh-CN" altLang="en-US" sz="2000" dirty="0" smtClean="0">
                     <a:solidFill>
                       <a:schemeClr val="tx1">
                         <a:lumMod val="75000"/>
@@ -12468,6 +12407,16 @@
                   </a:rPr>
                   <a:t>文件压缩和解压</a:t>
                 </a:r>
+                <a:endParaRPr lang="zh-CN" altLang="en-US" sz="2000" dirty="0">
+                  <a:solidFill>
+                    <a:schemeClr val="tx1">
+                      <a:lumMod val="75000"/>
+                      <a:lumOff val="25000"/>
+                    </a:schemeClr>
+                  </a:solidFill>
+                  <a:latin typeface="微软雅黑" panose="020B0503020204020204" pitchFamily="34" charset="-122"/>
+                  <a:ea typeface="微软雅黑" panose="020B0503020204020204" pitchFamily="34" charset="-122"/>
+                </a:endParaRPr>
               </a:p>
             </p:txBody>
           </p:sp>
@@ -12494,7 +12443,7 @@
               <a:lstStyle/>
               <a:p>
                 <a:r>
-                  <a:rPr lang="zh-CN" altLang="en-US" sz="2000" dirty="0">
+                  <a:rPr lang="zh-CN" altLang="en-US" sz="2000" dirty="0" smtClean="0">
                     <a:solidFill>
                       <a:schemeClr val="tx1">
                         <a:lumMod val="75000"/>
@@ -12506,7 +12455,7 @@
                   </a:rPr>
                   <a:t>互联</a:t>
                 </a:r>
-                <a:endParaRPr lang="en-US" altLang="zh-CN" sz="2000" dirty="0">
+                <a:endParaRPr lang="en-US" altLang="zh-CN" sz="2000" dirty="0" smtClean="0">
                   <a:solidFill>
                     <a:schemeClr val="tx1">
                       <a:lumMod val="75000"/>
@@ -12519,7 +12468,7 @@
               </a:p>
               <a:p>
                 <a:r>
-                  <a:rPr lang="zh-CN" altLang="en-US" sz="2000" dirty="0">
+                  <a:rPr lang="zh-CN" altLang="en-US" sz="2000" dirty="0" smtClean="0">
                     <a:solidFill>
                       <a:schemeClr val="tx1">
                         <a:lumMod val="75000"/>
@@ -12531,6 +12480,16 @@
                   </a:rPr>
                   <a:t>软件</a:t>
                 </a:r>
+                <a:endParaRPr lang="zh-CN" altLang="en-US" sz="2000" dirty="0">
+                  <a:solidFill>
+                    <a:schemeClr val="tx1">
+                      <a:lumMod val="75000"/>
+                      <a:lumOff val="25000"/>
+                    </a:schemeClr>
+                  </a:solidFill>
+                  <a:latin typeface="微软雅黑" panose="020B0503020204020204" pitchFamily="34" charset="-122"/>
+                  <a:ea typeface="微软雅黑" panose="020B0503020204020204" pitchFamily="34" charset="-122"/>
+                </a:endParaRPr>
               </a:p>
             </p:txBody>
           </p:sp>
@@ -12557,7 +12516,7 @@
               <a:lstStyle/>
               <a:p>
                 <a:r>
-                  <a:rPr lang="zh-CN" altLang="en-US" sz="2000" dirty="0">
+                  <a:rPr lang="zh-CN" altLang="en-US" sz="2000" dirty="0" smtClean="0">
                     <a:solidFill>
                       <a:schemeClr val="tx1">
                         <a:lumMod val="75000"/>
@@ -12569,6 +12528,16 @@
                   </a:rPr>
                   <a:t>网页制作</a:t>
                 </a:r>
+                <a:endParaRPr lang="zh-CN" altLang="en-US" sz="2000" dirty="0">
+                  <a:solidFill>
+                    <a:schemeClr val="tx1">
+                      <a:lumMod val="75000"/>
+                      <a:lumOff val="25000"/>
+                    </a:schemeClr>
+                  </a:solidFill>
+                  <a:latin typeface="微软雅黑" panose="020B0503020204020204" pitchFamily="34" charset="-122"/>
+                  <a:ea typeface="微软雅黑" panose="020B0503020204020204" pitchFamily="34" charset="-122"/>
+                </a:endParaRPr>
               </a:p>
             </p:txBody>
           </p:sp>
@@ -12595,7 +12564,7 @@
               <a:lstStyle/>
               <a:p>
                 <a:r>
-                  <a:rPr lang="zh-CN" altLang="en-US" sz="2000" dirty="0">
+                  <a:rPr lang="zh-CN" altLang="en-US" sz="2000" dirty="0" smtClean="0">
                     <a:solidFill>
                       <a:schemeClr val="tx1">
                         <a:lumMod val="75000"/>
@@ -12607,7 +12576,7 @@
                   </a:rPr>
                   <a:t>游戏</a:t>
                 </a:r>
-                <a:endParaRPr lang="en-US" altLang="zh-CN" sz="2000" dirty="0">
+                <a:endParaRPr lang="en-US" altLang="zh-CN" sz="2000" dirty="0" smtClean="0">
                   <a:solidFill>
                     <a:schemeClr val="tx1">
                       <a:lumMod val="75000"/>
@@ -12620,7 +12589,7 @@
               </a:p>
               <a:p>
                 <a:r>
-                  <a:rPr lang="zh-CN" altLang="en-US" sz="2000" dirty="0">
+                  <a:rPr lang="zh-CN" altLang="en-US" sz="2000" dirty="0" smtClean="0">
                     <a:solidFill>
                       <a:schemeClr val="tx1">
                         <a:lumMod val="75000"/>
@@ -12632,7 +12601,7 @@
                   </a:rPr>
                   <a:t>软件</a:t>
                 </a:r>
-                <a:endParaRPr lang="en-US" altLang="zh-CN" sz="2000" dirty="0">
+                <a:endParaRPr lang="en-US" altLang="zh-CN" sz="2000" dirty="0" smtClean="0">
                   <a:solidFill>
                     <a:schemeClr val="tx1">
                       <a:lumMod val="75000"/>
@@ -12668,7 +12637,7 @@
               <a:lstStyle/>
               <a:p>
                 <a:r>
-                  <a:rPr lang="zh-CN" altLang="en-US" sz="2000" dirty="0">
+                  <a:rPr lang="zh-CN" altLang="en-US" sz="2000" dirty="0" smtClean="0">
                     <a:solidFill>
                       <a:schemeClr val="tx1">
                         <a:lumMod val="75000"/>
@@ -12680,7 +12649,7 @@
                   </a:rPr>
                   <a:t>绘图</a:t>
                 </a:r>
-                <a:endParaRPr lang="en-US" altLang="zh-CN" sz="2000" dirty="0">
+                <a:endParaRPr lang="en-US" altLang="zh-CN" sz="2000" dirty="0" smtClean="0">
                   <a:solidFill>
                     <a:schemeClr val="tx1">
                       <a:lumMod val="75000"/>
@@ -12693,7 +12662,7 @@
               </a:p>
               <a:p>
                 <a:r>
-                  <a:rPr lang="zh-CN" altLang="en-US" sz="2000" dirty="0">
+                  <a:rPr lang="zh-CN" altLang="en-US" sz="2000" dirty="0" smtClean="0">
                     <a:solidFill>
                       <a:schemeClr val="tx1">
                         <a:lumMod val="75000"/>
@@ -12705,7 +12674,7 @@
                   </a:rPr>
                   <a:t>软件</a:t>
                 </a:r>
-                <a:endParaRPr lang="en-US" altLang="zh-CN" sz="2000" dirty="0">
+                <a:endParaRPr lang="en-US" altLang="zh-CN" sz="2000" dirty="0" smtClean="0">
                   <a:solidFill>
                     <a:schemeClr val="tx1">
                       <a:lumMod val="75000"/>
@@ -12741,7 +12710,7 @@
               <a:lstStyle/>
               <a:p>
                 <a:r>
-                  <a:rPr lang="zh-CN" altLang="en-US" sz="2000" dirty="0">
+                  <a:rPr lang="zh-CN" altLang="en-US" sz="2000" dirty="0" smtClean="0">
                     <a:solidFill>
                       <a:schemeClr val="tx1">
                         <a:lumMod val="75000"/>
@@ -12753,6 +12722,16 @@
                   </a:rPr>
                   <a:t>幻灯演示</a:t>
                 </a:r>
+                <a:endParaRPr lang="zh-CN" altLang="en-US" sz="2000" dirty="0">
+                  <a:solidFill>
+                    <a:schemeClr val="tx1">
+                      <a:lumMod val="75000"/>
+                      <a:lumOff val="25000"/>
+                    </a:schemeClr>
+                  </a:solidFill>
+                  <a:latin typeface="微软雅黑" panose="020B0503020204020204" pitchFamily="34" charset="-122"/>
+                  <a:ea typeface="微软雅黑" panose="020B0503020204020204" pitchFamily="34" charset="-122"/>
+                </a:endParaRPr>
               </a:p>
             </p:txBody>
           </p:sp>
@@ -12858,7 +12837,7 @@
                 <a:lstStyle/>
                 <a:p>
                   <a:r>
-                    <a:rPr lang="zh-CN" altLang="en-US" sz="2600" b="1" dirty="0">
+                    <a:rPr lang="zh-CN" altLang="en-US" sz="2600" b="1" dirty="0" smtClean="0">
                       <a:solidFill>
                         <a:schemeClr val="tx1">
                           <a:lumMod val="75000"/>
@@ -12870,6 +12849,16 @@
                     </a:rPr>
                     <a:t>其它系统软件</a:t>
                   </a:r>
+                  <a:endParaRPr lang="zh-CN" altLang="en-US" sz="2600" b="1" dirty="0">
+                    <a:solidFill>
+                      <a:schemeClr val="tx1">
+                        <a:lumMod val="75000"/>
+                        <a:lumOff val="25000"/>
+                      </a:schemeClr>
+                    </a:solidFill>
+                    <a:latin typeface="微软雅黑" panose="020B0503020204020204" pitchFamily="34" charset="-122"/>
+                    <a:ea typeface="微软雅黑" panose="020B0503020204020204" pitchFamily="34" charset="-122"/>
+                  </a:endParaRPr>
                 </a:p>
               </p:txBody>
             </p:sp>
@@ -12896,7 +12885,7 @@
                 <a:lstStyle/>
                 <a:p>
                   <a:r>
-                    <a:rPr lang="zh-CN" altLang="en-US" sz="2000" dirty="0">
+                    <a:rPr lang="zh-CN" altLang="en-US" sz="2000" dirty="0" smtClean="0">
                       <a:solidFill>
                         <a:schemeClr val="tx1">
                           <a:lumMod val="75000"/>
@@ -12908,7 +12897,7 @@
                     </a:rPr>
                     <a:t>设备驱动</a:t>
                   </a:r>
-                  <a:endParaRPr lang="en-US" altLang="zh-CN" sz="2000" dirty="0">
+                  <a:endParaRPr lang="en-US" altLang="zh-CN" sz="2000" dirty="0" smtClean="0">
                     <a:solidFill>
                       <a:schemeClr val="tx1">
                         <a:lumMod val="75000"/>
@@ -12921,7 +12910,7 @@
                 </a:p>
                 <a:p>
                   <a:r>
-                    <a:rPr lang="zh-CN" altLang="en-US" sz="2000" dirty="0">
+                    <a:rPr lang="zh-CN" altLang="en-US" sz="2000" dirty="0" smtClean="0">
                       <a:solidFill>
                         <a:schemeClr val="tx1">
                           <a:lumMod val="75000"/>
@@ -12933,6 +12922,16 @@
                     </a:rPr>
                     <a:t>程序</a:t>
                   </a:r>
+                  <a:endParaRPr lang="zh-CN" altLang="en-US" sz="2000" dirty="0">
+                    <a:solidFill>
+                      <a:schemeClr val="tx1">
+                        <a:lumMod val="75000"/>
+                        <a:lumOff val="25000"/>
+                      </a:schemeClr>
+                    </a:solidFill>
+                    <a:latin typeface="微软雅黑" panose="020B0503020204020204" pitchFamily="34" charset="-122"/>
+                    <a:ea typeface="微软雅黑" panose="020B0503020204020204" pitchFamily="34" charset="-122"/>
+                  </a:endParaRPr>
                 </a:p>
               </p:txBody>
             </p:sp>
@@ -12959,7 +12958,7 @@
                 <a:lstStyle/>
                 <a:p>
                   <a:r>
-                    <a:rPr lang="zh-CN" altLang="en-US" sz="2000" dirty="0">
+                    <a:rPr lang="zh-CN" altLang="en-US" sz="2000" dirty="0" smtClean="0">
                       <a:solidFill>
                         <a:schemeClr val="tx1">
                           <a:lumMod val="75000"/>
@@ -12971,6 +12970,16 @@
                     </a:rPr>
                     <a:t>图形包</a:t>
                   </a:r>
+                  <a:endParaRPr lang="zh-CN" altLang="en-US" sz="2000" dirty="0">
+                    <a:solidFill>
+                      <a:schemeClr val="tx1">
+                        <a:lumMod val="75000"/>
+                        <a:lumOff val="25000"/>
+                      </a:schemeClr>
+                    </a:solidFill>
+                    <a:latin typeface="微软雅黑" panose="020B0503020204020204" pitchFamily="34" charset="-122"/>
+                    <a:ea typeface="微软雅黑" panose="020B0503020204020204" pitchFamily="34" charset="-122"/>
+                  </a:endParaRPr>
                 </a:p>
               </p:txBody>
             </p:sp>
@@ -12997,7 +13006,7 @@
                 <a:lstStyle/>
                 <a:p>
                   <a:r>
-                    <a:rPr lang="zh-CN" altLang="en-US" sz="2000" dirty="0">
+                    <a:rPr lang="zh-CN" altLang="en-US" sz="2000" dirty="0" smtClean="0">
                       <a:solidFill>
                         <a:schemeClr val="tx1">
                           <a:lumMod val="75000"/>
@@ -13009,6 +13018,16 @@
                     </a:rPr>
                     <a:t>程序语言和开发环境</a:t>
                   </a:r>
+                  <a:endParaRPr lang="zh-CN" altLang="en-US" sz="2000" dirty="0">
+                    <a:solidFill>
+                      <a:schemeClr val="tx1">
+                        <a:lumMod val="75000"/>
+                        <a:lumOff val="25000"/>
+                      </a:schemeClr>
+                    </a:solidFill>
+                    <a:latin typeface="微软雅黑" panose="020B0503020204020204" pitchFamily="34" charset="-122"/>
+                    <a:ea typeface="微软雅黑" panose="020B0503020204020204" pitchFamily="34" charset="-122"/>
+                  </a:endParaRPr>
                 </a:p>
               </p:txBody>
             </p:sp>
@@ -13035,7 +13054,7 @@
                 <a:lstStyle/>
                 <a:p>
                   <a:r>
-                    <a:rPr lang="zh-CN" altLang="en-US" sz="2000" dirty="0">
+                    <a:rPr lang="zh-CN" altLang="en-US" sz="2000" dirty="0" smtClean="0">
                       <a:solidFill>
                         <a:schemeClr val="tx1">
                           <a:lumMod val="75000"/>
@@ -13047,6 +13066,16 @@
                     </a:rPr>
                     <a:t>数据库</a:t>
                   </a:r>
+                  <a:endParaRPr lang="zh-CN" altLang="en-US" sz="2000" dirty="0">
+                    <a:solidFill>
+                      <a:schemeClr val="tx1">
+                        <a:lumMod val="75000"/>
+                        <a:lumOff val="25000"/>
+                      </a:schemeClr>
+                    </a:solidFill>
+                    <a:latin typeface="微软雅黑" panose="020B0503020204020204" pitchFamily="34" charset="-122"/>
+                    <a:ea typeface="微软雅黑" panose="020B0503020204020204" pitchFamily="34" charset="-122"/>
+                  </a:endParaRPr>
                 </a:p>
               </p:txBody>
             </p:sp>
@@ -13074,7 +13103,7 @@
                 <a:p>
                   <a:pPr algn="ctr"/>
                   <a:r>
-                    <a:rPr lang="zh-CN" altLang="en-US" sz="2000" dirty="0">
+                    <a:rPr lang="zh-CN" altLang="en-US" sz="2000" dirty="0" smtClean="0">
                       <a:solidFill>
                         <a:schemeClr val="tx1">
                           <a:lumMod val="75000"/>
@@ -13086,7 +13115,7 @@
                     </a:rPr>
                     <a:t>数学</a:t>
                   </a:r>
-                  <a:endParaRPr lang="en-US" altLang="zh-CN" sz="2000" dirty="0">
+                  <a:endParaRPr lang="en-US" altLang="zh-CN" sz="2000" dirty="0" smtClean="0">
                     <a:solidFill>
                       <a:schemeClr val="tx1">
                         <a:lumMod val="75000"/>
@@ -13100,7 +13129,7 @@
                 <a:p>
                   <a:pPr algn="r"/>
                   <a:r>
-                    <a:rPr lang="zh-CN" altLang="en-US" sz="2000" dirty="0">
+                    <a:rPr lang="zh-CN" altLang="en-US" sz="2000" dirty="0" smtClean="0">
                       <a:solidFill>
                         <a:schemeClr val="tx1">
                           <a:lumMod val="75000"/>
@@ -13112,6 +13141,16 @@
                     </a:rPr>
                     <a:t>软件包</a:t>
                   </a:r>
+                  <a:endParaRPr lang="zh-CN" altLang="en-US" sz="2000" dirty="0">
+                    <a:solidFill>
+                      <a:schemeClr val="tx1">
+                        <a:lumMod val="75000"/>
+                        <a:lumOff val="25000"/>
+                      </a:schemeClr>
+                    </a:solidFill>
+                    <a:latin typeface="微软雅黑" panose="020B0503020204020204" pitchFamily="34" charset="-122"/>
+                    <a:ea typeface="微软雅黑" panose="020B0503020204020204" pitchFamily="34" charset="-122"/>
+                  </a:endParaRPr>
                 </a:p>
               </p:txBody>
             </p:sp>
@@ -13223,12 +13262,16 @@
                 <a:p>
                   <a:pPr algn="ctr"/>
                   <a:r>
-                    <a:rPr lang="zh-CN" altLang="en-US" sz="2600" b="1" dirty="0">
+                    <a:rPr lang="zh-CN" altLang="en-US" sz="2600" b="1" dirty="0" smtClean="0">
                       <a:latin typeface="微软雅黑" panose="020B0503020204020204" pitchFamily="34" charset="-122"/>
                       <a:ea typeface="微软雅黑" panose="020B0503020204020204" pitchFamily="34" charset="-122"/>
                     </a:rPr>
                     <a:t>硬件系统</a:t>
                   </a:r>
+                  <a:endParaRPr lang="zh-CN" altLang="en-US" sz="2600" b="1" dirty="0">
+                    <a:latin typeface="微软雅黑" panose="020B0503020204020204" pitchFamily="34" charset="-122"/>
+                    <a:ea typeface="微软雅黑" panose="020B0503020204020204" pitchFamily="34" charset="-122"/>
+                  </a:endParaRPr>
                 </a:p>
               </p:txBody>
             </p:sp>
@@ -13255,7 +13298,7 @@
                 <a:lstStyle/>
                 <a:p>
                   <a:r>
-                    <a:rPr lang="zh-CN" altLang="en-US" sz="2600" b="1" dirty="0">
+                    <a:rPr lang="zh-CN" altLang="en-US" sz="2600" b="1" dirty="0" smtClean="0">
                       <a:solidFill>
                         <a:schemeClr val="tx1">
                           <a:lumMod val="75000"/>
@@ -13267,6 +13310,16 @@
                     </a:rPr>
                     <a:t>操作系统</a:t>
                   </a:r>
+                  <a:endParaRPr lang="zh-CN" altLang="en-US" sz="2600" b="1" dirty="0">
+                    <a:solidFill>
+                      <a:schemeClr val="tx1">
+                        <a:lumMod val="75000"/>
+                        <a:lumOff val="25000"/>
+                      </a:schemeClr>
+                    </a:solidFill>
+                    <a:latin typeface="微软雅黑" panose="020B0503020204020204" pitchFamily="34" charset="-122"/>
+                    <a:ea typeface="微软雅黑" panose="020B0503020204020204" pitchFamily="34" charset="-122"/>
+                  </a:endParaRPr>
                 </a:p>
               </p:txBody>
             </p:sp>
@@ -13293,7 +13346,7 @@
                 <a:lstStyle/>
                 <a:p>
                   <a:r>
-                    <a:rPr lang="en-US" altLang="zh-CN" sz="2400" dirty="0">
+                    <a:rPr lang="en-US" altLang="zh-CN" sz="2400" dirty="0" smtClean="0">
                       <a:solidFill>
                         <a:schemeClr val="tx1">
                           <a:lumMod val="75000"/>
@@ -13341,7 +13394,7 @@
                 <a:lstStyle/>
                 <a:p>
                   <a:r>
-                    <a:rPr lang="en-US" altLang="zh-CN" sz="2400" dirty="0">
+                    <a:rPr lang="en-US" altLang="zh-CN" sz="2400" dirty="0" smtClean="0">
                       <a:solidFill>
                         <a:schemeClr val="tx1">
                           <a:lumMod val="75000"/>
@@ -13389,7 +13442,7 @@
                 <a:lstStyle/>
                 <a:p>
                   <a:r>
-                    <a:rPr lang="en-US" altLang="zh-CN" sz="2400" dirty="0">
+                    <a:rPr lang="en-US" altLang="zh-CN" sz="2400" dirty="0" smtClean="0">
                       <a:solidFill>
                         <a:schemeClr val="tx1">
                           <a:lumMod val="75000"/>
@@ -13425,6 +13478,13 @@
   <p:transition>
     <p:fade/>
   </p:transition>
+  <p:timing>
+    <p:tnLst>
+      <p:par>
+        <p:cTn id="1" dur="indefinite" restart="never" nodeType="tmRoot"/>
+      </p:par>
+    </p:tnLst>
+  </p:timing>
 </p:sld>
 </file>
 
@@ -13461,7 +13521,7 @@
           <a:lstStyle/>
           <a:p>
             <a:r>
-              <a:rPr lang="zh-CN" altLang="en-US"/>
+              <a:rPr lang="zh-CN" altLang="en-US" smtClean="0"/>
               <a:t>计算机软件</a:t>
             </a:r>
           </a:p>
@@ -13505,6 +13565,13 @@
   <p:transition>
     <p:fade/>
   </p:transition>
+  <p:timing>
+    <p:tnLst>
+      <p:par>
+        <p:cTn id="1" dur="indefinite" restart="never" nodeType="tmRoot"/>
+      </p:par>
+    </p:tnLst>
+  </p:timing>
 </p:sld>
 </file>
 
@@ -13541,7 +13608,7 @@
           <a:lstStyle/>
           <a:p>
             <a:r>
-              <a:rPr lang="zh-CN" altLang="en-US"/>
+              <a:rPr lang="zh-CN" altLang="en-US" smtClean="0"/>
               <a:t>引子</a:t>
             </a:r>
           </a:p>
@@ -13622,6 +13689,13 @@
   <p:transition>
     <p:fade/>
   </p:transition>
+  <p:timing>
+    <p:tnLst>
+      <p:par>
+        <p:cTn id="1" dur="indefinite" restart="never" nodeType="tmRoot"/>
+      </p:par>
+    </p:tnLst>
+  </p:timing>
 </p:sld>
 </file>
 
@@ -13658,7 +13732,7 @@
           <a:lstStyle/>
           <a:p>
             <a:r>
-              <a:rPr lang="zh-CN" altLang="en-US" dirty="0"/>
+              <a:rPr lang="zh-CN" altLang="en-US" dirty="0" smtClean="0"/>
               <a:t>计算机硬件</a:t>
             </a:r>
           </a:p>
@@ -13745,6 +13819,13 @@
   <p:transition>
     <p:fade/>
   </p:transition>
+  <p:timing>
+    <p:tnLst>
+      <p:par>
+        <p:cTn id="1" dur="indefinite" restart="never" nodeType="tmRoot"/>
+      </p:par>
+    </p:tnLst>
+  </p:timing>
 </p:sld>
 </file>
 
@@ -13871,6 +13952,16 @@
               <a:defRPr/>
             </a:pPr>
             <a:r>
+              <a:rPr lang="en-US" altLang="zh-CN" sz="2800" dirty="0" smtClean="0">
+                <a:solidFill>
+                  <a:srgbClr val="C00000"/>
+                </a:solidFill>
+                <a:latin typeface="微软雅黑" panose="020B0503020204020204" pitchFamily="34" charset="-122"/>
+                <a:ea typeface="微软雅黑" panose="020B0503020204020204" pitchFamily="34" charset="-122"/>
+              </a:rPr>
+              <a:t>CPU </a:t>
+            </a:r>
+            <a:r>
               <a:rPr lang="en-US" altLang="zh-CN" sz="2800" dirty="0">
                 <a:solidFill>
                   <a:srgbClr val="C00000"/>
@@ -13878,7 +13969,7 @@
                 <a:latin typeface="微软雅黑" panose="020B0503020204020204" pitchFamily="34" charset="-122"/>
                 <a:ea typeface="微软雅黑" panose="020B0503020204020204" pitchFamily="34" charset="-122"/>
               </a:rPr>
-              <a:t>CPU = </a:t>
+              <a:t>= </a:t>
             </a:r>
             <a:r>
               <a:rPr lang="zh-CN" altLang="en-US" sz="2800" dirty="0">
@@ -14029,7 +14120,7 @@
               <a:defRPr/>
             </a:pPr>
             <a:r>
-              <a:rPr lang="zh-CN" altLang="en-US" sz="2800" dirty="0">
+              <a:rPr lang="zh-CN" altLang="en-US" sz="2800" dirty="0" smtClean="0">
                 <a:solidFill>
                   <a:schemeClr val="tx1">
                     <a:lumMod val="75000"/>
@@ -14039,7 +14130,20 @@
                 <a:latin typeface="微软雅黑" panose="020B0503020204020204" pitchFamily="34" charset="-122"/>
                 <a:ea typeface="微软雅黑" panose="020B0503020204020204" pitchFamily="34" charset="-122"/>
               </a:rPr>
-              <a:t>除去主机以外的硬件装置（如输入设备、输出设备、辅助存储器等）</a:t>
+              <a:t>除去</a:t>
+            </a:r>
+            <a:r>
+              <a:rPr lang="zh-CN" altLang="en-US" sz="2800" dirty="0">
+                <a:solidFill>
+                  <a:schemeClr val="tx1">
+                    <a:lumMod val="75000"/>
+                    <a:lumOff val="25000"/>
+                  </a:schemeClr>
+                </a:solidFill>
+                <a:latin typeface="微软雅黑" panose="020B0503020204020204" pitchFamily="34" charset="-122"/>
+                <a:ea typeface="微软雅黑" panose="020B0503020204020204" pitchFamily="34" charset="-122"/>
+              </a:rPr>
+              <a:t>主机以外的硬件装置（如输入设备、输出设备、辅助存储器等）</a:t>
             </a:r>
           </a:p>
         </p:txBody>
@@ -14057,6 +14161,13 @@
   <p:transition>
     <p:fade/>
   </p:transition>
+  <p:timing>
+    <p:tnLst>
+      <p:par>
+        <p:cTn id="1" dur="indefinite" restart="never" nodeType="tmRoot"/>
+      </p:par>
+    </p:tnLst>
+  </p:timing>
 </p:sld>
 </file>
 
@@ -15284,12 +15395,12 @@
           <a:p>
             <a:pPr eaLnBrk="1" hangingPunct="1"/>
             <a:r>
-              <a:rPr lang="zh-CN" altLang="en-US">
+              <a:rPr lang="zh-CN" altLang="en-US" smtClean="0">
                 <a:latin typeface="Times New Roman" panose="02020603050405020304" pitchFamily="18" charset="0"/>
               </a:rPr>
               <a:t>计算机的硬件组成</a:t>
             </a:r>
-            <a:endParaRPr lang="zh-CN" altLang="en-US">
+            <a:endParaRPr lang="zh-CN" altLang="en-US" smtClean="0">
               <a:latin typeface="宋体" panose="02010600030101010101" pitchFamily="2" charset="-122"/>
             </a:endParaRPr>
           </a:p>
@@ -16054,7 +16165,7 @@
               <a:buNone/>
             </a:pPr>
             <a:r>
-              <a:rPr kumimoji="1" lang="zh-CN" altLang="en-US" sz="2800" dirty="0">
+              <a:rPr kumimoji="1" lang="zh-CN" altLang="en-US" sz="2800" dirty="0" smtClean="0">
                 <a:solidFill>
                   <a:schemeClr val="tx1">
                     <a:lumMod val="75000"/>
@@ -16066,6 +16177,16 @@
               </a:rPr>
               <a:t>输出设备</a:t>
             </a:r>
+            <a:endParaRPr kumimoji="1" lang="zh-CN" altLang="en-US" sz="2800" dirty="0">
+              <a:solidFill>
+                <a:schemeClr val="tx1">
+                  <a:lumMod val="75000"/>
+                  <a:lumOff val="25000"/>
+                </a:schemeClr>
+              </a:solidFill>
+              <a:latin typeface="微软雅黑" panose="020B0503020204020204" pitchFamily="34" charset="-122"/>
+              <a:ea typeface="微软雅黑" panose="020B0503020204020204" pitchFamily="34" charset="-122"/>
+            </a:endParaRPr>
           </a:p>
         </p:txBody>
       </p:sp>
@@ -18452,12 +18573,12 @@
           <a:p>
             <a:pPr eaLnBrk="1" hangingPunct="1"/>
             <a:r>
-              <a:rPr lang="zh-CN" altLang="en-US" dirty="0">
+              <a:rPr lang="zh-CN" altLang="en-US" dirty="0" smtClean="0">
                 <a:latin typeface="Times New Roman" panose="02020603050405020304" pitchFamily="18" charset="0"/>
               </a:rPr>
               <a:t>计算机的硬件组成</a:t>
             </a:r>
-            <a:endParaRPr lang="zh-CN" altLang="en-US" dirty="0">
+            <a:endParaRPr lang="zh-CN" altLang="en-US" dirty="0" smtClean="0">
               <a:latin typeface="宋体" panose="02010600030101010101" pitchFamily="2" charset="-122"/>
             </a:endParaRPr>
           </a:p>
@@ -18505,10 +18626,23 @@
                 <a:latin typeface="微软雅黑" panose="020B0503020204020204" pitchFamily="34" charset="-122"/>
                 <a:ea typeface="微软雅黑" panose="020B0503020204020204" pitchFamily="34" charset="-122"/>
               </a:rPr>
-              <a:t>  1. </a:t>
-            </a:r>
-            <a:r>
-              <a:rPr lang="zh-CN" altLang="en-US" sz="3200" dirty="0">
+              <a:t>  1</a:t>
+            </a:r>
+            <a:r>
+              <a:rPr lang="en-US" altLang="zh-CN" sz="3200" dirty="0" smtClean="0">
+                <a:solidFill>
+                  <a:schemeClr val="tx1">
+                    <a:lumMod val="75000"/>
+                    <a:lumOff val="25000"/>
+                  </a:schemeClr>
+                </a:solidFill>
+                <a:latin typeface="微软雅黑" panose="020B0503020204020204" pitchFamily="34" charset="-122"/>
+                <a:ea typeface="微软雅黑" panose="020B0503020204020204" pitchFamily="34" charset="-122"/>
+              </a:rPr>
+              <a:t>. </a:t>
+            </a:r>
+            <a:r>
+              <a:rPr lang="zh-CN" altLang="en-US" sz="3200" dirty="0" smtClean="0">
                 <a:solidFill>
                   <a:schemeClr val="tx1">
                     <a:lumMod val="75000"/>
@@ -18541,7 +18675,7 @@
               <a:defRPr/>
             </a:pPr>
             <a:r>
-              <a:rPr lang="zh-CN" altLang="en-US" sz="2800" dirty="0">
+              <a:rPr lang="zh-CN" altLang="en-US" sz="2800" dirty="0" smtClean="0">
                 <a:solidFill>
                   <a:schemeClr val="tx1">
                     <a:lumMod val="75000"/>
@@ -18551,7 +18685,20 @@
                 <a:latin typeface="微软雅黑" panose="020B0503020204020204" pitchFamily="34" charset="-122"/>
                 <a:ea typeface="微软雅黑" panose="020B0503020204020204" pitchFamily="34" charset="-122"/>
               </a:rPr>
-              <a:t>输入设备的任务是把人们编好的程序和原始数据送到计算机中去，并且将它们转换成计算机内部所能识别和接受的信息方式。常用的有键盘、鼠标、扫描仪等。</a:t>
+              <a:t>输入设备</a:t>
+            </a:r>
+            <a:r>
+              <a:rPr lang="zh-CN" altLang="en-US" sz="2800" dirty="0">
+                <a:solidFill>
+                  <a:schemeClr val="tx1">
+                    <a:lumMod val="75000"/>
+                    <a:lumOff val="25000"/>
+                  </a:schemeClr>
+                </a:solidFill>
+                <a:latin typeface="微软雅黑" panose="020B0503020204020204" pitchFamily="34" charset="-122"/>
+                <a:ea typeface="微软雅黑" panose="020B0503020204020204" pitchFamily="34" charset="-122"/>
+              </a:rPr>
+              <a:t>的任务是把人们编好的程序和原始数据送到计算机中去，并且将它们转换成计算机内部所能识别和接受的信息方式。常用的有键盘、鼠标、扫描仪等。</a:t>
             </a:r>
           </a:p>
           <a:p>
@@ -18587,10 +18734,23 @@
                 <a:latin typeface="微软雅黑" panose="020B0503020204020204" pitchFamily="34" charset="-122"/>
                 <a:ea typeface="微软雅黑" panose="020B0503020204020204" pitchFamily="34" charset="-122"/>
               </a:rPr>
-              <a:t>2. </a:t>
-            </a:r>
-            <a:r>
-              <a:rPr lang="zh-CN" altLang="en-US" sz="3200" dirty="0">
+              <a:t>2</a:t>
+            </a:r>
+            <a:r>
+              <a:rPr lang="en-US" altLang="zh-CN" sz="3200" dirty="0" smtClean="0">
+                <a:solidFill>
+                  <a:schemeClr val="tx1">
+                    <a:lumMod val="75000"/>
+                    <a:lumOff val="25000"/>
+                  </a:schemeClr>
+                </a:solidFill>
+                <a:latin typeface="微软雅黑" panose="020B0503020204020204" pitchFamily="34" charset="-122"/>
+                <a:ea typeface="微软雅黑" panose="020B0503020204020204" pitchFamily="34" charset="-122"/>
+              </a:rPr>
+              <a:t>. </a:t>
+            </a:r>
+            <a:r>
+              <a:rPr lang="zh-CN" altLang="en-US" sz="3200" dirty="0" smtClean="0">
                 <a:solidFill>
                   <a:schemeClr val="tx1">
                     <a:lumMod val="75000"/>
@@ -18958,12 +19118,12 @@
           <a:p>
             <a:pPr eaLnBrk="1" hangingPunct="1"/>
             <a:r>
-              <a:rPr lang="zh-CN" altLang="en-US">
+              <a:rPr lang="zh-CN" altLang="en-US" smtClean="0">
                 <a:latin typeface="Times New Roman" panose="02020603050405020304" pitchFamily="18" charset="0"/>
               </a:rPr>
               <a:t>计算机的硬件组成</a:t>
             </a:r>
-            <a:endParaRPr lang="zh-CN" altLang="en-US">
+            <a:endParaRPr lang="zh-CN" altLang="en-US" smtClean="0">
               <a:latin typeface="宋体" panose="02010600030101010101" pitchFamily="2" charset="-122"/>
             </a:endParaRPr>
           </a:p>
@@ -19024,10 +19184,23 @@
                 <a:latin typeface="微软雅黑" panose="020B0503020204020204" pitchFamily="34" charset="-122"/>
                 <a:ea typeface="微软雅黑" panose="020B0503020204020204" pitchFamily="34" charset="-122"/>
               </a:rPr>
-              <a:t>3. </a:t>
-            </a:r>
-            <a:r>
-              <a:rPr lang="zh-CN" altLang="en-US" sz="3200" dirty="0">
+              <a:t>3</a:t>
+            </a:r>
+            <a:r>
+              <a:rPr lang="en-US" altLang="zh-CN" sz="3200" dirty="0" smtClean="0">
+                <a:solidFill>
+                  <a:schemeClr val="tx1">
+                    <a:lumMod val="75000"/>
+                    <a:lumOff val="25000"/>
+                  </a:schemeClr>
+                </a:solidFill>
+                <a:latin typeface="微软雅黑" panose="020B0503020204020204" pitchFamily="34" charset="-122"/>
+                <a:ea typeface="微软雅黑" panose="020B0503020204020204" pitchFamily="34" charset="-122"/>
+              </a:rPr>
+              <a:t>. </a:t>
+            </a:r>
+            <a:r>
+              <a:rPr lang="zh-CN" altLang="en-US" sz="3200" dirty="0" smtClean="0">
                 <a:solidFill>
                   <a:schemeClr val="tx1">
                     <a:lumMod val="75000"/>
@@ -19060,7 +19233,7 @@
               <a:defRPr/>
             </a:pPr>
             <a:r>
-              <a:rPr lang="zh-CN" altLang="en-US" sz="2800" dirty="0">
+              <a:rPr lang="zh-CN" altLang="en-US" sz="2800" dirty="0" smtClean="0">
                 <a:solidFill>
                   <a:schemeClr val="tx1">
                     <a:lumMod val="75000"/>
@@ -19070,10 +19243,10 @@
                 <a:latin typeface="微软雅黑" panose="020B0503020204020204" pitchFamily="34" charset="-122"/>
                 <a:ea typeface="微软雅黑" panose="020B0503020204020204" pitchFamily="34" charset="-122"/>
               </a:rPr>
-              <a:t>存储器是用来存放程序和数据的部件，它是一个记忆装置，也是计算机</a:t>
-            </a:r>
-            <a:r>
-              <a:rPr lang="zh-CN" altLang="en-US" sz="2800">
+              <a:t>存储器</a:t>
+            </a:r>
+            <a:r>
+              <a:rPr lang="zh-CN" altLang="en-US" sz="2800" dirty="0">
                 <a:solidFill>
                   <a:schemeClr val="tx1">
                     <a:lumMod val="75000"/>
@@ -19083,72 +19256,7 @@
                 <a:latin typeface="微软雅黑" panose="020B0503020204020204" pitchFamily="34" charset="-122"/>
                 <a:ea typeface="微软雅黑" panose="020B0503020204020204" pitchFamily="34" charset="-122"/>
               </a:rPr>
-              <a:t>能够实现 </a:t>
-            </a:r>
-            <a:r>
-              <a:rPr lang="en-US" altLang="zh-CN" sz="2800">
-                <a:solidFill>
-                  <a:schemeClr val="tx1">
-                    <a:lumMod val="75000"/>
-                    <a:lumOff val="25000"/>
-                  </a:schemeClr>
-                </a:solidFill>
-                <a:latin typeface="微软雅黑" panose="020B0503020204020204" pitchFamily="34" charset="-122"/>
-                <a:ea typeface="微软雅黑" panose="020B0503020204020204" pitchFamily="34" charset="-122"/>
-              </a:rPr>
-              <a:t>"</a:t>
-            </a:r>
-            <a:r>
-              <a:rPr lang="zh-CN" altLang="en-US" sz="2800">
-                <a:solidFill>
-                  <a:schemeClr val="tx1">
-                    <a:lumMod val="75000"/>
-                    <a:lumOff val="25000"/>
-                  </a:schemeClr>
-                </a:solidFill>
-                <a:latin typeface="微软雅黑" panose="020B0503020204020204" pitchFamily="34" charset="-122"/>
-                <a:ea typeface="微软雅黑" panose="020B0503020204020204" pitchFamily="34" charset="-122"/>
-              </a:rPr>
-              <a:t>存储程序控制</a:t>
-            </a:r>
-            <a:r>
-              <a:rPr lang="en-US" altLang="zh-CN" sz="2800">
-                <a:solidFill>
-                  <a:schemeClr val="tx1">
-                    <a:lumMod val="75000"/>
-                    <a:lumOff val="25000"/>
-                  </a:schemeClr>
-                </a:solidFill>
-                <a:latin typeface="微软雅黑" panose="020B0503020204020204" pitchFamily="34" charset="-122"/>
-                <a:ea typeface="微软雅黑" panose="020B0503020204020204" pitchFamily="34" charset="-122"/>
-              </a:rPr>
-              <a:t>" </a:t>
-            </a:r>
-            <a:r>
-              <a:rPr lang="zh-CN" altLang="en-US" sz="2800">
-                <a:solidFill>
-                  <a:schemeClr val="tx1">
-                    <a:lumMod val="75000"/>
-                    <a:lumOff val="25000"/>
-                  </a:schemeClr>
-                </a:solidFill>
-                <a:latin typeface="微软雅黑" panose="020B0503020204020204" pitchFamily="34" charset="-122"/>
-                <a:ea typeface="微软雅黑" panose="020B0503020204020204" pitchFamily="34" charset="-122"/>
-              </a:rPr>
-              <a:t>的</a:t>
-            </a:r>
-            <a:r>
-              <a:rPr lang="zh-CN" altLang="en-US" sz="2800" dirty="0">
-                <a:solidFill>
-                  <a:schemeClr val="tx1">
-                    <a:lumMod val="75000"/>
-                    <a:lumOff val="25000"/>
-                  </a:schemeClr>
-                </a:solidFill>
-                <a:latin typeface="微软雅黑" panose="020B0503020204020204" pitchFamily="34" charset="-122"/>
-                <a:ea typeface="微软雅黑" panose="020B0503020204020204" pitchFamily="34" charset="-122"/>
-              </a:rPr>
-              <a:t>基础。</a:t>
+              <a:t>是用来存放程序和数据的部件，它是一个记忆装置，也是计算机能够实现“存储程序控制”的基础。</a:t>
             </a:r>
           </a:p>
         </p:txBody>
@@ -19795,7 +19903,7 @@
                     <a:p>
                       <a:pPr algn="ctr"/>
                       <a:r>
-                        <a:rPr lang="en-US" altLang="zh-CN" sz="2400" b="0" dirty="0">
+                        <a:rPr lang="en-US" altLang="zh-CN" sz="2400" b="0" dirty="0" smtClean="0">
                           <a:solidFill>
                             <a:schemeClr val="tx1">
                               <a:lumMod val="75000"/>
@@ -19890,7 +19998,7 @@
                     <a:p>
                       <a:pPr algn="ctr"/>
                       <a:r>
-                        <a:rPr lang="en-US" altLang="zh-CN" sz="2400" b="0" dirty="0">
+                        <a:rPr lang="en-US" altLang="zh-CN" sz="2400" b="0" dirty="0" smtClean="0">
                           <a:solidFill>
                             <a:schemeClr val="tx1">
                               <a:lumMod val="75000"/>
@@ -19985,7 +20093,7 @@
                     <a:p>
                       <a:pPr algn="ctr"/>
                       <a:r>
-                        <a:rPr lang="en-US" altLang="zh-CN" sz="2400" b="0" dirty="0">
+                        <a:rPr lang="en-US" altLang="zh-CN" sz="2400" b="0" dirty="0" smtClean="0">
                           <a:solidFill>
                             <a:schemeClr val="tx1">
                               <a:lumMod val="75000"/>
@@ -20080,7 +20188,7 @@
                     <a:p>
                       <a:pPr algn="ctr"/>
                       <a:r>
-                        <a:rPr lang="en-US" altLang="zh-CN" sz="2400" b="0" dirty="0">
+                        <a:rPr lang="en-US" altLang="zh-CN" sz="2400" b="0" dirty="0" smtClean="0">
                           <a:solidFill>
                             <a:schemeClr val="tx1">
                               <a:lumMod val="75000"/>
@@ -20175,7 +20283,7 @@
                     <a:p>
                       <a:pPr algn="ctr"/>
                       <a:r>
-                        <a:rPr lang="en-US" altLang="zh-CN" sz="2400" b="0" dirty="0">
+                        <a:rPr lang="en-US" altLang="zh-CN" sz="2400" b="0" dirty="0" smtClean="0">
                           <a:solidFill>
                             <a:schemeClr val="tx1">
                               <a:lumMod val="75000"/>
@@ -20270,7 +20378,7 @@
                     <a:p>
                       <a:pPr algn="ctr"/>
                       <a:r>
-                        <a:rPr lang="en-US" altLang="zh-CN" sz="2400" b="0" dirty="0">
+                        <a:rPr lang="en-US" altLang="zh-CN" sz="2400" b="0" dirty="0" smtClean="0">
                           <a:solidFill>
                             <a:schemeClr val="tx1">
                               <a:lumMod val="75000"/>
@@ -20365,7 +20473,7 @@
                     <a:p>
                       <a:pPr algn="ctr"/>
                       <a:r>
-                        <a:rPr lang="en-US" altLang="zh-CN" sz="2400" b="0" dirty="0">
+                        <a:rPr lang="en-US" altLang="zh-CN" sz="2400" b="0" dirty="0" smtClean="0">
                           <a:solidFill>
                             <a:schemeClr val="tx1">
                               <a:lumMod val="75000"/>
@@ -20460,7 +20568,7 @@
                     <a:p>
                       <a:pPr algn="ctr"/>
                       <a:r>
-                        <a:rPr lang="en-US" altLang="zh-CN" sz="2400" b="0" dirty="0">
+                        <a:rPr lang="en-US" altLang="zh-CN" sz="2400" b="0" dirty="0" smtClean="0">
                           <a:solidFill>
                             <a:schemeClr val="tx1">
                               <a:lumMod val="75000"/>
@@ -20562,7 +20670,7 @@
                     <a:p>
                       <a:pPr algn="ctr"/>
                       <a:r>
-                        <a:rPr lang="en-US" altLang="zh-CN" sz="2400" b="0" dirty="0">
+                        <a:rPr lang="en-US" altLang="zh-CN" sz="2400" b="0" dirty="0" smtClean="0">
                           <a:solidFill>
                             <a:schemeClr val="tx1">
                               <a:lumMod val="75000"/>
@@ -20657,7 +20765,7 @@
                     <a:p>
                       <a:pPr algn="ctr"/>
                       <a:r>
-                        <a:rPr lang="en-US" altLang="zh-CN" sz="2400" b="0" dirty="0">
+                        <a:rPr lang="en-US" altLang="zh-CN" sz="2400" b="0" dirty="0" smtClean="0">
                           <a:solidFill>
                             <a:schemeClr val="tx1">
                               <a:lumMod val="75000"/>
@@ -20752,7 +20860,7 @@
                     <a:p>
                       <a:pPr algn="ctr"/>
                       <a:r>
-                        <a:rPr lang="en-US" altLang="zh-CN" sz="2400" b="0" dirty="0">
+                        <a:rPr lang="en-US" altLang="zh-CN" sz="2400" b="0" dirty="0" smtClean="0">
                           <a:solidFill>
                             <a:schemeClr val="tx1">
                               <a:lumMod val="75000"/>
@@ -20847,7 +20955,7 @@
                     <a:p>
                       <a:pPr algn="ctr"/>
                       <a:r>
-                        <a:rPr lang="en-US" altLang="zh-CN" sz="2400" b="0" dirty="0">
+                        <a:rPr lang="en-US" altLang="zh-CN" sz="2400" b="0" dirty="0" smtClean="0">
                           <a:solidFill>
                             <a:schemeClr val="tx1">
                               <a:lumMod val="75000"/>
@@ -20942,7 +21050,7 @@
                     <a:p>
                       <a:pPr algn="ctr"/>
                       <a:r>
-                        <a:rPr lang="en-US" altLang="zh-CN" sz="2400" b="0" dirty="0">
+                        <a:rPr lang="en-US" altLang="zh-CN" sz="2400" b="0" dirty="0" smtClean="0">
                           <a:solidFill>
                             <a:schemeClr val="tx1">
                               <a:lumMod val="75000"/>
@@ -21037,7 +21145,7 @@
                     <a:p>
                       <a:pPr algn="ctr"/>
                       <a:r>
-                        <a:rPr lang="en-US" altLang="zh-CN" sz="2400" b="0" dirty="0">
+                        <a:rPr lang="en-US" altLang="zh-CN" sz="2400" b="0" dirty="0" smtClean="0">
                           <a:solidFill>
                             <a:schemeClr val="tx1">
                               <a:lumMod val="75000"/>
@@ -21132,7 +21240,7 @@
                     <a:p>
                       <a:pPr algn="ctr"/>
                       <a:r>
-                        <a:rPr lang="en-US" altLang="zh-CN" sz="2400" b="0" dirty="0">
+                        <a:rPr lang="en-US" altLang="zh-CN" sz="2400" b="0" dirty="0" smtClean="0">
                           <a:solidFill>
                             <a:schemeClr val="tx1">
                               <a:lumMod val="75000"/>
@@ -21227,7 +21335,7 @@
                     <a:p>
                       <a:pPr algn="ctr"/>
                       <a:r>
-                        <a:rPr lang="en-US" altLang="zh-CN" sz="2400" b="0" dirty="0">
+                        <a:rPr lang="en-US" altLang="zh-CN" sz="2400" b="0" dirty="0" smtClean="0">
                           <a:solidFill>
                             <a:schemeClr val="tx1">
                               <a:lumMod val="75000"/>
@@ -21329,7 +21437,7 @@
                     <a:p>
                       <a:pPr algn="ctr"/>
                       <a:r>
-                        <a:rPr lang="en-US" altLang="zh-CN" sz="2400" b="0" dirty="0">
+                        <a:rPr lang="en-US" altLang="zh-CN" sz="2400" b="0" dirty="0" smtClean="0">
                           <a:solidFill>
                             <a:schemeClr val="tx1">
                               <a:lumMod val="75000"/>
@@ -21424,7 +21532,7 @@
                     <a:p>
                       <a:pPr algn="ctr"/>
                       <a:r>
-                        <a:rPr lang="en-US" altLang="zh-CN" sz="2400" b="0" dirty="0">
+                        <a:rPr lang="en-US" altLang="zh-CN" sz="2400" b="0" dirty="0" smtClean="0">
                           <a:solidFill>
                             <a:schemeClr val="tx1">
                               <a:lumMod val="75000"/>
@@ -21519,7 +21627,7 @@
                     <a:p>
                       <a:pPr algn="ctr"/>
                       <a:r>
-                        <a:rPr lang="en-US" altLang="zh-CN" sz="2400" b="0" dirty="0">
+                        <a:rPr lang="en-US" altLang="zh-CN" sz="2400" b="0" dirty="0" smtClean="0">
                           <a:solidFill>
                             <a:schemeClr val="tx1">
                               <a:lumMod val="75000"/>
@@ -21614,7 +21722,7 @@
                     <a:p>
                       <a:pPr algn="ctr"/>
                       <a:r>
-                        <a:rPr lang="en-US" altLang="zh-CN" sz="2400" b="0" dirty="0">
+                        <a:rPr lang="en-US" altLang="zh-CN" sz="2400" b="0" dirty="0" smtClean="0">
                           <a:solidFill>
                             <a:schemeClr val="tx1">
                               <a:lumMod val="75000"/>
@@ -21709,7 +21817,7 @@
                     <a:p>
                       <a:pPr algn="ctr"/>
                       <a:r>
-                        <a:rPr lang="en-US" altLang="zh-CN" sz="2400" b="0" dirty="0">
+                        <a:rPr lang="en-US" altLang="zh-CN" sz="2400" b="0" dirty="0" smtClean="0">
                           <a:solidFill>
                             <a:schemeClr val="tx1">
                               <a:lumMod val="75000"/>
@@ -21804,7 +21912,7 @@
                     <a:p>
                       <a:pPr algn="ctr"/>
                       <a:r>
-                        <a:rPr lang="en-US" altLang="zh-CN" sz="2400" b="0" dirty="0">
+                        <a:rPr lang="en-US" altLang="zh-CN" sz="2400" b="0" dirty="0" smtClean="0">
                           <a:solidFill>
                             <a:schemeClr val="tx1">
                               <a:lumMod val="75000"/>
@@ -21899,7 +22007,7 @@
                     <a:p>
                       <a:pPr algn="ctr"/>
                       <a:r>
-                        <a:rPr lang="en-US" altLang="zh-CN" sz="2400" b="0" dirty="0">
+                        <a:rPr lang="en-US" altLang="zh-CN" sz="2400" b="0" dirty="0" smtClean="0">
                           <a:solidFill>
                             <a:schemeClr val="tx1">
                               <a:lumMod val="75000"/>
@@ -21994,7 +22102,7 @@
                     <a:p>
                       <a:pPr algn="ctr"/>
                       <a:r>
-                        <a:rPr lang="en-US" altLang="zh-CN" sz="2400" b="0" dirty="0">
+                        <a:rPr lang="en-US" altLang="zh-CN" sz="2400" b="0" dirty="0" smtClean="0">
                           <a:solidFill>
                             <a:schemeClr val="tx1">
                               <a:lumMod val="75000"/>
@@ -22096,7 +22204,7 @@
                     <a:p>
                       <a:pPr algn="ctr"/>
                       <a:r>
-                        <a:rPr lang="en-US" altLang="zh-CN" sz="2400" b="0" dirty="0">
+                        <a:rPr lang="en-US" altLang="zh-CN" sz="2400" b="0" dirty="0" smtClean="0">
                           <a:solidFill>
                             <a:schemeClr val="tx1">
                               <a:lumMod val="75000"/>
@@ -22191,7 +22299,7 @@
                     <a:p>
                       <a:pPr algn="ctr"/>
                       <a:r>
-                        <a:rPr lang="en-US" altLang="zh-CN" sz="2400" b="0" dirty="0">
+                        <a:rPr lang="en-US" altLang="zh-CN" sz="2400" b="0" dirty="0" smtClean="0">
                           <a:solidFill>
                             <a:schemeClr val="tx1">
                               <a:lumMod val="75000"/>
@@ -22286,7 +22394,7 @@
                     <a:p>
                       <a:pPr algn="ctr"/>
                       <a:r>
-                        <a:rPr lang="en-US" altLang="zh-CN" sz="2400" b="0" dirty="0">
+                        <a:rPr lang="en-US" altLang="zh-CN" sz="2400" b="0" dirty="0" smtClean="0">
                           <a:solidFill>
                             <a:schemeClr val="tx1">
                               <a:lumMod val="75000"/>
@@ -22381,7 +22489,7 @@
                     <a:p>
                       <a:pPr algn="ctr"/>
                       <a:r>
-                        <a:rPr lang="en-US" altLang="zh-CN" sz="2400" b="0" dirty="0">
+                        <a:rPr lang="en-US" altLang="zh-CN" sz="2400" b="0" dirty="0" smtClean="0">
                           <a:solidFill>
                             <a:schemeClr val="tx1">
                               <a:lumMod val="75000"/>
@@ -22476,7 +22584,7 @@
                     <a:p>
                       <a:pPr algn="ctr"/>
                       <a:r>
-                        <a:rPr lang="en-US" altLang="zh-CN" sz="2400" b="0" dirty="0">
+                        <a:rPr lang="en-US" altLang="zh-CN" sz="2400" b="0" dirty="0" smtClean="0">
                           <a:solidFill>
                             <a:schemeClr val="tx1">
                               <a:lumMod val="75000"/>
@@ -22571,7 +22679,7 @@
                     <a:p>
                       <a:pPr algn="ctr"/>
                       <a:r>
-                        <a:rPr lang="en-US" altLang="zh-CN" sz="2400" b="0" dirty="0">
+                        <a:rPr lang="en-US" altLang="zh-CN" sz="2400" b="0" dirty="0" smtClean="0">
                           <a:solidFill>
                             <a:schemeClr val="tx1">
                               <a:lumMod val="75000"/>
@@ -22666,7 +22774,7 @@
                     <a:p>
                       <a:pPr algn="ctr"/>
                       <a:r>
-                        <a:rPr lang="en-US" altLang="zh-CN" sz="2400" b="0" dirty="0">
+                        <a:rPr lang="en-US" altLang="zh-CN" sz="2400" b="0" dirty="0" smtClean="0">
                           <a:solidFill>
                             <a:schemeClr val="tx1">
                               <a:lumMod val="75000"/>
@@ -22761,7 +22869,7 @@
                     <a:p>
                       <a:pPr algn="ctr"/>
                       <a:r>
-                        <a:rPr lang="en-US" altLang="zh-CN" sz="2400" b="0" dirty="0">
+                        <a:rPr lang="en-US" altLang="zh-CN" sz="2400" b="0" dirty="0" smtClean="0">
                           <a:solidFill>
                             <a:schemeClr val="tx1">
                               <a:lumMod val="75000"/>
@@ -22863,7 +22971,7 @@
                     <a:p>
                       <a:pPr algn="ctr"/>
                       <a:r>
-                        <a:rPr lang="en-US" altLang="zh-CN" sz="2400" b="0" dirty="0">
+                        <a:rPr lang="en-US" altLang="zh-CN" sz="2400" b="0" dirty="0" smtClean="0">
                           <a:solidFill>
                             <a:schemeClr val="tx1">
                               <a:lumMod val="75000"/>
@@ -22958,7 +23066,7 @@
                     <a:p>
                       <a:pPr algn="ctr"/>
                       <a:r>
-                        <a:rPr lang="en-US" altLang="zh-CN" sz="2400" b="0" dirty="0">
+                        <a:rPr lang="en-US" altLang="zh-CN" sz="2400" b="0" dirty="0" smtClean="0">
                           <a:solidFill>
                             <a:schemeClr val="tx1">
                               <a:lumMod val="75000"/>
@@ -23053,7 +23161,7 @@
                     <a:p>
                       <a:pPr algn="ctr"/>
                       <a:r>
-                        <a:rPr lang="en-US" altLang="zh-CN" sz="2400" b="0" dirty="0">
+                        <a:rPr lang="en-US" altLang="zh-CN" sz="2400" b="0" dirty="0" smtClean="0">
                           <a:solidFill>
                             <a:schemeClr val="tx1">
                               <a:lumMod val="75000"/>
@@ -23148,7 +23256,7 @@
                     <a:p>
                       <a:pPr algn="ctr"/>
                       <a:r>
-                        <a:rPr lang="en-US" altLang="zh-CN" sz="2400" b="0" dirty="0">
+                        <a:rPr lang="en-US" altLang="zh-CN" sz="2400" b="0" dirty="0" smtClean="0">
                           <a:solidFill>
                             <a:schemeClr val="tx1">
                               <a:lumMod val="75000"/>
@@ -23243,7 +23351,7 @@
                     <a:p>
                       <a:pPr algn="ctr"/>
                       <a:r>
-                        <a:rPr lang="en-US" altLang="zh-CN" sz="2400" b="0" dirty="0">
+                        <a:rPr lang="en-US" altLang="zh-CN" sz="2400" b="0" dirty="0" smtClean="0">
                           <a:solidFill>
                             <a:schemeClr val="tx1">
                               <a:lumMod val="75000"/>
@@ -23338,7 +23446,7 @@
                     <a:p>
                       <a:pPr algn="ctr"/>
                       <a:r>
-                        <a:rPr lang="en-US" altLang="zh-CN" sz="2400" b="0" dirty="0">
+                        <a:rPr lang="en-US" altLang="zh-CN" sz="2400" b="0" dirty="0" smtClean="0">
                           <a:solidFill>
                             <a:schemeClr val="tx1">
                               <a:lumMod val="75000"/>
@@ -23433,7 +23541,7 @@
                     <a:p>
                       <a:pPr algn="ctr"/>
                       <a:r>
-                        <a:rPr lang="en-US" altLang="zh-CN" sz="2400" b="0" dirty="0">
+                        <a:rPr lang="en-US" altLang="zh-CN" sz="2400" b="0" dirty="0" smtClean="0">
                           <a:solidFill>
                             <a:schemeClr val="tx1">
                               <a:lumMod val="75000"/>
@@ -23528,7 +23636,7 @@
                     <a:p>
                       <a:pPr algn="ctr"/>
                       <a:r>
-                        <a:rPr lang="en-US" altLang="zh-CN" sz="2400" b="0" dirty="0">
+                        <a:rPr lang="en-US" altLang="zh-CN" sz="2400" b="0" dirty="0" smtClean="0">
                           <a:solidFill>
                             <a:schemeClr val="tx1">
                               <a:lumMod val="75000"/>
@@ -23630,7 +23738,7 @@
                     <a:p>
                       <a:pPr algn="ctr"/>
                       <a:r>
-                        <a:rPr lang="en-US" altLang="zh-CN" sz="2400" b="0" dirty="0">
+                        <a:rPr lang="en-US" altLang="zh-CN" sz="2400" b="0" dirty="0" smtClean="0">
                           <a:solidFill>
                             <a:schemeClr val="tx1">
                               <a:lumMod val="75000"/>
@@ -23725,7 +23833,7 @@
                     <a:p>
                       <a:pPr algn="ctr"/>
                       <a:r>
-                        <a:rPr lang="en-US" altLang="zh-CN" sz="2400" b="0" dirty="0">
+                        <a:rPr lang="en-US" altLang="zh-CN" sz="2400" b="0" dirty="0" smtClean="0">
                           <a:solidFill>
                             <a:schemeClr val="tx1">
                               <a:lumMod val="75000"/>
@@ -23820,7 +23928,7 @@
                     <a:p>
                       <a:pPr algn="ctr"/>
                       <a:r>
-                        <a:rPr lang="en-US" altLang="zh-CN" sz="2400" b="0" dirty="0">
+                        <a:rPr lang="en-US" altLang="zh-CN" sz="2400" b="0" dirty="0" smtClean="0">
                           <a:solidFill>
                             <a:schemeClr val="tx1">
                               <a:lumMod val="75000"/>
@@ -23915,7 +24023,7 @@
                     <a:p>
                       <a:pPr algn="ctr"/>
                       <a:r>
-                        <a:rPr lang="en-US" altLang="zh-CN" sz="2400" b="0" dirty="0">
+                        <a:rPr lang="en-US" altLang="zh-CN" sz="2400" b="0" dirty="0" smtClean="0">
                           <a:solidFill>
                             <a:schemeClr val="tx1">
                               <a:lumMod val="75000"/>
@@ -24010,7 +24118,7 @@
                     <a:p>
                       <a:pPr algn="ctr"/>
                       <a:r>
-                        <a:rPr lang="en-US" altLang="zh-CN" sz="2400" b="0" dirty="0">
+                        <a:rPr lang="en-US" altLang="zh-CN" sz="2400" b="0" dirty="0" smtClean="0">
                           <a:solidFill>
                             <a:schemeClr val="tx1">
                               <a:lumMod val="75000"/>
@@ -24105,7 +24213,7 @@
                     <a:p>
                       <a:pPr algn="ctr"/>
                       <a:r>
-                        <a:rPr lang="en-US" altLang="zh-CN" sz="2400" b="0" dirty="0">
+                        <a:rPr lang="en-US" altLang="zh-CN" sz="2400" b="0" dirty="0" smtClean="0">
                           <a:solidFill>
                             <a:schemeClr val="tx1">
                               <a:lumMod val="75000"/>
@@ -24200,7 +24308,7 @@
                     <a:p>
                       <a:pPr algn="ctr"/>
                       <a:r>
-                        <a:rPr lang="en-US" altLang="zh-CN" sz="2400" b="0" dirty="0">
+                        <a:rPr lang="en-US" altLang="zh-CN" sz="2400" b="0" dirty="0" smtClean="0">
                           <a:solidFill>
                             <a:schemeClr val="tx1">
                               <a:lumMod val="75000"/>
@@ -24295,7 +24403,7 @@
                     <a:p>
                       <a:pPr algn="ctr"/>
                       <a:r>
-                        <a:rPr lang="en-US" altLang="zh-CN" sz="2400" b="0" dirty="0">
+                        <a:rPr lang="en-US" altLang="zh-CN" sz="2400" b="0" dirty="0" smtClean="0">
                           <a:solidFill>
                             <a:schemeClr val="tx1">
                               <a:lumMod val="75000"/>
@@ -24397,7 +24505,7 @@
                     <a:p>
                       <a:pPr algn="ctr"/>
                       <a:r>
-                        <a:rPr lang="en-US" altLang="zh-CN" sz="2400" b="0" dirty="0">
+                        <a:rPr lang="en-US" altLang="zh-CN" sz="2400" b="0" dirty="0" smtClean="0">
                           <a:solidFill>
                             <a:schemeClr val="tx1">
                               <a:lumMod val="75000"/>
@@ -24492,7 +24600,7 @@
                     <a:p>
                       <a:pPr algn="ctr"/>
                       <a:r>
-                        <a:rPr lang="en-US" altLang="zh-CN" sz="2400" b="0" dirty="0">
+                        <a:rPr lang="en-US" altLang="zh-CN" sz="2400" b="0" dirty="0" smtClean="0">
                           <a:solidFill>
                             <a:schemeClr val="tx1">
                               <a:lumMod val="75000"/>
@@ -24587,7 +24695,7 @@
                     <a:p>
                       <a:pPr algn="ctr"/>
                       <a:r>
-                        <a:rPr lang="en-US" altLang="zh-CN" sz="2400" b="0" dirty="0">
+                        <a:rPr lang="en-US" altLang="zh-CN" sz="2400" b="0" dirty="0" smtClean="0">
                           <a:solidFill>
                             <a:schemeClr val="tx1">
                               <a:lumMod val="75000"/>
@@ -24682,7 +24790,7 @@
                     <a:p>
                       <a:pPr algn="ctr"/>
                       <a:r>
-                        <a:rPr lang="en-US" altLang="zh-CN" sz="2400" b="0" dirty="0">
+                        <a:rPr lang="en-US" altLang="zh-CN" sz="2400" b="0" dirty="0" smtClean="0">
                           <a:solidFill>
                             <a:schemeClr val="tx1">
                               <a:lumMod val="75000"/>
@@ -24777,7 +24885,7 @@
                     <a:p>
                       <a:pPr algn="ctr"/>
                       <a:r>
-                        <a:rPr lang="en-US" altLang="zh-CN" sz="2400" b="0" dirty="0">
+                        <a:rPr lang="en-US" altLang="zh-CN" sz="2400" b="0" dirty="0" smtClean="0">
                           <a:solidFill>
                             <a:schemeClr val="tx1">
                               <a:lumMod val="75000"/>
@@ -24872,7 +24980,7 @@
                     <a:p>
                       <a:pPr algn="ctr"/>
                       <a:r>
-                        <a:rPr lang="en-US" altLang="zh-CN" sz="2400" b="0" dirty="0">
+                        <a:rPr lang="en-US" altLang="zh-CN" sz="2400" b="0" dirty="0" smtClean="0">
                           <a:solidFill>
                             <a:schemeClr val="tx1">
                               <a:lumMod val="75000"/>
@@ -24967,7 +25075,7 @@
                     <a:p>
                       <a:pPr algn="ctr"/>
                       <a:r>
-                        <a:rPr lang="en-US" altLang="zh-CN" sz="2400" b="0" dirty="0">
+                        <a:rPr lang="en-US" altLang="zh-CN" sz="2400" b="0" dirty="0" smtClean="0">
                           <a:solidFill>
                             <a:schemeClr val="tx1">
                               <a:lumMod val="75000"/>
@@ -25062,7 +25170,7 @@
                     <a:p>
                       <a:pPr algn="ctr"/>
                       <a:r>
-                        <a:rPr lang="en-US" altLang="zh-CN" sz="2400" b="0" dirty="0">
+                        <a:rPr lang="en-US" altLang="zh-CN" sz="2400" b="0" dirty="0" smtClean="0">
                           <a:solidFill>
                             <a:schemeClr val="tx1">
                               <a:lumMod val="75000"/>
@@ -25211,7 +25319,7 @@
               <a:defRPr/>
             </a:pPr>
             <a:r>
-              <a:rPr lang="en-US" altLang="zh-CN" sz="2400" dirty="0">
+              <a:rPr lang="en-US" altLang="zh-CN" sz="2400" dirty="0" smtClean="0">
                 <a:solidFill>
                   <a:schemeClr val="tx1">
                     <a:lumMod val="75000"/>
@@ -25994,8 +26102,31 @@
                 <a:latin typeface="微软雅黑" panose="020B0503020204020204" pitchFamily="34" charset="-122"/>
                 <a:ea typeface="微软雅黑" panose="020B0503020204020204" pitchFamily="34" charset="-122"/>
               </a:rPr>
-              <a:t>个不同的二进制串）。</a:t>
-            </a:r>
+              <a:t>个不同的二进制串）</a:t>
+            </a:r>
+            <a:r>
+              <a:rPr lang="zh-CN" altLang="en-US" sz="3200" dirty="0" smtClean="0">
+                <a:solidFill>
+                  <a:schemeClr val="tx1">
+                    <a:lumMod val="75000"/>
+                    <a:lumOff val="25000"/>
+                  </a:schemeClr>
+                </a:solidFill>
+                <a:latin typeface="微软雅黑" panose="020B0503020204020204" pitchFamily="34" charset="-122"/>
+                <a:ea typeface="微软雅黑" panose="020B0503020204020204" pitchFamily="34" charset="-122"/>
+              </a:rPr>
+              <a:t>。</a:t>
+            </a:r>
+            <a:endParaRPr lang="zh-CN" altLang="en-US" sz="3200" dirty="0">
+              <a:solidFill>
+                <a:schemeClr val="tx1">
+                  <a:lumMod val="75000"/>
+                  <a:lumOff val="25000"/>
+                </a:schemeClr>
+              </a:solidFill>
+              <a:latin typeface="微软雅黑" panose="020B0503020204020204" pitchFamily="34" charset="-122"/>
+              <a:ea typeface="微软雅黑" panose="020B0503020204020204" pitchFamily="34" charset="-122"/>
+            </a:endParaRPr>
           </a:p>
         </p:txBody>
       </p:sp>
@@ -26202,12 +26333,12 @@
           <a:p>
             <a:pPr eaLnBrk="1" hangingPunct="1"/>
             <a:r>
-              <a:rPr lang="zh-CN" altLang="en-US" dirty="0">
+              <a:rPr lang="zh-CN" altLang="en-US" dirty="0" smtClean="0">
                 <a:latin typeface="Times New Roman" panose="02020603050405020304" pitchFamily="18" charset="0"/>
               </a:rPr>
               <a:t>计算机的硬件组成</a:t>
             </a:r>
-            <a:endParaRPr lang="zh-CN" altLang="en-US" dirty="0">
+            <a:endParaRPr lang="zh-CN" altLang="en-US" dirty="0" smtClean="0">
               <a:latin typeface="宋体" panose="02010600030101010101" pitchFamily="2" charset="-122"/>
             </a:endParaRPr>
           </a:p>
@@ -26268,10 +26399,23 @@
                 <a:latin typeface="微软雅黑" panose="020B0503020204020204" pitchFamily="34" charset="-122"/>
                 <a:ea typeface="微软雅黑" panose="020B0503020204020204" pitchFamily="34" charset="-122"/>
               </a:rPr>
-              <a:t>4. </a:t>
-            </a:r>
-            <a:r>
-              <a:rPr lang="zh-CN" altLang="en-US" sz="3200" dirty="0">
+              <a:t>4</a:t>
+            </a:r>
+            <a:r>
+              <a:rPr lang="en-US" altLang="zh-CN" sz="3200" dirty="0" smtClean="0">
+                <a:solidFill>
+                  <a:schemeClr val="tx1">
+                    <a:lumMod val="75000"/>
+                    <a:lumOff val="25000"/>
+                  </a:schemeClr>
+                </a:solidFill>
+                <a:latin typeface="微软雅黑" panose="020B0503020204020204" pitchFamily="34" charset="-122"/>
+                <a:ea typeface="微软雅黑" panose="020B0503020204020204" pitchFamily="34" charset="-122"/>
+              </a:rPr>
+              <a:t>. </a:t>
+            </a:r>
+            <a:r>
+              <a:rPr lang="zh-CN" altLang="en-US" sz="3200" dirty="0" smtClean="0">
                 <a:solidFill>
                   <a:schemeClr val="tx1">
                     <a:lumMod val="75000"/>
@@ -26303,7 +26447,7 @@
               <a:defRPr/>
             </a:pPr>
             <a:r>
-              <a:rPr lang="zh-CN" altLang="en-US" sz="2800" dirty="0">
+              <a:rPr lang="zh-CN" altLang="en-US" sz="2800" dirty="0" smtClean="0">
                 <a:solidFill>
                   <a:schemeClr val="tx1">
                     <a:lumMod val="75000"/>
@@ -26313,7 +26457,20 @@
                 <a:latin typeface="微软雅黑" panose="020B0503020204020204" pitchFamily="34" charset="-122"/>
                 <a:ea typeface="微软雅黑" panose="020B0503020204020204" pitchFamily="34" charset="-122"/>
               </a:rPr>
-              <a:t>运算器是对信息进行处理和运算的部件，经常进行的运算是算术运算和逻辑运算，因此运算器的核心是</a:t>
+              <a:t>运算器</a:t>
+            </a:r>
+            <a:r>
+              <a:rPr lang="zh-CN" altLang="en-US" sz="2800" dirty="0">
+                <a:solidFill>
+                  <a:schemeClr val="tx1">
+                    <a:lumMod val="75000"/>
+                    <a:lumOff val="25000"/>
+                  </a:schemeClr>
+                </a:solidFill>
+                <a:latin typeface="微软雅黑" panose="020B0503020204020204" pitchFamily="34" charset="-122"/>
+                <a:ea typeface="微软雅黑" panose="020B0503020204020204" pitchFamily="34" charset="-122"/>
+              </a:rPr>
+              <a:t>是对信息进行处理和运算的部件，经常进行的运算是算术运算和逻辑运算，因此运算器的核心是</a:t>
             </a:r>
             <a:r>
               <a:rPr lang="zh-CN" altLang="en-US" sz="2800" dirty="0">
@@ -26369,7 +26526,7 @@
               <a:defRPr/>
             </a:pPr>
             <a:r>
-              <a:rPr lang="zh-CN" altLang="en-US" sz="2800" dirty="0">
+              <a:rPr lang="zh-CN" altLang="en-US" sz="2800" dirty="0" smtClean="0">
                 <a:solidFill>
                   <a:schemeClr val="tx1">
                     <a:lumMod val="75000"/>
@@ -26379,7 +26536,20 @@
                 <a:latin typeface="微软雅黑" panose="020B0503020204020204" pitchFamily="34" charset="-122"/>
                 <a:ea typeface="微软雅黑" panose="020B0503020204020204" pitchFamily="34" charset="-122"/>
               </a:rPr>
-              <a:t>运算器中有若干个寄存器（如累加寄存器、暂存器等）。</a:t>
+              <a:t>运算器</a:t>
+            </a:r>
+            <a:r>
+              <a:rPr lang="zh-CN" altLang="en-US" sz="2800" dirty="0">
+                <a:solidFill>
+                  <a:schemeClr val="tx1">
+                    <a:lumMod val="75000"/>
+                    <a:lumOff val="25000"/>
+                  </a:schemeClr>
+                </a:solidFill>
+                <a:latin typeface="微软雅黑" panose="020B0503020204020204" pitchFamily="34" charset="-122"/>
+                <a:ea typeface="微软雅黑" panose="020B0503020204020204" pitchFamily="34" charset="-122"/>
+              </a:rPr>
+              <a:t>中有若干个寄存器（如累加寄存器、暂存器等）。</a:t>
             </a:r>
           </a:p>
           <a:p>
@@ -26676,12 +26846,12 @@
           <a:p>
             <a:pPr eaLnBrk="1" hangingPunct="1"/>
             <a:r>
-              <a:rPr lang="zh-CN" altLang="en-US" dirty="0">
+              <a:rPr lang="zh-CN" altLang="en-US" dirty="0" smtClean="0">
                 <a:latin typeface="Times New Roman" panose="02020603050405020304" pitchFamily="18" charset="0"/>
               </a:rPr>
               <a:t>计算机的硬件组成</a:t>
             </a:r>
-            <a:endParaRPr lang="zh-CN" altLang="en-US" dirty="0">
+            <a:endParaRPr lang="zh-CN" altLang="en-US" dirty="0" smtClean="0">
               <a:latin typeface="宋体" panose="02010600030101010101" pitchFamily="2" charset="-122"/>
             </a:endParaRPr>
           </a:p>
@@ -26719,7 +26889,7 @@
               <a:defRPr/>
             </a:pPr>
             <a:r>
-              <a:rPr lang="en-US" altLang="zh-CN" sz="3200" dirty="0">
+              <a:rPr lang="en-US" altLang="zh-CN" sz="3200" dirty="0" smtClean="0">
                 <a:solidFill>
                   <a:schemeClr val="tx1">
                     <a:lumMod val="75000"/>
@@ -26732,7 +26902,7 @@
               <a:t>  5. </a:t>
             </a:r>
             <a:r>
-              <a:rPr lang="zh-CN" altLang="en-US" sz="3200" dirty="0">
+              <a:rPr lang="zh-CN" altLang="en-US" sz="3200" dirty="0" smtClean="0">
                 <a:solidFill>
                   <a:schemeClr val="tx1">
                     <a:lumMod val="75000"/>
@@ -26744,6 +26914,16 @@
               </a:rPr>
               <a:t>控制器</a:t>
             </a:r>
+            <a:endParaRPr lang="zh-CN" altLang="en-US" sz="3200" dirty="0">
+              <a:solidFill>
+                <a:schemeClr val="tx1">
+                  <a:lumMod val="75000"/>
+                  <a:lumOff val="25000"/>
+                </a:schemeClr>
+              </a:solidFill>
+              <a:latin typeface="微软雅黑" panose="020B0503020204020204" pitchFamily="34" charset="-122"/>
+              <a:ea typeface="微软雅黑" panose="020B0503020204020204" pitchFamily="34" charset="-122"/>
+            </a:endParaRPr>
           </a:p>
           <a:p>
             <a:pPr marL="720000" lvl="1" indent="720000" eaLnBrk="1" hangingPunct="1">
@@ -26754,7 +26934,7 @@
               <a:defRPr/>
             </a:pPr>
             <a:r>
-              <a:rPr lang="zh-CN" altLang="en-US" sz="2800" dirty="0">
+              <a:rPr lang="zh-CN" altLang="en-US" sz="2800" dirty="0" smtClean="0">
                 <a:solidFill>
                   <a:schemeClr val="tx1">
                     <a:lumMod val="75000"/>
@@ -26765,7 +26945,21 @@
                 <a:ea typeface="微软雅黑" panose="020B0503020204020204" pitchFamily="34" charset="-122"/>
                 <a:cs typeface="+mn-cs"/>
               </a:rPr>
-              <a:t>控制器是整个计算机的指挥中心。</a:t>
+              <a:t>控制器</a:t>
+            </a:r>
+            <a:r>
+              <a:rPr lang="zh-CN" altLang="en-US" sz="2800" dirty="0">
+                <a:solidFill>
+                  <a:schemeClr val="tx1">
+                    <a:lumMod val="75000"/>
+                    <a:lumOff val="25000"/>
+                  </a:schemeClr>
+                </a:solidFill>
+                <a:latin typeface="微软雅黑" panose="020B0503020204020204" pitchFamily="34" charset="-122"/>
+                <a:ea typeface="微软雅黑" panose="020B0503020204020204" pitchFamily="34" charset="-122"/>
+                <a:cs typeface="+mn-cs"/>
+              </a:rPr>
+              <a:t>是整个计算机的指挥中心。</a:t>
             </a:r>
             <a:endParaRPr lang="en-US" altLang="zh-CN" sz="2800" dirty="0">
               <a:solidFill>
@@ -26788,7 +26982,7 @@
               <a:defRPr/>
             </a:pPr>
             <a:r>
-              <a:rPr lang="zh-CN" altLang="en-US" sz="2800" dirty="0">
+              <a:rPr lang="zh-CN" altLang="en-US" sz="2800" dirty="0" smtClean="0">
                 <a:solidFill>
                   <a:schemeClr val="tx1">
                     <a:lumMod val="75000"/>
@@ -26799,7 +26993,21 @@
                 <a:ea typeface="微软雅黑" panose="020B0503020204020204" pitchFamily="34" charset="-122"/>
                 <a:cs typeface="+mn-cs"/>
               </a:rPr>
-              <a:t>控制器中主要包括时序控制信号形成部件和一些专用的寄存器。</a:t>
+              <a:t>控制器</a:t>
+            </a:r>
+            <a:r>
+              <a:rPr lang="zh-CN" altLang="en-US" sz="2800" dirty="0">
+                <a:solidFill>
+                  <a:schemeClr val="tx1">
+                    <a:lumMod val="75000"/>
+                    <a:lumOff val="25000"/>
+                  </a:schemeClr>
+                </a:solidFill>
+                <a:latin typeface="微软雅黑" panose="020B0503020204020204" pitchFamily="34" charset="-122"/>
+                <a:ea typeface="微软雅黑" panose="020B0503020204020204" pitchFamily="34" charset="-122"/>
+                <a:cs typeface="+mn-cs"/>
+              </a:rPr>
+              <a:t>中主要包括时序控制信号形成部件和一些专用的寄存器。</a:t>
             </a:r>
           </a:p>
         </p:txBody>
@@ -26990,7 +27198,7 @@
           <a:lstStyle/>
           <a:p>
             <a:r>
-              <a:rPr lang="zh-CN" altLang="en-US"/>
+              <a:rPr lang="zh-CN" altLang="en-US" smtClean="0"/>
               <a:t>课程目标</a:t>
             </a:r>
           </a:p>
@@ -27024,7 +27232,7 @@
               <a:buAutoNum type="arabicPeriod"/>
             </a:pPr>
             <a:r>
-              <a:rPr lang="zh-CN" altLang="en-US" sz="3600" dirty="0">
+              <a:rPr lang="zh-CN" altLang="en-US" sz="3600" dirty="0" smtClean="0">
                 <a:solidFill>
                   <a:schemeClr val="tx1">
                     <a:lumMod val="75000"/>
@@ -27036,7 +27244,7 @@
               </a:rPr>
               <a:t>理解计算机运行的大概过程</a:t>
             </a:r>
-            <a:endParaRPr lang="en-US" altLang="zh-CN" sz="3600" dirty="0">
+            <a:endParaRPr lang="en-US" altLang="zh-CN" sz="3600" dirty="0" smtClean="0">
               <a:solidFill>
                 <a:schemeClr val="tx1">
                   <a:lumMod val="75000"/>
@@ -27056,7 +27264,7 @@
               <a:buAutoNum type="arabicPeriod"/>
             </a:pPr>
             <a:r>
-              <a:rPr lang="zh-CN" altLang="en-US" sz="3600" dirty="0">
+              <a:rPr lang="zh-CN" altLang="en-US" sz="3600" dirty="0" smtClean="0">
                 <a:solidFill>
                   <a:schemeClr val="tx1">
                     <a:lumMod val="75000"/>
@@ -27068,7 +27276,7 @@
               </a:rPr>
               <a:t>掌握简单数值数据在计算机中的表示</a:t>
             </a:r>
-            <a:endParaRPr lang="en-US" altLang="zh-CN" sz="3600" dirty="0">
+            <a:endParaRPr lang="en-US" altLang="zh-CN" sz="3600" dirty="0" smtClean="0">
               <a:solidFill>
                 <a:schemeClr val="tx1">
                   <a:lumMod val="75000"/>
@@ -27088,7 +27296,7 @@
               <a:buAutoNum type="arabicPeriod"/>
             </a:pPr>
             <a:r>
-              <a:rPr lang="zh-CN" altLang="en-US" sz="3600" dirty="0">
+              <a:rPr lang="zh-CN" altLang="en-US" sz="3600" dirty="0" smtClean="0">
                 <a:solidFill>
                   <a:schemeClr val="tx1">
                     <a:lumMod val="75000"/>
@@ -27100,7 +27308,7 @@
               </a:rPr>
               <a:t>了解计算机硬件的基本组成</a:t>
             </a:r>
-            <a:endParaRPr lang="en-US" altLang="zh-CN" sz="3600" dirty="0">
+            <a:endParaRPr lang="en-US" altLang="zh-CN" sz="3600" dirty="0" smtClean="0">
               <a:solidFill>
                 <a:schemeClr val="tx1">
                   <a:lumMod val="75000"/>
@@ -27120,7 +27328,7 @@
               <a:buAutoNum type="arabicPeriod"/>
             </a:pPr>
             <a:r>
-              <a:rPr lang="zh-CN" altLang="en-US" sz="3600" dirty="0">
+              <a:rPr lang="zh-CN" altLang="en-US" sz="3600" dirty="0" smtClean="0">
                 <a:solidFill>
                   <a:schemeClr val="tx1">
                     <a:lumMod val="75000"/>
@@ -27143,6 +27351,13 @@
   <p:transition>
     <p:fade/>
   </p:transition>
+  <p:timing>
+    <p:tnLst>
+      <p:par>
+        <p:cTn id="1" dur="indefinite" restart="never" nodeType="tmRoot"/>
+      </p:par>
+    </p:tnLst>
+  </p:timing>
 </p:sld>
 </file>
 
@@ -27179,7 +27394,7 @@
           <a:lstStyle/>
           <a:p>
             <a:r>
-              <a:rPr lang="zh-CN" altLang="en-US"/>
+              <a:rPr lang="zh-CN" altLang="en-US" smtClean="0"/>
               <a:t>冯诺依曼体系结构</a:t>
             </a:r>
           </a:p>
@@ -27335,7 +27550,7 @@
                 <a:p>
                   <a:pPr algn="ctr"/>
                   <a:r>
-                    <a:rPr lang="zh-CN" altLang="en-US" sz="2800" dirty="0">
+                    <a:rPr lang="zh-CN" altLang="en-US" sz="2800" dirty="0" smtClean="0">
                       <a:solidFill>
                         <a:schemeClr val="tx1">
                           <a:lumMod val="75000"/>
@@ -27347,6 +27562,16 @@
                     </a:rPr>
                     <a:t>运算器</a:t>
                   </a:r>
+                  <a:endParaRPr lang="zh-CN" altLang="en-US" sz="2800" dirty="0">
+                    <a:solidFill>
+                      <a:schemeClr val="tx1">
+                        <a:lumMod val="75000"/>
+                        <a:lumOff val="25000"/>
+                      </a:schemeClr>
+                    </a:solidFill>
+                    <a:latin typeface="微软雅黑" panose="020B0503020204020204" pitchFamily="34" charset="-122"/>
+                    <a:ea typeface="微软雅黑" panose="020B0503020204020204" pitchFamily="34" charset="-122"/>
+                  </a:endParaRPr>
                 </a:p>
               </p:txBody>
             </p:sp>
@@ -27398,7 +27623,7 @@
                 <a:p>
                   <a:pPr algn="ctr"/>
                   <a:r>
-                    <a:rPr lang="zh-CN" altLang="en-US" sz="2800" dirty="0">
+                    <a:rPr lang="zh-CN" altLang="en-US" sz="2800" dirty="0" smtClean="0">
                       <a:solidFill>
                         <a:schemeClr val="tx1">
                           <a:lumMod val="75000"/>
@@ -27410,6 +27635,16 @@
                     </a:rPr>
                     <a:t>控制器</a:t>
                   </a:r>
+                  <a:endParaRPr lang="zh-CN" altLang="en-US" sz="2800" dirty="0">
+                    <a:solidFill>
+                      <a:schemeClr val="tx1">
+                        <a:lumMod val="75000"/>
+                        <a:lumOff val="25000"/>
+                      </a:schemeClr>
+                    </a:solidFill>
+                    <a:latin typeface="微软雅黑" panose="020B0503020204020204" pitchFamily="34" charset="-122"/>
+                    <a:ea typeface="微软雅黑" panose="020B0503020204020204" pitchFamily="34" charset="-122"/>
+                  </a:endParaRPr>
                 </a:p>
               </p:txBody>
             </p:sp>
@@ -27461,7 +27696,7 @@
                 <a:p>
                   <a:pPr algn="ctr"/>
                   <a:r>
-                    <a:rPr lang="zh-CN" altLang="en-US" sz="2800" dirty="0">
+                    <a:rPr lang="zh-CN" altLang="en-US" sz="2800" dirty="0" smtClean="0">
                       <a:solidFill>
                         <a:schemeClr val="tx1">
                           <a:lumMod val="75000"/>
@@ -27473,6 +27708,16 @@
                     </a:rPr>
                     <a:t>内存储器</a:t>
                   </a:r>
+                  <a:endParaRPr lang="zh-CN" altLang="en-US" sz="2800" dirty="0">
+                    <a:solidFill>
+                      <a:schemeClr val="tx1">
+                        <a:lumMod val="75000"/>
+                        <a:lumOff val="25000"/>
+                      </a:schemeClr>
+                    </a:solidFill>
+                    <a:latin typeface="微软雅黑" panose="020B0503020204020204" pitchFamily="34" charset="-122"/>
+                    <a:ea typeface="微软雅黑" panose="020B0503020204020204" pitchFamily="34" charset="-122"/>
+                  </a:endParaRPr>
                 </a:p>
               </p:txBody>
             </p:sp>
@@ -27650,7 +27895,7 @@
             <a:p>
               <a:pPr algn="ctr"/>
               <a:r>
-                <a:rPr lang="zh-CN" altLang="en-US" sz="2800" dirty="0">
+                <a:rPr lang="zh-CN" altLang="en-US" sz="2800" dirty="0" smtClean="0">
                   <a:solidFill>
                     <a:schemeClr val="tx1">
                       <a:lumMod val="75000"/>
@@ -27662,7 +27907,7 @@
                 </a:rPr>
                 <a:t>输</a:t>
               </a:r>
-              <a:endParaRPr lang="en-US" altLang="zh-CN" sz="2800" dirty="0">
+              <a:endParaRPr lang="en-US" altLang="zh-CN" sz="2800" dirty="0" smtClean="0">
                 <a:solidFill>
                   <a:schemeClr val="tx1">
                     <a:lumMod val="75000"/>
@@ -27676,7 +27921,7 @@
             <a:p>
               <a:pPr algn="ctr"/>
               <a:r>
-                <a:rPr lang="zh-CN" altLang="en-US" sz="2800" dirty="0">
+                <a:rPr lang="zh-CN" altLang="en-US" sz="2800" dirty="0" smtClean="0">
                   <a:solidFill>
                     <a:schemeClr val="tx1">
                       <a:lumMod val="75000"/>
@@ -27688,7 +27933,7 @@
                 </a:rPr>
                 <a:t>出</a:t>
               </a:r>
-              <a:endParaRPr lang="en-US" altLang="zh-CN" sz="2800" dirty="0">
+              <a:endParaRPr lang="en-US" altLang="zh-CN" sz="2800" dirty="0" smtClean="0">
                 <a:solidFill>
                   <a:schemeClr val="tx1">
                     <a:lumMod val="75000"/>
@@ -27702,7 +27947,7 @@
             <a:p>
               <a:pPr algn="ctr"/>
               <a:r>
-                <a:rPr lang="zh-CN" altLang="en-US" sz="2800" dirty="0">
+                <a:rPr lang="zh-CN" altLang="en-US" sz="2800" dirty="0" smtClean="0">
                   <a:solidFill>
                     <a:schemeClr val="tx1">
                       <a:lumMod val="75000"/>
@@ -27714,7 +27959,7 @@
                 </a:rPr>
                 <a:t>设</a:t>
               </a:r>
-              <a:endParaRPr lang="en-US" altLang="zh-CN" sz="2800" dirty="0">
+              <a:endParaRPr lang="en-US" altLang="zh-CN" sz="2800" dirty="0" smtClean="0">
                 <a:solidFill>
                   <a:schemeClr val="tx1">
                     <a:lumMod val="75000"/>
@@ -27728,7 +27973,7 @@
             <a:p>
               <a:pPr algn="ctr"/>
               <a:r>
-                <a:rPr lang="zh-CN" altLang="en-US" sz="2800" dirty="0">
+                <a:rPr lang="zh-CN" altLang="en-US" sz="2800" dirty="0" smtClean="0">
                   <a:solidFill>
                     <a:schemeClr val="tx1">
                       <a:lumMod val="75000"/>
@@ -27740,6 +27985,16 @@
                 </a:rPr>
                 <a:t>备</a:t>
               </a:r>
+              <a:endParaRPr lang="zh-CN" altLang="en-US" sz="2800" dirty="0">
+                <a:solidFill>
+                  <a:schemeClr val="tx1">
+                    <a:lumMod val="75000"/>
+                    <a:lumOff val="25000"/>
+                  </a:schemeClr>
+                </a:solidFill>
+                <a:latin typeface="微软雅黑" panose="020B0503020204020204" pitchFamily="34" charset="-122"/>
+                <a:ea typeface="微软雅黑" panose="020B0503020204020204" pitchFamily="34" charset="-122"/>
+              </a:endParaRPr>
             </a:p>
           </p:txBody>
         </p:sp>
@@ -27798,7 +28053,7 @@
             <a:p>
               <a:pPr algn="ctr"/>
               <a:r>
-                <a:rPr lang="zh-CN" altLang="en-US" sz="2800" dirty="0">
+                <a:rPr lang="zh-CN" altLang="en-US" sz="2800" dirty="0" smtClean="0">
                   <a:solidFill>
                     <a:schemeClr val="tx1">
                       <a:lumMod val="75000"/>
@@ -27810,7 +28065,7 @@
                 </a:rPr>
                 <a:t>输</a:t>
               </a:r>
-              <a:endParaRPr lang="en-US" altLang="zh-CN" sz="2800" dirty="0">
+              <a:endParaRPr lang="en-US" altLang="zh-CN" sz="2800" dirty="0" smtClean="0">
                 <a:solidFill>
                   <a:schemeClr val="tx1">
                     <a:lumMod val="75000"/>
@@ -27836,7 +28091,7 @@
                 </a:rPr>
                 <a:t>入</a:t>
               </a:r>
-              <a:endParaRPr lang="en-US" altLang="zh-CN" sz="2800" dirty="0">
+              <a:endParaRPr lang="en-US" altLang="zh-CN" sz="2800" dirty="0" smtClean="0">
                 <a:solidFill>
                   <a:schemeClr val="tx1">
                     <a:lumMod val="75000"/>
@@ -27850,7 +28105,7 @@
             <a:p>
               <a:pPr algn="ctr"/>
               <a:r>
-                <a:rPr lang="zh-CN" altLang="en-US" sz="2800" dirty="0">
+                <a:rPr lang="zh-CN" altLang="en-US" sz="2800" dirty="0" smtClean="0">
                   <a:solidFill>
                     <a:schemeClr val="tx1">
                       <a:lumMod val="75000"/>
@@ -27862,7 +28117,7 @@
                 </a:rPr>
                 <a:t>设</a:t>
               </a:r>
-              <a:endParaRPr lang="en-US" altLang="zh-CN" sz="2800" dirty="0">
+              <a:endParaRPr lang="en-US" altLang="zh-CN" sz="2800" dirty="0" smtClean="0">
                 <a:solidFill>
                   <a:schemeClr val="tx1">
                     <a:lumMod val="75000"/>
@@ -27876,7 +28131,7 @@
             <a:p>
               <a:pPr algn="ctr"/>
               <a:r>
-                <a:rPr lang="zh-CN" altLang="en-US" sz="2800" dirty="0">
+                <a:rPr lang="zh-CN" altLang="en-US" sz="2800" dirty="0" smtClean="0">
                   <a:solidFill>
                     <a:schemeClr val="tx1">
                       <a:lumMod val="75000"/>
@@ -27888,6 +28143,16 @@
                 </a:rPr>
                 <a:t>备</a:t>
               </a:r>
+              <a:endParaRPr lang="zh-CN" altLang="en-US" sz="2800" dirty="0">
+                <a:solidFill>
+                  <a:schemeClr val="tx1">
+                    <a:lumMod val="75000"/>
+                    <a:lumOff val="25000"/>
+                  </a:schemeClr>
+                </a:solidFill>
+                <a:latin typeface="微软雅黑" panose="020B0503020204020204" pitchFamily="34" charset="-122"/>
+                <a:ea typeface="微软雅黑" panose="020B0503020204020204" pitchFamily="34" charset="-122"/>
+              </a:endParaRPr>
             </a:p>
           </p:txBody>
         </p:sp>
@@ -27956,8 +28221,31 @@
                   <a:latin typeface="微软雅黑" panose="020B0503020204020204" pitchFamily="34" charset="-122"/>
                   <a:ea typeface="微软雅黑" panose="020B0503020204020204" pitchFamily="34" charset="-122"/>
                 </a:rPr>
-                <a:t>外存储器</a:t>
+                <a:t>外</a:t>
               </a:r>
+              <a:r>
+                <a:rPr lang="zh-CN" altLang="en-US" sz="2800" dirty="0" smtClean="0">
+                  <a:solidFill>
+                    <a:schemeClr val="tx1">
+                      <a:lumMod val="75000"/>
+                      <a:lumOff val="25000"/>
+                    </a:schemeClr>
+                  </a:solidFill>
+                  <a:latin typeface="微软雅黑" panose="020B0503020204020204" pitchFamily="34" charset="-122"/>
+                  <a:ea typeface="微软雅黑" panose="020B0503020204020204" pitchFamily="34" charset="-122"/>
+                </a:rPr>
+                <a:t>存储器</a:t>
+              </a:r>
+              <a:endParaRPr lang="zh-CN" altLang="en-US" sz="2800" dirty="0">
+                <a:solidFill>
+                  <a:schemeClr val="tx1">
+                    <a:lumMod val="75000"/>
+                    <a:lumOff val="25000"/>
+                  </a:schemeClr>
+                </a:solidFill>
+                <a:latin typeface="微软雅黑" panose="020B0503020204020204" pitchFamily="34" charset="-122"/>
+                <a:ea typeface="微软雅黑" panose="020B0503020204020204" pitchFamily="34" charset="-122"/>
+              </a:endParaRPr>
             </a:p>
           </p:txBody>
         </p:sp>
@@ -28175,26 +28463,30 @@
           <a:lstStyle/>
           <a:p>
             <a:r>
-              <a:rPr lang="zh-CN" altLang="en-US" sz="2800" dirty="0">
+              <a:rPr lang="zh-CN" altLang="en-US" sz="2800" dirty="0" smtClean="0">
                 <a:latin typeface="微软雅黑" panose="020B0503020204020204" pitchFamily="34" charset="-122"/>
                 <a:ea typeface="微软雅黑" panose="020B0503020204020204" pitchFamily="34" charset="-122"/>
               </a:rPr>
               <a:t>冯</a:t>
             </a:r>
             <a:r>
-              <a:rPr lang="en-US" altLang="zh-CN" sz="2800" dirty="0">
+              <a:rPr lang="en-US" altLang="zh-CN" sz="2800" dirty="0" smtClean="0">
                 <a:latin typeface="微软雅黑" panose="020B0503020204020204" pitchFamily="34" charset="-122"/>
                 <a:ea typeface="微软雅黑" panose="020B0503020204020204" pitchFamily="34" charset="-122"/>
               </a:rPr>
               <a:t>·</a:t>
             </a:r>
             <a:r>
-              <a:rPr lang="zh-CN" altLang="en-US" sz="2800" dirty="0">
+              <a:rPr lang="zh-CN" altLang="en-US" sz="2800" dirty="0" smtClean="0">
                 <a:latin typeface="微软雅黑" panose="020B0503020204020204" pitchFamily="34" charset="-122"/>
                 <a:ea typeface="微软雅黑" panose="020B0503020204020204" pitchFamily="34" charset="-122"/>
               </a:rPr>
               <a:t>诺依曼结构</a:t>
             </a:r>
+            <a:endParaRPr lang="zh-CN" altLang="en-US" sz="2800" dirty="0">
+              <a:latin typeface="微软雅黑" panose="020B0503020204020204" pitchFamily="34" charset="-122"/>
+              <a:ea typeface="微软雅黑" panose="020B0503020204020204" pitchFamily="34" charset="-122"/>
+            </a:endParaRPr>
           </a:p>
         </p:txBody>
       </p:sp>
@@ -28266,26 +28558,30 @@
           <a:lstStyle/>
           <a:p>
             <a:r>
-              <a:rPr lang="zh-CN" altLang="en-US" sz="2800" dirty="0">
+              <a:rPr lang="zh-CN" altLang="en-US" sz="2800" dirty="0" smtClean="0">
                 <a:latin typeface="微软雅黑" panose="020B0503020204020204" pitchFamily="34" charset="-122"/>
                 <a:ea typeface="微软雅黑" panose="020B0503020204020204" pitchFamily="34" charset="-122"/>
               </a:rPr>
               <a:t>冯</a:t>
             </a:r>
             <a:r>
-              <a:rPr lang="en-US" altLang="zh-CN" sz="2800" dirty="0">
+              <a:rPr lang="en-US" altLang="zh-CN" sz="2800" dirty="0" smtClean="0">
                 <a:latin typeface="微软雅黑" panose="020B0503020204020204" pitchFamily="34" charset="-122"/>
                 <a:ea typeface="微软雅黑" panose="020B0503020204020204" pitchFamily="34" charset="-122"/>
               </a:rPr>
               <a:t>·</a:t>
             </a:r>
             <a:r>
-              <a:rPr lang="zh-CN" altLang="en-US" sz="2800" dirty="0">
+              <a:rPr lang="zh-CN" altLang="en-US" sz="2800" dirty="0" smtClean="0">
                 <a:latin typeface="微软雅黑" panose="020B0503020204020204" pitchFamily="34" charset="-122"/>
                 <a:ea typeface="微软雅黑" panose="020B0503020204020204" pitchFamily="34" charset="-122"/>
               </a:rPr>
               <a:t>诺依曼</a:t>
             </a:r>
+            <a:endParaRPr lang="zh-CN" altLang="en-US" sz="2800" dirty="0">
+              <a:latin typeface="微软雅黑" panose="020B0503020204020204" pitchFamily="34" charset="-122"/>
+              <a:ea typeface="微软雅黑" panose="020B0503020204020204" pitchFamily="34" charset="-122"/>
+            </a:endParaRPr>
           </a:p>
         </p:txBody>
       </p:sp>
@@ -28297,6 +28593,13 @@
   <p:transition>
     <p:fade/>
   </p:transition>
+  <p:timing>
+    <p:tnLst>
+      <p:par>
+        <p:cTn id="1" dur="indefinite" restart="never" nodeType="tmRoot"/>
+      </p:par>
+    </p:tnLst>
+  </p:timing>
 </p:sld>
 </file>
 
@@ -28333,7 +28636,7 @@
           <a:lstStyle/>
           <a:p>
             <a:r>
-              <a:rPr lang="zh-CN" altLang="en-US"/>
+              <a:rPr lang="zh-CN" altLang="en-US" smtClean="0"/>
               <a:t>冯诺依曼计算机</a:t>
             </a:r>
           </a:p>
@@ -28524,7 +28827,7 @@
               <a:buAutoNum type="circleNumDbPlain"/>
             </a:pPr>
             <a:r>
-              <a:rPr lang="zh-CN" altLang="en-US" sz="3200" dirty="0">
+              <a:rPr lang="zh-CN" altLang="en-US" sz="3200" dirty="0" smtClean="0">
                 <a:solidFill>
                   <a:schemeClr val="tx1">
                     <a:lumMod val="75000"/>
@@ -28534,9 +28837,35 @@
                 <a:latin typeface="微软雅黑" panose="020B0503020204020204" pitchFamily="34" charset="-122"/>
                 <a:ea typeface="微软雅黑" panose="020B0503020204020204" pitchFamily="34" charset="-122"/>
               </a:rPr>
-              <a:t>计算机（指硬件）应由运算器、存储器、 控制器、输入设备和输出设备五大基本部件组成；</a:t>
-            </a:r>
-            <a:endParaRPr lang="en-US" altLang="zh-CN" sz="3200" dirty="0">
+              <a:t>计算机</a:t>
+            </a:r>
+            <a:r>
+              <a:rPr lang="zh-CN" altLang="en-US" sz="3200" dirty="0">
+                <a:solidFill>
+                  <a:schemeClr val="tx1">
+                    <a:lumMod val="75000"/>
+                    <a:lumOff val="25000"/>
+                  </a:schemeClr>
+                </a:solidFill>
+                <a:latin typeface="微软雅黑" panose="020B0503020204020204" pitchFamily="34" charset="-122"/>
+                <a:ea typeface="微软雅黑" panose="020B0503020204020204" pitchFamily="34" charset="-122"/>
+              </a:rPr>
+              <a:t>（指硬件）应由运算器、存储器、 </a:t>
+            </a:r>
+            <a:r>
+              <a:rPr lang="zh-CN" altLang="en-US" sz="3200" dirty="0" smtClean="0">
+                <a:solidFill>
+                  <a:schemeClr val="tx1">
+                    <a:lumMod val="75000"/>
+                    <a:lumOff val="25000"/>
+                  </a:schemeClr>
+                </a:solidFill>
+                <a:latin typeface="微软雅黑" panose="020B0503020204020204" pitchFamily="34" charset="-122"/>
+                <a:ea typeface="微软雅黑" panose="020B0503020204020204" pitchFamily="34" charset="-122"/>
+              </a:rPr>
+              <a:t>控制器、输入设备和输出设备五大基本部件组成；</a:t>
+            </a:r>
+            <a:endParaRPr lang="en-US" altLang="zh-CN" sz="3200" dirty="0" smtClean="0">
               <a:solidFill>
                 <a:schemeClr val="tx1">
                   <a:lumMod val="75000"/>
@@ -28559,7 +28888,7 @@
               <a:buAutoNum type="circleNumDbPlain"/>
             </a:pPr>
             <a:r>
-              <a:rPr lang="zh-CN" altLang="en-US" sz="3200" dirty="0">
+              <a:rPr lang="zh-CN" altLang="en-US" sz="3200" dirty="0" smtClean="0">
                 <a:solidFill>
                   <a:schemeClr val="tx1">
                     <a:lumMod val="75000"/>
@@ -28569,17 +28898,7 @@
                 <a:latin typeface="微软雅黑" panose="020B0503020204020204" pitchFamily="34" charset="-122"/>
                 <a:ea typeface="微软雅黑" panose="020B0503020204020204" pitchFamily="34" charset="-122"/>
               </a:rPr>
-              <a:t>计算机内部采用</a:t>
-            </a:r>
-            <a:r>
-              <a:rPr lang="zh-CN" altLang="en-US" sz="3200" dirty="0">
-                <a:solidFill>
-                  <a:srgbClr val="C00000"/>
-                </a:solidFill>
-                <a:latin typeface="微软雅黑" panose="020B0503020204020204" pitchFamily="34" charset="-122"/>
-                <a:ea typeface="微软雅黑" panose="020B0503020204020204" pitchFamily="34" charset="-122"/>
-              </a:rPr>
-              <a:t>二进制</a:t>
+              <a:t>计算机</a:t>
             </a:r>
             <a:r>
               <a:rPr lang="zh-CN" altLang="en-US" sz="3200" dirty="0">
@@ -28592,9 +28911,45 @@
                 <a:latin typeface="微软雅黑" panose="020B0503020204020204" pitchFamily="34" charset="-122"/>
                 <a:ea typeface="微软雅黑" panose="020B0503020204020204" pitchFamily="34" charset="-122"/>
               </a:rPr>
-              <a:t>来表示指令和数据；</a:t>
-            </a:r>
-            <a:endParaRPr lang="en-US" altLang="zh-CN" sz="3200" dirty="0">
+              <a:t>内部采用</a:t>
+            </a:r>
+            <a:r>
+              <a:rPr lang="zh-CN" altLang="en-US" sz="3200" dirty="0">
+                <a:solidFill>
+                  <a:srgbClr val="C00000"/>
+                </a:solidFill>
+                <a:latin typeface="微软雅黑" panose="020B0503020204020204" pitchFamily="34" charset="-122"/>
+                <a:ea typeface="微软雅黑" panose="020B0503020204020204" pitchFamily="34" charset="-122"/>
+              </a:rPr>
+              <a:t>二进制</a:t>
+            </a:r>
+            <a:r>
+              <a:rPr lang="zh-CN" altLang="en-US" sz="3200" dirty="0">
+                <a:solidFill>
+                  <a:schemeClr val="tx1">
+                    <a:lumMod val="75000"/>
+                    <a:lumOff val="25000"/>
+                  </a:schemeClr>
+                </a:solidFill>
+                <a:latin typeface="微软雅黑" panose="020B0503020204020204" pitchFamily="34" charset="-122"/>
+                <a:ea typeface="微软雅黑" panose="020B0503020204020204" pitchFamily="34" charset="-122"/>
+              </a:rPr>
+              <a:t>来表示指令和数据</a:t>
+            </a:r>
+            <a:r>
+              <a:rPr lang="zh-CN" altLang="en-US" sz="3200" dirty="0" smtClean="0">
+                <a:solidFill>
+                  <a:schemeClr val="tx1">
+                    <a:lumMod val="75000"/>
+                    <a:lumOff val="25000"/>
+                  </a:schemeClr>
+                </a:solidFill>
+                <a:latin typeface="微软雅黑" panose="020B0503020204020204" pitchFamily="34" charset="-122"/>
+                <a:ea typeface="微软雅黑" panose="020B0503020204020204" pitchFamily="34" charset="-122"/>
+              </a:rPr>
+              <a:t>；</a:t>
+            </a:r>
+            <a:endParaRPr lang="en-US" altLang="zh-CN" sz="3200" dirty="0" smtClean="0">
               <a:solidFill>
                 <a:schemeClr val="tx1">
                   <a:lumMod val="75000"/>
@@ -28617,6 +28972,16 @@
               <a:buAutoNum type="circleNumDbPlain"/>
             </a:pPr>
             <a:r>
+              <a:rPr lang="zh-CN" altLang="en-US" sz="3200" dirty="0" smtClean="0">
+                <a:solidFill>
+                  <a:srgbClr val="C00000"/>
+                </a:solidFill>
+                <a:latin typeface="微软雅黑" panose="020B0503020204020204" pitchFamily="34" charset="-122"/>
+                <a:ea typeface="微软雅黑" panose="020B0503020204020204" pitchFamily="34" charset="-122"/>
+              </a:rPr>
+              <a:t>将</a:t>
+            </a:r>
+            <a:r>
               <a:rPr lang="zh-CN" altLang="en-US" sz="3200" dirty="0">
                 <a:solidFill>
                   <a:srgbClr val="C00000"/>
@@ -28624,7 +28989,7 @@
                 <a:latin typeface="微软雅黑" panose="020B0503020204020204" pitchFamily="34" charset="-122"/>
                 <a:ea typeface="微软雅黑" panose="020B0503020204020204" pitchFamily="34" charset="-122"/>
               </a:rPr>
-              <a:t>将编好的程序和原始数据事先存入存储器中，然后再启动计算机工作，</a:t>
+              <a:t>编好的程序和原始数据事先存入存储器中，然后再启动计算机工作，</a:t>
             </a:r>
             <a:r>
               <a:rPr lang="zh-CN" altLang="en-US" sz="3200" dirty="0">
@@ -28863,7 +29228,7 @@
           <a:lstStyle/>
           <a:p>
             <a:r>
-              <a:rPr lang="zh-CN" altLang="en-US"/>
+              <a:rPr lang="zh-CN" altLang="en-US" smtClean="0"/>
               <a:t>计算机层次</a:t>
             </a:r>
           </a:p>
@@ -28890,7 +29255,7 @@
           <a:lstStyle/>
           <a:p>
             <a:r>
-              <a:rPr lang="zh-CN" altLang="en-US" sz="3200" dirty="0">
+              <a:rPr lang="zh-CN" altLang="en-US" sz="3200" dirty="0" smtClean="0">
                 <a:solidFill>
                   <a:schemeClr val="tx1">
                     <a:lumMod val="75000"/>
@@ -28902,7 +29267,7 @@
               </a:rPr>
               <a:t>整体</a:t>
             </a:r>
-            <a:endParaRPr lang="en-US" altLang="zh-CN" sz="3200" dirty="0">
+            <a:endParaRPr lang="en-US" altLang="zh-CN" sz="3200" dirty="0" smtClean="0">
               <a:solidFill>
                 <a:schemeClr val="tx1">
                   <a:lumMod val="75000"/>
@@ -28915,7 +29280,7 @@
           </a:p>
           <a:p>
             <a:r>
-              <a:rPr lang="zh-CN" altLang="en-US" sz="3200" dirty="0">
+              <a:rPr lang="zh-CN" altLang="en-US" sz="3200" dirty="0" smtClean="0">
                 <a:solidFill>
                   <a:schemeClr val="tx1">
                     <a:lumMod val="75000"/>
@@ -28927,7 +29292,7 @@
               </a:rPr>
               <a:t>硬件</a:t>
             </a:r>
-            <a:endParaRPr lang="en-US" altLang="zh-CN" sz="3200" dirty="0">
+            <a:endParaRPr lang="en-US" altLang="zh-CN" sz="3200" dirty="0" smtClean="0">
               <a:solidFill>
                 <a:schemeClr val="tx1">
                   <a:lumMod val="75000"/>
@@ -28940,7 +29305,7 @@
           </a:p>
           <a:p>
             <a:r>
-              <a:rPr lang="zh-CN" altLang="en-US" sz="3200" dirty="0">
+              <a:rPr lang="zh-CN" altLang="en-US" sz="3200" dirty="0" smtClean="0">
                 <a:solidFill>
                   <a:schemeClr val="tx1">
                     <a:lumMod val="75000"/>
@@ -30137,9 +30502,22 @@
                 <a:latin typeface="微软雅黑" panose="020B0503020204020204" pitchFamily="34" charset="-122"/>
                 <a:ea typeface="微软雅黑" panose="020B0503020204020204" pitchFamily="34" charset="-122"/>
               </a:rPr>
-              <a:t>接口软件、工具软件、</a:t>
-            </a:r>
-            <a:endParaRPr lang="en-US" altLang="zh-CN" sz="2400" dirty="0">
+              <a:t>接口软件、工具软件</a:t>
+            </a:r>
+            <a:r>
+              <a:rPr lang="zh-CN" altLang="en-US" sz="2400" dirty="0" smtClean="0">
+                <a:solidFill>
+                  <a:schemeClr val="tx1">
+                    <a:lumMod val="75000"/>
+                    <a:lumOff val="25000"/>
+                  </a:schemeClr>
+                </a:solidFill>
+                <a:latin typeface="微软雅黑" panose="020B0503020204020204" pitchFamily="34" charset="-122"/>
+                <a:ea typeface="微软雅黑" panose="020B0503020204020204" pitchFamily="34" charset="-122"/>
+              </a:rPr>
+              <a:t>、</a:t>
+            </a:r>
+            <a:endParaRPr lang="en-US" altLang="zh-CN" sz="2400" dirty="0" smtClean="0">
               <a:solidFill>
                 <a:schemeClr val="tx1">
                   <a:lumMod val="75000"/>
@@ -30159,7 +30537,7 @@
               <a:buNone/>
             </a:pPr>
             <a:r>
-              <a:rPr lang="zh-CN" altLang="en-US" sz="2400" dirty="0">
+              <a:rPr lang="zh-CN" altLang="en-US" sz="2400" dirty="0" smtClean="0">
                 <a:solidFill>
                   <a:schemeClr val="tx1">
                     <a:lumMod val="75000"/>
@@ -30169,7 +30547,20 @@
                 <a:latin typeface="微软雅黑" panose="020B0503020204020204" pitchFamily="34" charset="-122"/>
                 <a:ea typeface="微软雅黑" panose="020B0503020204020204" pitchFamily="34" charset="-122"/>
               </a:rPr>
-              <a:t>环境数据库等</a:t>
+              <a:t>环境</a:t>
+            </a:r>
+            <a:r>
+              <a:rPr lang="zh-CN" altLang="en-US" sz="2400" dirty="0">
+                <a:solidFill>
+                  <a:schemeClr val="tx1">
+                    <a:lumMod val="75000"/>
+                    <a:lumOff val="25000"/>
+                  </a:schemeClr>
+                </a:solidFill>
+                <a:latin typeface="微软雅黑" panose="020B0503020204020204" pitchFamily="34" charset="-122"/>
+                <a:ea typeface="微软雅黑" panose="020B0503020204020204" pitchFamily="34" charset="-122"/>
+              </a:rPr>
+              <a:t>数据库等</a:t>
             </a:r>
           </a:p>
         </p:txBody>
@@ -30182,6 +30573,13 @@
   <p:transition>
     <p:fade/>
   </p:transition>
+  <p:timing>
+    <p:tnLst>
+      <p:par>
+        <p:cTn id="1" dur="indefinite" restart="never" nodeType="tmRoot"/>
+      </p:par>
+    </p:tnLst>
+  </p:timing>
 </p:sld>
 </file>
 
@@ -30218,10 +30616,10 @@
           <a:lstStyle/>
           <a:p>
             <a:r>
-              <a:rPr lang="zh-CN" altLang="en-US" dirty="0"/>
+              <a:rPr lang="zh-CN" altLang="en-US" dirty="0" smtClean="0"/>
               <a:t>本章内容</a:t>
             </a:r>
-            <a:endParaRPr lang="en-US" altLang="zh-CN" dirty="0"/>
+            <a:endParaRPr lang="en-US" altLang="zh-CN" dirty="0" smtClean="0"/>
           </a:p>
         </p:txBody>
       </p:sp>
@@ -30317,7 +30715,7 @@
               <a:buChar char="Ø"/>
             </a:pPr>
             <a:r>
-              <a:rPr lang="zh-CN" altLang="en-US" sz="4000" dirty="0">
+              <a:rPr lang="zh-CN" altLang="en-US" sz="4000" dirty="0" smtClean="0">
                 <a:solidFill>
                   <a:srgbClr val="C00000"/>
                 </a:solidFill>
@@ -30326,7 +30724,7 @@
               </a:rPr>
               <a:t> 计算机性能指标</a:t>
             </a:r>
-            <a:endParaRPr lang="en-US" altLang="zh-CN" sz="4000" dirty="0">
+            <a:endParaRPr lang="en-US" altLang="zh-CN" sz="4000" dirty="0" smtClean="0">
               <a:solidFill>
                 <a:srgbClr val="C00000"/>
               </a:solidFill>
@@ -30343,7 +30741,7 @@
               <a:buChar char="Ø"/>
             </a:pPr>
             <a:r>
-              <a:rPr lang="zh-CN" altLang="en-US" sz="4000" dirty="0">
+              <a:rPr lang="zh-CN" altLang="en-US" sz="4000" dirty="0" smtClean="0">
                 <a:solidFill>
                   <a:schemeClr val="tx1">
                     <a:lumMod val="75000"/>
@@ -30355,7 +30753,7 @@
               </a:rPr>
               <a:t> 计算机的应用领域及发展趋势</a:t>
             </a:r>
-            <a:endParaRPr lang="en-US" altLang="zh-CN" sz="4000" dirty="0">
+            <a:endParaRPr lang="en-US" altLang="zh-CN" sz="4000" dirty="0" smtClean="0">
               <a:solidFill>
                 <a:schemeClr val="tx1">
                   <a:lumMod val="75000"/>
@@ -30381,6 +30779,13 @@
   <p:transition>
     <p:fade/>
   </p:transition>
+  <p:timing>
+    <p:tnLst>
+      <p:par>
+        <p:cTn id="1" dur="indefinite" restart="never" nodeType="tmRoot"/>
+      </p:par>
+    </p:tnLst>
+  </p:timing>
 </p:sld>
 </file>
 
@@ -30422,7 +30827,7 @@
               </a:rPr>
               <a:t>计算机的性能指标</a:t>
             </a:r>
-            <a:endParaRPr lang="zh-CN" altLang="en-US" dirty="0"/>
+            <a:endParaRPr lang="zh-CN" altLang="en-US" dirty="0" smtClean="0"/>
           </a:p>
         </p:txBody>
       </p:sp>
@@ -30468,10 +30873,10 @@
                 <a:latin typeface="微软雅黑" panose="020B0503020204020204" pitchFamily="34" charset="-122"/>
                 <a:ea typeface="微软雅黑" panose="020B0503020204020204" pitchFamily="34" charset="-122"/>
               </a:rPr>
-              <a:t>1.  </a:t>
-            </a:r>
-            <a:r>
-              <a:rPr lang="zh-CN" altLang="en-US" sz="3200" dirty="0">
+              <a:t>1</a:t>
+            </a:r>
+            <a:r>
+              <a:rPr lang="en-US" altLang="zh-CN" sz="3200" dirty="0" smtClean="0">
                 <a:solidFill>
                   <a:schemeClr val="tx1">
                     <a:lumMod val="75000"/>
@@ -30481,7 +30886,33 @@
                 <a:latin typeface="微软雅黑" panose="020B0503020204020204" pitchFamily="34" charset="-122"/>
                 <a:ea typeface="微软雅黑" panose="020B0503020204020204" pitchFamily="34" charset="-122"/>
               </a:rPr>
-              <a:t>机器字长</a:t>
+              <a:t>.  </a:t>
+            </a:r>
+            <a:r>
+              <a:rPr lang="zh-CN" altLang="en-US" sz="3200" dirty="0" smtClean="0">
+                <a:solidFill>
+                  <a:schemeClr val="tx1">
+                    <a:lumMod val="75000"/>
+                    <a:lumOff val="25000"/>
+                  </a:schemeClr>
+                </a:solidFill>
+                <a:latin typeface="微软雅黑" panose="020B0503020204020204" pitchFamily="34" charset="-122"/>
+                <a:ea typeface="微软雅黑" panose="020B0503020204020204" pitchFamily="34" charset="-122"/>
+              </a:rPr>
+              <a:t>机器</a:t>
+            </a:r>
+            <a:r>
+              <a:rPr lang="zh-CN" altLang="en-US" sz="3200" dirty="0">
+                <a:solidFill>
+                  <a:schemeClr val="tx1">
+                    <a:lumMod val="75000"/>
+                    <a:lumOff val="25000"/>
+                  </a:schemeClr>
+                </a:solidFill>
+                <a:latin typeface="微软雅黑" panose="020B0503020204020204" pitchFamily="34" charset="-122"/>
+                <a:ea typeface="微软雅黑" panose="020B0503020204020204" pitchFamily="34" charset="-122"/>
+              </a:rPr>
+              <a:t>字长</a:t>
             </a:r>
           </a:p>
           <a:p>
@@ -30497,6 +30928,16 @@
               <a:defRPr/>
             </a:pPr>
             <a:r>
+              <a:rPr lang="zh-CN" altLang="en-US" dirty="0" smtClean="0">
+                <a:solidFill>
+                  <a:srgbClr val="C00000"/>
+                </a:solidFill>
+                <a:latin typeface="微软雅黑" panose="020B0503020204020204" pitchFamily="34" charset="-122"/>
+                <a:ea typeface="微软雅黑" panose="020B0503020204020204" pitchFamily="34" charset="-122"/>
+              </a:rPr>
+              <a:t>机器</a:t>
+            </a:r>
+            <a:r>
               <a:rPr lang="zh-CN" altLang="en-US" dirty="0">
                 <a:solidFill>
                   <a:srgbClr val="C00000"/>
@@ -30504,7 +30945,7 @@
                 <a:latin typeface="微软雅黑" panose="020B0503020204020204" pitchFamily="34" charset="-122"/>
                 <a:ea typeface="微软雅黑" panose="020B0503020204020204" pitchFamily="34" charset="-122"/>
               </a:rPr>
-              <a:t>机器字长是指参与运算的数的基本位数，它是由加法器、寄存器、数据总线的位数决定的。</a:t>
+              <a:t>字长是指参与运算的数的基本位数，它是由加法器、寄存器、数据总线的位数决定的。</a:t>
             </a:r>
           </a:p>
           <a:p>
@@ -30520,7 +30961,7 @@
               <a:defRPr/>
             </a:pPr>
             <a:r>
-              <a:rPr lang="zh-CN" altLang="en-US" dirty="0">
+              <a:rPr lang="zh-CN" altLang="en-US" dirty="0" smtClean="0">
                 <a:solidFill>
                   <a:schemeClr val="tx1">
                     <a:lumMod val="75000"/>
@@ -30530,7 +30971,20 @@
                 <a:latin typeface="微软雅黑" panose="020B0503020204020204" pitchFamily="34" charset="-122"/>
                 <a:ea typeface="微软雅黑" panose="020B0503020204020204" pitchFamily="34" charset="-122"/>
               </a:rPr>
-              <a:t>在计算机中为了更灵活地表达和处理信息，许多计算机又以</a:t>
+              <a:t>在</a:t>
+            </a:r>
+            <a:r>
+              <a:rPr lang="zh-CN" altLang="en-US" dirty="0">
+                <a:solidFill>
+                  <a:schemeClr val="tx1">
+                    <a:lumMod val="75000"/>
+                    <a:lumOff val="25000"/>
+                  </a:schemeClr>
+                </a:solidFill>
+                <a:latin typeface="微软雅黑" panose="020B0503020204020204" pitchFamily="34" charset="-122"/>
+                <a:ea typeface="微软雅黑" panose="020B0503020204020204" pitchFamily="34" charset="-122"/>
+              </a:rPr>
+              <a:t>计算机中为了更灵活地表达和处理信息，许多计算机又以</a:t>
             </a:r>
             <a:r>
               <a:rPr lang="zh-CN" altLang="en-US" dirty="0">
@@ -30690,7 +31144,7 @@
               <a:defRPr/>
             </a:pPr>
             <a:r>
-              <a:rPr lang="zh-CN" altLang="en-US" dirty="0">
+              <a:rPr lang="zh-CN" altLang="en-US" dirty="0" smtClean="0">
                 <a:solidFill>
                   <a:schemeClr val="tx1">
                     <a:lumMod val="75000"/>
@@ -30700,7 +31154,20 @@
                 <a:latin typeface="微软雅黑" panose="020B0503020204020204" pitchFamily="34" charset="-122"/>
                 <a:ea typeface="微软雅黑" panose="020B0503020204020204" pitchFamily="34" charset="-122"/>
               </a:rPr>
-              <a:t>不同的计算机，字（</a:t>
+              <a:t>不同</a:t>
+            </a:r>
+            <a:r>
+              <a:rPr lang="zh-CN" altLang="en-US" dirty="0">
+                <a:solidFill>
+                  <a:schemeClr val="tx1">
+                    <a:lumMod val="75000"/>
+                    <a:lumOff val="25000"/>
+                  </a:schemeClr>
+                </a:solidFill>
+                <a:latin typeface="微软雅黑" panose="020B0503020204020204" pitchFamily="34" charset="-122"/>
+                <a:ea typeface="微软雅黑" panose="020B0503020204020204" pitchFamily="34" charset="-122"/>
+              </a:rPr>
+              <a:t>的计算机，字（</a:t>
             </a:r>
             <a:r>
               <a:rPr lang="en-US" altLang="zh-CN" dirty="0">
@@ -30848,6 +31315,13 @@
   <p:transition>
     <p:fade/>
   </p:transition>
+  <p:timing>
+    <p:tnLst>
+      <p:par>
+        <p:cTn id="1" dur="indefinite" restart="never" nodeType="tmRoot"/>
+      </p:par>
+    </p:tnLst>
+  </p:timing>
 </p:sld>
 </file>
 
@@ -30889,7 +31363,7 @@
               </a:rPr>
               <a:t>计算机的性能指标</a:t>
             </a:r>
-            <a:endParaRPr lang="zh-CN" altLang="en-US" dirty="0"/>
+            <a:endParaRPr lang="zh-CN" altLang="en-US" dirty="0" smtClean="0"/>
           </a:p>
         </p:txBody>
       </p:sp>
@@ -30977,6 +31451,16 @@
               <a:defRPr/>
             </a:pPr>
             <a:r>
+              <a:rPr lang="zh-CN" altLang="en-US" dirty="0" smtClean="0">
+                <a:solidFill>
+                  <a:srgbClr val="C00000"/>
+                </a:solidFill>
+                <a:latin typeface="微软雅黑" panose="020B0503020204020204" pitchFamily="34" charset="-122"/>
+                <a:ea typeface="微软雅黑" panose="020B0503020204020204" pitchFamily="34" charset="-122"/>
+              </a:rPr>
+              <a:t>数据总线</a:t>
+            </a:r>
+            <a:r>
               <a:rPr lang="zh-CN" altLang="en-US" dirty="0">
                 <a:solidFill>
                   <a:srgbClr val="C00000"/>
@@ -30984,7 +31468,7 @@
                 <a:latin typeface="微软雅黑" panose="020B0503020204020204" pitchFamily="34" charset="-122"/>
                 <a:ea typeface="微软雅黑" panose="020B0503020204020204" pitchFamily="34" charset="-122"/>
               </a:rPr>
-              <a:t>数据总线一次所能并行传送信息的位数，称为数据通路宽度。</a:t>
+              <a:t>一次所能并行传送信息的位数，称为数据通路宽度。</a:t>
             </a:r>
             <a:r>
               <a:rPr lang="zh-CN" altLang="en-US" dirty="0">
@@ -31039,7 +31523,7 @@
               <a:defRPr/>
             </a:pPr>
             <a:r>
-              <a:rPr lang="zh-CN" altLang="en-US" dirty="0">
+              <a:rPr lang="zh-CN" altLang="en-US" dirty="0" smtClean="0">
                 <a:solidFill>
                   <a:schemeClr val="tx1">
                     <a:lumMod val="75000"/>
@@ -31049,7 +31533,20 @@
                 <a:latin typeface="微软雅黑" panose="020B0503020204020204" pitchFamily="34" charset="-122"/>
                 <a:ea typeface="微软雅黑" panose="020B0503020204020204" pitchFamily="34" charset="-122"/>
               </a:rPr>
-              <a:t>内、外数据通路宽度相等的</a:t>
+              <a:t>内</a:t>
+            </a:r>
+            <a:r>
+              <a:rPr lang="zh-CN" altLang="en-US" dirty="0">
+                <a:solidFill>
+                  <a:schemeClr val="tx1">
+                    <a:lumMod val="75000"/>
+                    <a:lumOff val="25000"/>
+                  </a:schemeClr>
+                </a:solidFill>
+                <a:latin typeface="微软雅黑" panose="020B0503020204020204" pitchFamily="34" charset="-122"/>
+                <a:ea typeface="微软雅黑" panose="020B0503020204020204" pitchFamily="34" charset="-122"/>
+              </a:rPr>
+              <a:t>、外数据通路宽度相等的</a:t>
             </a:r>
             <a:r>
               <a:rPr lang="en-US" altLang="zh-CN" dirty="0">
@@ -31169,7 +31666,7 @@
               <a:defRPr/>
             </a:pPr>
             <a:r>
-              <a:rPr lang="zh-CN" altLang="en-US" dirty="0">
+              <a:rPr lang="zh-CN" altLang="en-US" dirty="0" smtClean="0">
                 <a:solidFill>
                   <a:schemeClr val="tx1">
                     <a:lumMod val="75000"/>
@@ -31179,7 +31676,20 @@
                 <a:latin typeface="微软雅黑" panose="020B0503020204020204" pitchFamily="34" charset="-122"/>
                 <a:ea typeface="微软雅黑" panose="020B0503020204020204" pitchFamily="34" charset="-122"/>
               </a:rPr>
-              <a:t>外部＜内部的</a:t>
+              <a:t>外部</a:t>
+            </a:r>
+            <a:r>
+              <a:rPr lang="zh-CN" altLang="en-US" dirty="0">
+                <a:solidFill>
+                  <a:schemeClr val="tx1">
+                    <a:lumMod val="75000"/>
+                    <a:lumOff val="25000"/>
+                  </a:schemeClr>
+                </a:solidFill>
+                <a:latin typeface="微软雅黑" panose="020B0503020204020204" pitchFamily="34" charset="-122"/>
+                <a:ea typeface="微软雅黑" panose="020B0503020204020204" pitchFamily="34" charset="-122"/>
+              </a:rPr>
+              <a:t>＜内部的</a:t>
             </a:r>
             <a:r>
               <a:rPr lang="en-US" altLang="zh-CN" dirty="0">
@@ -31273,7 +31783,7 @@
               <a:defRPr/>
             </a:pPr>
             <a:r>
-              <a:rPr lang="zh-CN" altLang="en-US" dirty="0">
+              <a:rPr lang="zh-CN" altLang="en-US" dirty="0" smtClean="0">
                 <a:solidFill>
                   <a:schemeClr val="tx1">
                     <a:lumMod val="75000"/>
@@ -31283,7 +31793,20 @@
                 <a:latin typeface="微软雅黑" panose="020B0503020204020204" pitchFamily="34" charset="-122"/>
                 <a:ea typeface="微软雅黑" panose="020B0503020204020204" pitchFamily="34" charset="-122"/>
               </a:rPr>
-              <a:t>外部＞内部的</a:t>
+              <a:t>外部</a:t>
+            </a:r>
+            <a:r>
+              <a:rPr lang="zh-CN" altLang="en-US" dirty="0">
+                <a:solidFill>
+                  <a:schemeClr val="tx1">
+                    <a:lumMod val="75000"/>
+                    <a:lumOff val="25000"/>
+                  </a:schemeClr>
+                </a:solidFill>
+                <a:latin typeface="微软雅黑" panose="020B0503020204020204" pitchFamily="34" charset="-122"/>
+                <a:ea typeface="微软雅黑" panose="020B0503020204020204" pitchFamily="34" charset="-122"/>
+              </a:rPr>
+              <a:t>＞内部的</a:t>
             </a:r>
             <a:r>
               <a:rPr lang="en-US" altLang="zh-CN" dirty="0">
@@ -31363,6 +31886,13 @@
   <p:transition>
     <p:fade/>
   </p:transition>
+  <p:timing>
+    <p:tnLst>
+      <p:par>
+        <p:cTn id="1" dur="indefinite" restart="never" nodeType="tmRoot"/>
+      </p:par>
+    </p:tnLst>
+  </p:timing>
 </p:sld>
 </file>
 
@@ -31404,7 +31934,7 @@
               </a:rPr>
               <a:t>计算机的性能指标</a:t>
             </a:r>
-            <a:endParaRPr lang="zh-CN" altLang="en-US" dirty="0"/>
+            <a:endParaRPr lang="zh-CN" altLang="en-US" dirty="0" smtClean="0"/>
           </a:p>
         </p:txBody>
       </p:sp>
@@ -31463,10 +31993,10 @@
                 <a:latin typeface="微软雅黑" panose="020B0503020204020204" pitchFamily="34" charset="-122"/>
                 <a:ea typeface="微软雅黑" panose="020B0503020204020204" pitchFamily="34" charset="-122"/>
               </a:rPr>
-              <a:t>3.  </a:t>
-            </a:r>
-            <a:r>
-              <a:rPr lang="zh-CN" altLang="en-US" sz="3200" dirty="0">
+              <a:t>3</a:t>
+            </a:r>
+            <a:r>
+              <a:rPr lang="en-US" altLang="zh-CN" sz="3200" dirty="0" smtClean="0">
                 <a:solidFill>
                   <a:schemeClr val="tx1">
                     <a:lumMod val="75000"/>
@@ -31476,7 +32006,33 @@
                 <a:latin typeface="微软雅黑" panose="020B0503020204020204" pitchFamily="34" charset="-122"/>
                 <a:ea typeface="微软雅黑" panose="020B0503020204020204" pitchFamily="34" charset="-122"/>
               </a:rPr>
-              <a:t>主存容量</a:t>
+              <a:t>.  </a:t>
+            </a:r>
+            <a:r>
+              <a:rPr lang="zh-CN" altLang="en-US" sz="3200" dirty="0" smtClean="0">
+                <a:solidFill>
+                  <a:schemeClr val="tx1">
+                    <a:lumMod val="75000"/>
+                    <a:lumOff val="25000"/>
+                  </a:schemeClr>
+                </a:solidFill>
+                <a:latin typeface="微软雅黑" panose="020B0503020204020204" pitchFamily="34" charset="-122"/>
+                <a:ea typeface="微软雅黑" panose="020B0503020204020204" pitchFamily="34" charset="-122"/>
+              </a:rPr>
+              <a:t>主存</a:t>
+            </a:r>
+            <a:r>
+              <a:rPr lang="zh-CN" altLang="en-US" sz="3200" dirty="0">
+                <a:solidFill>
+                  <a:schemeClr val="tx1">
+                    <a:lumMod val="75000"/>
+                    <a:lumOff val="25000"/>
+                  </a:schemeClr>
+                </a:solidFill>
+                <a:latin typeface="微软雅黑" panose="020B0503020204020204" pitchFamily="34" charset="-122"/>
+                <a:ea typeface="微软雅黑" panose="020B0503020204020204" pitchFamily="34" charset="-122"/>
+              </a:rPr>
+              <a:t>容量</a:t>
             </a:r>
           </a:p>
           <a:p>
@@ -31492,6 +32048,16 @@
               <a:defRPr/>
             </a:pPr>
             <a:r>
+              <a:rPr lang="zh-CN" altLang="en-US" dirty="0" smtClean="0">
+                <a:solidFill>
+                  <a:srgbClr val="C00000"/>
+                </a:solidFill>
+                <a:latin typeface="微软雅黑" panose="020B0503020204020204" pitchFamily="34" charset="-122"/>
+                <a:ea typeface="微软雅黑" panose="020B0503020204020204" pitchFamily="34" charset="-122"/>
+              </a:rPr>
+              <a:t>一</a:t>
+            </a:r>
+            <a:r>
               <a:rPr lang="zh-CN" altLang="en-US" dirty="0">
                 <a:solidFill>
                   <a:srgbClr val="C00000"/>
@@ -31499,7 +32065,7 @@
                 <a:latin typeface="微软雅黑" panose="020B0503020204020204" pitchFamily="34" charset="-122"/>
                 <a:ea typeface="微软雅黑" panose="020B0503020204020204" pitchFamily="34" charset="-122"/>
               </a:rPr>
-              <a:t>一个主存储器所能存储的全部信息量称为主存容量。</a:t>
+              <a:t>个主存储器所能存储的全部信息量称为主存容量。</a:t>
             </a:r>
             <a:r>
               <a:rPr lang="zh-CN" altLang="en-US" dirty="0">
@@ -31528,7 +32094,7 @@
               <a:defRPr/>
             </a:pPr>
             <a:r>
-              <a:rPr lang="zh-CN" altLang="en-US" sz="2800" dirty="0">
+              <a:rPr lang="zh-CN" altLang="en-US" sz="2800" dirty="0" smtClean="0">
                 <a:solidFill>
                   <a:srgbClr val="C00000"/>
                 </a:solidFill>
@@ -31548,7 +32114,33 @@
                 <a:latin typeface="微软雅黑" panose="020B0503020204020204" pitchFamily="34" charset="-122"/>
                 <a:ea typeface="微软雅黑" panose="020B0503020204020204" pitchFamily="34" charset="-122"/>
               </a:rPr>
-              <a:t>：这类计算机称为</a:t>
+              <a:t>：</a:t>
+            </a:r>
+            <a:r>
+              <a:rPr lang="zh-CN" altLang="en-US" sz="2800" dirty="0" smtClean="0">
+                <a:solidFill>
+                  <a:schemeClr val="tx1">
+                    <a:lumMod val="75000"/>
+                    <a:lumOff val="25000"/>
+                  </a:schemeClr>
+                </a:solidFill>
+                <a:latin typeface="微软雅黑" panose="020B0503020204020204" pitchFamily="34" charset="-122"/>
+                <a:ea typeface="微软雅黑" panose="020B0503020204020204" pitchFamily="34" charset="-122"/>
+              </a:rPr>
+              <a:t>这</a:t>
+            </a:r>
+            <a:r>
+              <a:rPr lang="zh-CN" altLang="en-US" sz="2800" dirty="0">
+                <a:solidFill>
+                  <a:schemeClr val="tx1">
+                    <a:lumMod val="75000"/>
+                    <a:lumOff val="25000"/>
+                  </a:schemeClr>
+                </a:solidFill>
+                <a:latin typeface="微软雅黑" panose="020B0503020204020204" pitchFamily="34" charset="-122"/>
+                <a:ea typeface="微软雅黑" panose="020B0503020204020204" pitchFamily="34" charset="-122"/>
+              </a:rPr>
+              <a:t>类计算机称为</a:t>
             </a:r>
             <a:r>
               <a:rPr lang="zh-CN" altLang="en-US" sz="2800" dirty="0">
@@ -31899,7 +32491,7 @@
               <a:defRPr/>
             </a:pPr>
             <a:r>
-              <a:rPr lang="zh-CN" altLang="en-US" sz="2800" dirty="0">
+              <a:rPr lang="zh-CN" altLang="en-US" sz="2800" dirty="0" smtClean="0">
                 <a:solidFill>
                   <a:srgbClr val="C00000"/>
                 </a:solidFill>
@@ -31919,7 +32511,7 @@
               <a:t>×</a:t>
             </a:r>
             <a:r>
-              <a:rPr lang="zh-CN" altLang="en-US" sz="2800" dirty="0">
+              <a:rPr lang="zh-CN" altLang="en-US" sz="2800" dirty="0" smtClean="0">
                 <a:solidFill>
                   <a:srgbClr val="C00000"/>
                 </a:solidFill>
@@ -31929,7 +32521,7 @@
               <a:t>字长</a:t>
             </a:r>
             <a:r>
-              <a:rPr lang="zh-CN" altLang="en-US" sz="2800" dirty="0">
+              <a:rPr lang="zh-CN" altLang="en-US" sz="2800" dirty="0" smtClean="0">
                 <a:solidFill>
                   <a:schemeClr val="tx1">
                     <a:lumMod val="75000"/>
@@ -31939,7 +32531,20 @@
                 <a:latin typeface="微软雅黑" panose="020B0503020204020204" pitchFamily="34" charset="-122"/>
                 <a:ea typeface="微软雅黑" panose="020B0503020204020204" pitchFamily="34" charset="-122"/>
               </a:rPr>
-              <a:t>：这类计算机称为</a:t>
+              <a:t>：这</a:t>
+            </a:r>
+            <a:r>
+              <a:rPr lang="zh-CN" altLang="en-US" sz="2800" dirty="0">
+                <a:solidFill>
+                  <a:schemeClr val="tx1">
+                    <a:lumMod val="75000"/>
+                    <a:lumOff val="25000"/>
+                  </a:schemeClr>
+                </a:solidFill>
+                <a:latin typeface="微软雅黑" panose="020B0503020204020204" pitchFamily="34" charset="-122"/>
+                <a:ea typeface="微软雅黑" panose="020B0503020204020204" pitchFamily="34" charset="-122"/>
+              </a:rPr>
+              <a:t>类计算机称为</a:t>
             </a:r>
             <a:r>
               <a:rPr lang="zh-CN" altLang="en-US" sz="2800" dirty="0">
@@ -32068,6 +32673,13 @@
   <p:transition>
     <p:fade/>
   </p:transition>
+  <p:timing>
+    <p:tnLst>
+      <p:par>
+        <p:cTn id="1" dur="indefinite" restart="never" nodeType="tmRoot"/>
+      </p:par>
+    </p:tnLst>
+  </p:timing>
 </p:sld>
 </file>
 
@@ -32109,7 +32721,7 @@
               </a:rPr>
               <a:t>计算机的性能指标</a:t>
             </a:r>
-            <a:endParaRPr lang="zh-CN" altLang="en-US" dirty="0"/>
+            <a:endParaRPr lang="zh-CN" altLang="en-US" dirty="0" smtClean="0"/>
           </a:p>
         </p:txBody>
       </p:sp>
@@ -32168,10 +32780,10 @@
                 <a:latin typeface="微软雅黑" panose="020B0503020204020204" pitchFamily="34" charset="-122"/>
                 <a:ea typeface="微软雅黑" panose="020B0503020204020204" pitchFamily="34" charset="-122"/>
               </a:rPr>
-              <a:t>4.  </a:t>
-            </a:r>
-            <a:r>
-              <a:rPr lang="zh-CN" altLang="en-US" sz="3200" dirty="0">
+              <a:t>4</a:t>
+            </a:r>
+            <a:r>
+              <a:rPr lang="en-US" altLang="zh-CN" sz="3200" dirty="0" smtClean="0">
                 <a:solidFill>
                   <a:schemeClr val="tx1">
                     <a:lumMod val="75000"/>
@@ -32181,7 +32793,33 @@
                 <a:latin typeface="微软雅黑" panose="020B0503020204020204" pitchFamily="34" charset="-122"/>
                 <a:ea typeface="微软雅黑" panose="020B0503020204020204" pitchFamily="34" charset="-122"/>
               </a:rPr>
-              <a:t>运算速度</a:t>
+              <a:t>.  </a:t>
+            </a:r>
+            <a:r>
+              <a:rPr lang="zh-CN" altLang="en-US" sz="3200" dirty="0" smtClean="0">
+                <a:solidFill>
+                  <a:schemeClr val="tx1">
+                    <a:lumMod val="75000"/>
+                    <a:lumOff val="25000"/>
+                  </a:schemeClr>
+                </a:solidFill>
+                <a:latin typeface="微软雅黑" panose="020B0503020204020204" pitchFamily="34" charset="-122"/>
+                <a:ea typeface="微软雅黑" panose="020B0503020204020204" pitchFamily="34" charset="-122"/>
+              </a:rPr>
+              <a:t>运算</a:t>
+            </a:r>
+            <a:r>
+              <a:rPr lang="zh-CN" altLang="en-US" sz="3200" dirty="0">
+                <a:solidFill>
+                  <a:schemeClr val="tx1">
+                    <a:lumMod val="75000"/>
+                    <a:lumOff val="25000"/>
+                  </a:schemeClr>
+                </a:solidFill>
+                <a:latin typeface="微软雅黑" panose="020B0503020204020204" pitchFamily="34" charset="-122"/>
+                <a:ea typeface="微软雅黑" panose="020B0503020204020204" pitchFamily="34" charset="-122"/>
+              </a:rPr>
+              <a:t>速度</a:t>
             </a:r>
           </a:p>
           <a:p>
@@ -32197,7 +32835,7 @@
               <a:defRPr/>
             </a:pPr>
             <a:r>
-              <a:rPr lang="zh-CN" altLang="en-US" dirty="0">
+              <a:rPr lang="zh-CN" altLang="en-US" dirty="0" smtClean="0">
                 <a:solidFill>
                   <a:schemeClr val="tx1">
                     <a:lumMod val="75000"/>
@@ -32274,7 +32912,7 @@
               <a:defRPr/>
             </a:pPr>
             <a:r>
-              <a:rPr lang="en-US" altLang="zh-CN" dirty="0">
+              <a:rPr lang="en-US" altLang="zh-CN" dirty="0" smtClean="0">
                 <a:solidFill>
                   <a:schemeClr val="tx1">
                     <a:lumMod val="75000"/>
@@ -32297,7 +32935,20 @@
                 <a:latin typeface="微软雅黑" panose="020B0503020204020204" pitchFamily="34" charset="-122"/>
                 <a:ea typeface="微软雅黑" panose="020B0503020204020204" pitchFamily="34" charset="-122"/>
               </a:rPr>
-              <a:t>表示每秒百万条指令。</a:t>
+              <a:t>表示每秒百万条指令</a:t>
+            </a:r>
+            <a:r>
+              <a:rPr lang="zh-CN" altLang="en-US" dirty="0" smtClean="0">
+                <a:solidFill>
+                  <a:schemeClr val="tx1">
+                    <a:lumMod val="75000"/>
+                    <a:lumOff val="25000"/>
+                  </a:schemeClr>
+                </a:solidFill>
+                <a:latin typeface="微软雅黑" panose="020B0503020204020204" pitchFamily="34" charset="-122"/>
+                <a:ea typeface="微软雅黑" panose="020B0503020204020204" pitchFamily="34" charset="-122"/>
+              </a:rPr>
+              <a:t>。</a:t>
             </a:r>
             <a:r>
               <a:rPr lang="en-US" altLang="zh-CN" dirty="0">
@@ -32348,7 +32999,7 @@
               <a:defRPr/>
             </a:pPr>
             <a:r>
-              <a:rPr lang="en-US" altLang="zh-CN" smtClean="0">
+              <a:rPr lang="en-US" altLang="zh-CN" dirty="0" smtClean="0">
                 <a:solidFill>
                   <a:schemeClr val="tx1">
                     <a:lumMod val="75000"/>
@@ -32361,7 +33012,7 @@
               <a:t>MFLOPS</a:t>
             </a:r>
             <a:r>
-              <a:rPr lang="zh-CN" altLang="en-US">
+              <a:rPr lang="zh-CN" altLang="en-US" dirty="0">
                 <a:solidFill>
                   <a:schemeClr val="tx1">
                     <a:lumMod val="75000"/>
@@ -32371,10 +33022,10 @@
                 <a:latin typeface="微软雅黑" panose="020B0503020204020204" pitchFamily="34" charset="-122"/>
                 <a:ea typeface="微软雅黑" panose="020B0503020204020204" pitchFamily="34" charset="-122"/>
               </a:rPr>
-              <a:t>表示每秒百万</a:t>
-            </a:r>
-            <a:r>
-              <a:rPr lang="zh-CN" altLang="en-US" dirty="0">
+              <a:t>每秒表示百万次浮点运算</a:t>
+            </a:r>
+            <a:r>
+              <a:rPr lang="zh-CN" altLang="en-US" dirty="0" smtClean="0">
                 <a:solidFill>
                   <a:schemeClr val="tx1">
                     <a:lumMod val="75000"/>
@@ -32384,7 +33035,7 @@
                 <a:latin typeface="微软雅黑" panose="020B0503020204020204" pitchFamily="34" charset="-122"/>
                 <a:ea typeface="微软雅黑" panose="020B0503020204020204" pitchFamily="34" charset="-122"/>
               </a:rPr>
-              <a:t>次浮点运算。</a:t>
+              <a:t>。</a:t>
             </a:r>
             <a:r>
               <a:rPr lang="en-US" altLang="zh-CN" dirty="0">
@@ -32433,7 +33084,7 @@
               <a:defRPr/>
             </a:pPr>
             <a:r>
-              <a:rPr lang="zh-CN" altLang="en-US" dirty="0">
+              <a:rPr lang="zh-CN" altLang="en-US" dirty="0" smtClean="0">
                 <a:solidFill>
                   <a:schemeClr val="tx1">
                     <a:lumMod val="75000"/>
@@ -32443,10 +33094,10 @@
                 <a:latin typeface="微软雅黑" panose="020B0503020204020204" pitchFamily="34" charset="-122"/>
                 <a:ea typeface="微软雅黑" panose="020B0503020204020204" pitchFamily="34" charset="-122"/>
               </a:rPr>
-              <a:t>也可以用</a:t>
-            </a:r>
-            <a:r>
-              <a:rPr lang="en-US" altLang="zh-CN" dirty="0">
+              <a:t>也</a:t>
+            </a:r>
+            <a:r>
+              <a:rPr lang="zh-CN" altLang="en-US" dirty="0">
                 <a:solidFill>
                   <a:schemeClr val="tx1">
                     <a:lumMod val="75000"/>
@@ -32456,10 +33107,10 @@
                 <a:latin typeface="微软雅黑" panose="020B0503020204020204" pitchFamily="34" charset="-122"/>
                 <a:ea typeface="微软雅黑" panose="020B0503020204020204" pitchFamily="34" charset="-122"/>
               </a:rPr>
-              <a:t>"CPI"</a:t>
-            </a:r>
-            <a:r>
-              <a:rPr lang="zh-CN" altLang="en-US" dirty="0">
+              <a:t>可以</a:t>
+            </a:r>
+            <a:r>
+              <a:rPr lang="zh-CN" altLang="en-US" dirty="0" smtClean="0">
                 <a:solidFill>
                   <a:schemeClr val="tx1">
                     <a:lumMod val="75000"/>
@@ -32469,10 +33120,10 @@
                 <a:latin typeface="微软雅黑" panose="020B0503020204020204" pitchFamily="34" charset="-122"/>
                 <a:ea typeface="微软雅黑" panose="020B0503020204020204" pitchFamily="34" charset="-122"/>
               </a:rPr>
-              <a:t>来衡量运算速度。</a:t>
-            </a:r>
-            <a:r>
-              <a:rPr lang="en-US" altLang="zh-CN" dirty="0">
+              <a:t>用</a:t>
+            </a:r>
+            <a:r>
+              <a:rPr lang="en-US" altLang="zh-CN" dirty="0" smtClean="0">
                 <a:solidFill>
                   <a:schemeClr val="tx1">
                     <a:lumMod val="75000"/>
@@ -32482,10 +33133,10 @@
                 <a:latin typeface="微软雅黑" panose="020B0503020204020204" pitchFamily="34" charset="-122"/>
                 <a:ea typeface="微软雅黑" panose="020B0503020204020204" pitchFamily="34" charset="-122"/>
               </a:rPr>
-              <a:t>CPI</a:t>
-            </a:r>
-            <a:r>
-              <a:rPr lang="zh-CN" altLang="en-US" dirty="0">
+              <a:t>"CPI"</a:t>
+            </a:r>
+            <a:r>
+              <a:rPr lang="zh-CN" altLang="en-US" dirty="0" smtClean="0">
                 <a:solidFill>
                   <a:schemeClr val="tx1">
                     <a:lumMod val="75000"/>
@@ -32495,7 +33146,72 @@
                 <a:latin typeface="微软雅黑" panose="020B0503020204020204" pitchFamily="34" charset="-122"/>
                 <a:ea typeface="微软雅黑" panose="020B0503020204020204" pitchFamily="34" charset="-122"/>
               </a:rPr>
-              <a:t>是指：执行一条指令所需时钟周期数。</a:t>
+              <a:t>来</a:t>
+            </a:r>
+            <a:r>
+              <a:rPr lang="zh-CN" altLang="en-US" dirty="0">
+                <a:solidFill>
+                  <a:schemeClr val="tx1">
+                    <a:lumMod val="75000"/>
+                    <a:lumOff val="25000"/>
+                  </a:schemeClr>
+                </a:solidFill>
+                <a:latin typeface="微软雅黑" panose="020B0503020204020204" pitchFamily="34" charset="-122"/>
+                <a:ea typeface="微软雅黑" panose="020B0503020204020204" pitchFamily="34" charset="-122"/>
+              </a:rPr>
+              <a:t>衡量运算速度。</a:t>
+            </a:r>
+            <a:r>
+              <a:rPr lang="en-US" altLang="zh-CN" dirty="0">
+                <a:solidFill>
+                  <a:schemeClr val="tx1">
+                    <a:lumMod val="75000"/>
+                    <a:lumOff val="25000"/>
+                  </a:schemeClr>
+                </a:solidFill>
+                <a:latin typeface="微软雅黑" panose="020B0503020204020204" pitchFamily="34" charset="-122"/>
+                <a:ea typeface="微软雅黑" panose="020B0503020204020204" pitchFamily="34" charset="-122"/>
+              </a:rPr>
+              <a:t>CPI</a:t>
+            </a:r>
+            <a:r>
+              <a:rPr lang="zh-CN" altLang="en-US" dirty="0">
+                <a:solidFill>
+                  <a:schemeClr val="tx1">
+                    <a:lumMod val="75000"/>
+                    <a:lumOff val="25000"/>
+                  </a:schemeClr>
+                </a:solidFill>
+                <a:latin typeface="微软雅黑" panose="020B0503020204020204" pitchFamily="34" charset="-122"/>
+                <a:ea typeface="微软雅黑" panose="020B0503020204020204" pitchFamily="34" charset="-122"/>
+              </a:rPr>
+              <a:t>是指：</a:t>
+            </a:r>
+            <a:r>
+              <a:rPr lang="zh-CN" altLang="en-US" dirty="0" smtClean="0">
+                <a:solidFill>
+                  <a:schemeClr val="tx1">
+                    <a:lumMod val="75000"/>
+                    <a:lumOff val="25000"/>
+                  </a:schemeClr>
+                </a:solidFill>
+                <a:latin typeface="微软雅黑" panose="020B0503020204020204" pitchFamily="34" charset="-122"/>
+                <a:ea typeface="微软雅黑" panose="020B0503020204020204" pitchFamily="34" charset="-122"/>
+              </a:rPr>
+              <a:t>执行一</a:t>
+            </a:r>
+            <a:r>
+              <a:rPr lang="zh-CN" altLang="en-US" dirty="0">
+                <a:solidFill>
+                  <a:schemeClr val="tx1">
+                    <a:lumMod val="75000"/>
+                    <a:lumOff val="25000"/>
+                  </a:schemeClr>
+                </a:solidFill>
+                <a:latin typeface="微软雅黑" panose="020B0503020204020204" pitchFamily="34" charset="-122"/>
+                <a:ea typeface="微软雅黑" panose="020B0503020204020204" pitchFamily="34" charset="-122"/>
+              </a:rPr>
+              <a:t>条指令所需时钟周期数。</a:t>
             </a:r>
             <a:endParaRPr lang="zh-CN" altLang="en-US" sz="1050" dirty="0">
               <a:solidFill>
@@ -32655,7 +33371,7 @@
                     </m:oMath>
                   </m:oMathPara>
                 </a14:m>
-                <a:endParaRPr lang="en-US" altLang="zh-CN" dirty="0">
+                <a:endParaRPr lang="en-US" altLang="zh-CN" dirty="0" smtClean="0">
                   <a:solidFill>
                     <a:schemeClr val="tx1">
                       <a:lumMod val="75000"/>
@@ -32876,7 +33592,7 @@
                     </m:oMath>
                   </m:oMathPara>
                 </a14:m>
-                <a:endParaRPr lang="en-US" altLang="zh-CN" dirty="0">
+                <a:endParaRPr lang="en-US" altLang="zh-CN" dirty="0" smtClean="0">
                   <a:solidFill>
                     <a:schemeClr val="tx1">
                       <a:lumMod val="75000"/>
@@ -32942,6 +33658,13 @@
   <p:transition>
     <p:fade/>
   </p:transition>
+  <p:timing>
+    <p:tnLst>
+      <p:par>
+        <p:cTn id="1" dur="indefinite" restart="never" nodeType="tmRoot"/>
+      </p:par>
+    </p:tnLst>
+  </p:timing>
 </p:sld>
 </file>
 
@@ -32983,7 +33706,7 @@
               </a:rPr>
               <a:t>计算机的性能指标</a:t>
             </a:r>
-            <a:endParaRPr lang="zh-CN" altLang="en-US" dirty="0"/>
+            <a:endParaRPr lang="zh-CN" altLang="en-US" dirty="0" smtClean="0"/>
           </a:p>
         </p:txBody>
       </p:sp>
@@ -33019,7 +33742,7 @@
               <a:defRPr/>
             </a:pPr>
             <a:r>
-              <a:rPr lang="zh-CN" altLang="en-US" sz="3200" dirty="0">
+              <a:rPr lang="zh-CN" altLang="en-US" sz="3200" dirty="0" smtClean="0">
                 <a:solidFill>
                   <a:schemeClr val="tx1">
                     <a:lumMod val="75000"/>
@@ -33031,7 +33754,7 @@
               </a:rPr>
               <a:t>例题：</a:t>
             </a:r>
-            <a:endParaRPr lang="zh-CN" altLang="en-US" sz="1100" dirty="0">
+            <a:endParaRPr lang="zh-CN" altLang="en-US" sz="1100" dirty="0" smtClean="0">
               <a:solidFill>
                 <a:schemeClr val="tx1">
                   <a:lumMod val="75000"/>
@@ -33055,7 +33778,7 @@
               <a:defRPr/>
             </a:pPr>
             <a:r>
-              <a:rPr lang="zh-CN" altLang="en-US" dirty="0">
+              <a:rPr lang="zh-CN" altLang="en-US" dirty="0" smtClean="0">
                 <a:solidFill>
                   <a:schemeClr val="tx1">
                     <a:lumMod val="75000"/>
@@ -33068,7 +33791,7 @@
               <a:t>某计算机主频为</a:t>
             </a:r>
             <a:r>
-              <a:rPr lang="en-US" altLang="zh-CN" dirty="0">
+              <a:rPr lang="en-US" altLang="zh-CN" dirty="0" smtClean="0">
                 <a:solidFill>
                   <a:schemeClr val="tx1">
                     <a:lumMod val="75000"/>
@@ -33081,7 +33804,7 @@
               <a:t>1.2GHz</a:t>
             </a:r>
             <a:r>
-              <a:rPr lang="zh-CN" altLang="en-US" dirty="0">
+              <a:rPr lang="zh-CN" altLang="en-US" dirty="0" smtClean="0">
                 <a:solidFill>
                   <a:schemeClr val="tx1">
                     <a:lumMod val="75000"/>
@@ -33094,7 +33817,7 @@
               <a:t>，其指令分为</a:t>
             </a:r>
             <a:r>
-              <a:rPr lang="en-US" altLang="zh-CN" dirty="0">
+              <a:rPr lang="en-US" altLang="zh-CN" dirty="0" smtClean="0">
                 <a:solidFill>
                   <a:schemeClr val="tx1">
                     <a:lumMod val="75000"/>
@@ -33107,7 +33830,7 @@
               <a:t>4</a:t>
             </a:r>
             <a:r>
-              <a:rPr lang="zh-CN" altLang="en-US" dirty="0">
+              <a:rPr lang="zh-CN" altLang="en-US" dirty="0" smtClean="0">
                 <a:solidFill>
                   <a:schemeClr val="tx1">
                     <a:lumMod val="75000"/>
@@ -33120,7 +33843,7 @@
               <a:t>类，它们在基准程序中所占比例及</a:t>
             </a:r>
             <a:r>
-              <a:rPr lang="en-US" altLang="zh-CN" dirty="0">
+              <a:rPr lang="en-US" altLang="zh-CN" dirty="0" smtClean="0">
                 <a:solidFill>
                   <a:schemeClr val="tx1">
                     <a:lumMod val="75000"/>
@@ -33133,7 +33856,7 @@
               <a:t>CPI</a:t>
             </a:r>
             <a:r>
-              <a:rPr lang="zh-CN" altLang="en-US" dirty="0">
+              <a:rPr lang="zh-CN" altLang="en-US" dirty="0" smtClean="0">
                 <a:solidFill>
                   <a:schemeClr val="tx1">
                     <a:lumMod val="75000"/>
@@ -33143,9 +33866,35 @@
                 <a:latin typeface="微软雅黑" panose="020B0503020204020204" pitchFamily="34" charset="-122"/>
                 <a:ea typeface="微软雅黑" panose="020B0503020204020204" pitchFamily="34" charset="-122"/>
               </a:rPr>
-              <a:t>如下表所示。（提示：计算机主频：计算机时钟周期的倒数）</a:t>
-            </a:r>
-            <a:endParaRPr lang="en-US" altLang="zh-CN" dirty="0">
+              <a:t>如下表所示。（</a:t>
+            </a:r>
+            <a:r>
+              <a:rPr lang="zh-CN" altLang="en-US" dirty="0">
+                <a:solidFill>
+                  <a:schemeClr val="tx1">
+                    <a:lumMod val="75000"/>
+                    <a:lumOff val="25000"/>
+                  </a:schemeClr>
+                </a:solidFill>
+                <a:latin typeface="微软雅黑" panose="020B0503020204020204" pitchFamily="34" charset="-122"/>
+                <a:ea typeface="微软雅黑" panose="020B0503020204020204" pitchFamily="34" charset="-122"/>
+              </a:rPr>
+              <a:t>提示：计算机主频：计算机时钟周期的倒数</a:t>
+            </a:r>
+            <a:r>
+              <a:rPr lang="zh-CN" altLang="en-US" dirty="0" smtClean="0">
+                <a:solidFill>
+                  <a:schemeClr val="tx1">
+                    <a:lumMod val="75000"/>
+                    <a:lumOff val="25000"/>
+                  </a:schemeClr>
+                </a:solidFill>
+                <a:latin typeface="微软雅黑" panose="020B0503020204020204" pitchFamily="34" charset="-122"/>
+                <a:ea typeface="微软雅黑" panose="020B0503020204020204" pitchFamily="34" charset="-122"/>
+              </a:rPr>
+              <a:t>）</a:t>
+            </a:r>
+            <a:endParaRPr lang="en-US" altLang="zh-CN" dirty="0" smtClean="0">
               <a:solidFill>
                 <a:schemeClr val="tx1">
                   <a:lumMod val="75000"/>
@@ -33191,7 +33940,7 @@
               <a:buNone/>
               <a:defRPr/>
             </a:pPr>
-            <a:endParaRPr lang="en-US" altLang="zh-CN" sz="1050" dirty="0">
+            <a:endParaRPr lang="en-US" altLang="zh-CN" sz="1050" dirty="0" smtClean="0">
               <a:solidFill>
                 <a:schemeClr val="tx1">
                   <a:lumMod val="75000"/>
@@ -33237,7 +33986,30 @@
               <a:buNone/>
               <a:defRPr/>
             </a:pPr>
-            <a:endParaRPr lang="en-US" altLang="zh-CN" sz="1050" dirty="0">
+            <a:endParaRPr lang="en-US" altLang="zh-CN" sz="1050" dirty="0" smtClean="0">
+              <a:solidFill>
+                <a:schemeClr val="tx1">
+                  <a:lumMod val="75000"/>
+                  <a:lumOff val="25000"/>
+                </a:schemeClr>
+              </a:solidFill>
+              <a:latin typeface="微软雅黑" panose="020B0503020204020204" pitchFamily="34" charset="-122"/>
+              <a:ea typeface="微软雅黑" panose="020B0503020204020204" pitchFamily="34" charset="-122"/>
+            </a:endParaRPr>
+          </a:p>
+          <a:p>
+            <a:pPr marL="720000" indent="720000" eaLnBrk="1" hangingPunct="1">
+              <a:lnSpc>
+                <a:spcPct val="120000"/>
+              </a:lnSpc>
+              <a:spcBef>
+                <a:spcPts val="0"/>
+              </a:spcBef>
+              <a:buFont typeface="Wingdings 3" panose="05040102010807070707" pitchFamily="18" charset="2"/>
+              <a:buNone/>
+              <a:defRPr/>
+            </a:pPr>
+            <a:endParaRPr lang="en-US" altLang="zh-CN" sz="1050" dirty="0" smtClean="0">
               <a:solidFill>
                 <a:schemeClr val="tx1">
                   <a:lumMod val="75000"/>
@@ -33283,7 +34055,7 @@
               <a:buNone/>
               <a:defRPr/>
             </a:pPr>
-            <a:endParaRPr lang="en-US" altLang="zh-CN" sz="1050" dirty="0">
+            <a:endParaRPr lang="en-US" altLang="zh-CN" sz="1050" dirty="0" smtClean="0">
               <a:solidFill>
                 <a:schemeClr val="tx1">
                   <a:lumMod val="75000"/>
@@ -33352,7 +34124,7 @@
               <a:buNone/>
               <a:defRPr/>
             </a:pPr>
-            <a:endParaRPr lang="en-US" altLang="zh-CN" sz="1050" dirty="0">
+            <a:endParaRPr lang="en-US" altLang="zh-CN" sz="1050" dirty="0" smtClean="0">
               <a:solidFill>
                 <a:schemeClr val="tx1">
                   <a:lumMod val="75000"/>
@@ -33398,31 +34170,8 @@
               <a:buNone/>
               <a:defRPr/>
             </a:pPr>
-            <a:endParaRPr lang="en-US" altLang="zh-CN" sz="1050" dirty="0">
-              <a:solidFill>
-                <a:schemeClr val="tx1">
-                  <a:lumMod val="75000"/>
-                  <a:lumOff val="25000"/>
-                </a:schemeClr>
-              </a:solidFill>
-              <a:latin typeface="微软雅黑" panose="020B0503020204020204" pitchFamily="34" charset="-122"/>
-              <a:ea typeface="微软雅黑" panose="020B0503020204020204" pitchFamily="34" charset="-122"/>
-            </a:endParaRPr>
-          </a:p>
-          <a:p>
-            <a:pPr marL="720000" indent="720000" eaLnBrk="1" hangingPunct="1">
-              <a:lnSpc>
-                <a:spcPct val="120000"/>
-              </a:lnSpc>
-              <a:spcBef>
-                <a:spcPts val="0"/>
-              </a:spcBef>
-              <a:buFont typeface="Wingdings 3" panose="05040102010807070707" pitchFamily="18" charset="2"/>
-              <a:buNone/>
-              <a:defRPr/>
-            </a:pPr>
-            <a:r>
-              <a:rPr lang="zh-CN" altLang="en-US" dirty="0">
+            <a:r>
+              <a:rPr lang="zh-CN" altLang="en-US" dirty="0" smtClean="0">
                 <a:solidFill>
                   <a:schemeClr val="tx1">
                     <a:lumMod val="75000"/>
@@ -33435,7 +34184,7 @@
               <a:t>该机的</a:t>
             </a:r>
             <a:r>
-              <a:rPr lang="en-US" altLang="zh-CN" dirty="0">
+              <a:rPr lang="en-US" altLang="zh-CN" dirty="0" smtClean="0">
                 <a:solidFill>
                   <a:schemeClr val="tx1">
                     <a:lumMod val="75000"/>
@@ -33448,7 +34197,7 @@
               <a:t>MIPS</a:t>
             </a:r>
             <a:r>
-              <a:rPr lang="zh-CN" altLang="en-US" dirty="0">
+              <a:rPr lang="zh-CN" altLang="en-US" dirty="0" smtClean="0">
                 <a:solidFill>
                   <a:schemeClr val="tx1">
                     <a:lumMod val="75000"/>
@@ -33460,7 +34209,7 @@
               </a:rPr>
               <a:t>数是：（    ）</a:t>
             </a:r>
-            <a:endParaRPr lang="en-US" altLang="zh-CN" dirty="0">
+            <a:endParaRPr lang="en-US" altLang="zh-CN" dirty="0" smtClean="0">
               <a:solidFill>
                 <a:schemeClr val="tx1">
                   <a:lumMod val="75000"/>
@@ -33484,7 +34233,7 @@
               <a:defRPr/>
             </a:pPr>
             <a:r>
-              <a:rPr lang="en-US" altLang="zh-CN" dirty="0">
+              <a:rPr lang="en-US" altLang="zh-CN" dirty="0" smtClean="0">
                 <a:solidFill>
                   <a:schemeClr val="tx1">
                     <a:lumMod val="75000"/>
@@ -33564,7 +34313,7 @@
                     <a:p>
                       <a:pPr algn="ctr"/>
                       <a:r>
-                        <a:rPr lang="zh-CN" altLang="en-US" b="0" dirty="0">
+                        <a:rPr lang="zh-CN" altLang="en-US" b="0" dirty="0" smtClean="0">
                           <a:ln>
                             <a:solidFill>
                               <a:schemeClr val="tx1">
@@ -33584,6 +34333,24 @@
                         </a:rPr>
                         <a:t>指令类型</a:t>
                       </a:r>
+                      <a:endParaRPr lang="zh-CN" altLang="en-US" b="0" dirty="0">
+                        <a:ln>
+                          <a:solidFill>
+                            <a:schemeClr val="tx1">
+                              <a:lumMod val="75000"/>
+                              <a:lumOff val="25000"/>
+                            </a:schemeClr>
+                          </a:solidFill>
+                        </a:ln>
+                        <a:solidFill>
+                          <a:schemeClr val="tx1">
+                            <a:lumMod val="75000"/>
+                            <a:lumOff val="25000"/>
+                          </a:schemeClr>
+                        </a:solidFill>
+                        <a:latin typeface="微软雅黑" panose="020B0503020204020204" pitchFamily="34" charset="-122"/>
+                        <a:ea typeface="微软雅黑" panose="020B0503020204020204" pitchFamily="34" charset="-122"/>
+                      </a:endParaRPr>
                     </a:p>
                   </a:txBody>
                   <a:tcPr>
@@ -33647,7 +34414,7 @@
                     <a:p>
                       <a:pPr algn="ctr"/>
                       <a:r>
-                        <a:rPr lang="zh-CN" altLang="en-US" b="0" dirty="0">
+                        <a:rPr lang="zh-CN" altLang="en-US" b="0" dirty="0" smtClean="0">
                           <a:ln>
                             <a:solidFill>
                               <a:schemeClr val="tx1">
@@ -33667,6 +34434,24 @@
                         </a:rPr>
                         <a:t>所占比例</a:t>
                       </a:r>
+                      <a:endParaRPr lang="zh-CN" altLang="en-US" b="0" dirty="0">
+                        <a:ln>
+                          <a:solidFill>
+                            <a:schemeClr val="tx1">
+                              <a:lumMod val="75000"/>
+                              <a:lumOff val="25000"/>
+                            </a:schemeClr>
+                          </a:solidFill>
+                        </a:ln>
+                        <a:solidFill>
+                          <a:schemeClr val="tx1">
+                            <a:lumMod val="75000"/>
+                            <a:lumOff val="25000"/>
+                          </a:schemeClr>
+                        </a:solidFill>
+                        <a:latin typeface="微软雅黑" panose="020B0503020204020204" pitchFamily="34" charset="-122"/>
+                        <a:ea typeface="微软雅黑" panose="020B0503020204020204" pitchFamily="34" charset="-122"/>
+                      </a:endParaRPr>
                     </a:p>
                   </a:txBody>
                   <a:tcPr>
@@ -33730,7 +34515,7 @@
                     <a:p>
                       <a:pPr algn="ctr"/>
                       <a:r>
-                        <a:rPr lang="en-US" altLang="zh-CN" b="0" dirty="0">
+                        <a:rPr lang="en-US" altLang="zh-CN" b="0" dirty="0" smtClean="0">
                           <a:ln>
                             <a:solidFill>
                               <a:schemeClr val="tx1">
@@ -33838,7 +34623,7 @@
                     <a:p>
                       <a:pPr algn="ctr"/>
                       <a:r>
-                        <a:rPr lang="en-US" altLang="zh-CN" b="0" dirty="0">
+                        <a:rPr lang="en-US" altLang="zh-CN" b="0" dirty="0" smtClean="0">
                           <a:ln>
                             <a:solidFill>
                               <a:schemeClr val="tx1">
@@ -33939,7 +34724,7 @@
                     <a:p>
                       <a:pPr algn="ctr"/>
                       <a:r>
-                        <a:rPr lang="en-US" altLang="zh-CN" b="0" dirty="0">
+                        <a:rPr lang="en-US" altLang="zh-CN" b="0" dirty="0" smtClean="0">
                           <a:ln>
                             <a:solidFill>
                               <a:schemeClr val="tx1">
@@ -34040,7 +34825,7 @@
                     <a:p>
                       <a:pPr algn="ctr"/>
                       <a:r>
-                        <a:rPr lang="en-US" altLang="zh-CN" b="0" dirty="0">
+                        <a:rPr lang="en-US" altLang="zh-CN" b="0" dirty="0" smtClean="0">
                           <a:ln>
                             <a:solidFill>
                               <a:schemeClr val="tx1">
@@ -34148,7 +34933,7 @@
                     <a:p>
                       <a:pPr algn="ctr"/>
                       <a:r>
-                        <a:rPr lang="en-US" altLang="zh-CN" b="0" dirty="0">
+                        <a:rPr lang="en-US" altLang="zh-CN" b="0" dirty="0" smtClean="0">
                           <a:ln>
                             <a:solidFill>
                               <a:schemeClr val="tx1">
@@ -34249,7 +35034,7 @@
                     <a:p>
                       <a:pPr algn="ctr"/>
                       <a:r>
-                        <a:rPr lang="en-US" altLang="zh-CN" b="0" dirty="0">
+                        <a:rPr lang="en-US" altLang="zh-CN" b="0" dirty="0" smtClean="0">
                           <a:ln>
                             <a:solidFill>
                               <a:schemeClr val="tx1">
@@ -34350,7 +35135,7 @@
                     <a:p>
                       <a:pPr algn="ctr"/>
                       <a:r>
-                        <a:rPr lang="en-US" altLang="zh-CN" b="0" dirty="0">
+                        <a:rPr lang="en-US" altLang="zh-CN" b="0" dirty="0" smtClean="0">
                           <a:ln>
                             <a:solidFill>
                               <a:schemeClr val="tx1">
@@ -34458,7 +35243,7 @@
                     <a:p>
                       <a:pPr algn="ctr"/>
                       <a:r>
-                        <a:rPr lang="en-US" altLang="zh-CN" b="0" dirty="0">
+                        <a:rPr lang="en-US" altLang="zh-CN" b="0" dirty="0" smtClean="0">
                           <a:ln>
                             <a:solidFill>
                               <a:schemeClr val="tx1">
@@ -34559,7 +35344,7 @@
                     <a:p>
                       <a:pPr algn="ctr"/>
                       <a:r>
-                        <a:rPr lang="en-US" altLang="zh-CN" b="0" dirty="0">
+                        <a:rPr lang="en-US" altLang="zh-CN" b="0" dirty="0" smtClean="0">
                           <a:ln>
                             <a:solidFill>
                               <a:schemeClr val="tx1">
@@ -34660,7 +35445,7 @@
                     <a:p>
                       <a:pPr algn="ctr"/>
                       <a:r>
-                        <a:rPr lang="en-US" altLang="zh-CN" b="0" dirty="0">
+                        <a:rPr lang="en-US" altLang="zh-CN" b="0" dirty="0" smtClean="0">
                           <a:ln>
                             <a:solidFill>
                               <a:schemeClr val="tx1">
@@ -34768,7 +35553,7 @@
                     <a:p>
                       <a:pPr algn="ctr"/>
                       <a:r>
-                        <a:rPr lang="en-US" altLang="zh-CN" b="0" dirty="0">
+                        <a:rPr lang="en-US" altLang="zh-CN" b="0" dirty="0" smtClean="0">
                           <a:ln>
                             <a:solidFill>
                               <a:schemeClr val="tx1">
@@ -34869,7 +35654,7 @@
                     <a:p>
                       <a:pPr algn="ctr"/>
                       <a:r>
-                        <a:rPr lang="en-US" altLang="zh-CN" b="0" dirty="0">
+                        <a:rPr lang="en-US" altLang="zh-CN" b="0" dirty="0" smtClean="0">
                           <a:ln>
                             <a:solidFill>
                               <a:schemeClr val="tx1">
@@ -34970,7 +35755,7 @@
                     <a:p>
                       <a:pPr algn="ctr"/>
                       <a:r>
-                        <a:rPr lang="en-US" altLang="zh-CN" b="0" dirty="0">
+                        <a:rPr lang="en-US" altLang="zh-CN" b="0" dirty="0" smtClean="0">
                           <a:ln>
                             <a:solidFill>
                               <a:schemeClr val="tx1">
@@ -35087,6 +35872,13 @@
   <p:transition>
     <p:fade/>
   </p:transition>
+  <p:timing>
+    <p:tnLst>
+      <p:par>
+        <p:cTn id="1" dur="indefinite" restart="never" nodeType="tmRoot"/>
+      </p:par>
+    </p:tnLst>
+  </p:timing>
 </p:sld>
 </file>
 
@@ -35123,10 +35915,10 @@
           <a:lstStyle/>
           <a:p>
             <a:r>
-              <a:rPr lang="zh-CN" altLang="en-US" dirty="0"/>
+              <a:rPr lang="zh-CN" altLang="en-US" dirty="0" smtClean="0"/>
               <a:t>本章内容</a:t>
             </a:r>
-            <a:endParaRPr lang="en-US" altLang="zh-CN" dirty="0"/>
+            <a:endParaRPr lang="en-US" altLang="zh-CN" dirty="0" smtClean="0"/>
           </a:p>
         </p:txBody>
       </p:sp>
@@ -35254,7 +36046,7 @@
               <a:buChar char="Ø"/>
             </a:pPr>
             <a:r>
-              <a:rPr lang="zh-CN" altLang="en-US" sz="4000" dirty="0">
+              <a:rPr lang="zh-CN" altLang="en-US" sz="4000" dirty="0" smtClean="0">
                 <a:solidFill>
                   <a:schemeClr val="tx1">
                     <a:lumMod val="75000"/>
@@ -35299,6 +36091,13 @@
   <p:transition>
     <p:fade/>
   </p:transition>
+  <p:timing>
+    <p:tnLst>
+      <p:par>
+        <p:cTn id="1" dur="indefinite" restart="never" nodeType="tmRoot"/>
+      </p:par>
+    </p:tnLst>
+  </p:timing>
 </p:sld>
 </file>
 
@@ -35335,7 +36134,7 @@
           <a:lstStyle/>
           <a:p>
             <a:r>
-              <a:rPr lang="zh-CN" altLang="en-US"/>
+              <a:rPr lang="zh-CN" altLang="en-US" smtClean="0"/>
               <a:t>课程考核</a:t>
             </a:r>
           </a:p>
@@ -35352,7 +36151,7 @@
         <p:spPr bwMode="auto">
           <a:xfrm>
             <a:off x="609600" y="1556792"/>
-            <a:ext cx="10454952" cy="3600400"/>
+            <a:ext cx="10454952" cy="4536504"/>
           </a:xfrm>
           <a:prstGeom prst="rect">
             <a:avLst/>
@@ -35534,7 +36333,7 @@
               <a:t>专业必修课，</a:t>
             </a:r>
             <a:r>
-              <a:rPr lang="en-US" altLang="zh-CN" sz="3600" dirty="0">
+              <a:rPr lang="en-US" altLang="zh-CN" sz="3600" smtClean="0">
                 <a:solidFill>
                   <a:schemeClr val="tx1">
                     <a:lumMod val="75000"/>
@@ -35547,7 +36346,7 @@
               <a:t>3.5 </a:t>
             </a:r>
             <a:r>
-              <a:rPr lang="zh-CN" altLang="en-US" sz="3600" dirty="0">
+              <a:rPr lang="zh-CN" altLang="en-US" sz="3600" smtClean="0">
                 <a:solidFill>
                   <a:schemeClr val="tx1">
                     <a:lumMod val="75000"/>
@@ -35557,7 +36356,20 @@
                 <a:latin typeface="微软雅黑" panose="020B0503020204020204" pitchFamily="34" charset="-122"/>
                 <a:ea typeface="微软雅黑" panose="020B0503020204020204" pitchFamily="34" charset="-122"/>
               </a:rPr>
-              <a:t>学分。</a:t>
+              <a:t>学分</a:t>
+            </a:r>
+            <a:r>
+              <a:rPr lang="zh-CN" altLang="en-US" sz="3600" dirty="0">
+                <a:solidFill>
+                  <a:schemeClr val="tx1">
+                    <a:lumMod val="75000"/>
+                    <a:lumOff val="25000"/>
+                  </a:schemeClr>
+                </a:solidFill>
+                <a:latin typeface="微软雅黑" panose="020B0503020204020204" pitchFamily="34" charset="-122"/>
+                <a:ea typeface="微软雅黑" panose="020B0503020204020204" pitchFamily="34" charset="-122"/>
+              </a:rPr>
+              <a:t>。</a:t>
             </a:r>
           </a:p>
           <a:p>
@@ -35577,33 +36389,7 @@
                 <a:latin typeface="微软雅黑" panose="020B0503020204020204" pitchFamily="34" charset="-122"/>
                 <a:ea typeface="微软雅黑" panose="020B0503020204020204" pitchFamily="34" charset="-122"/>
               </a:rPr>
-              <a:t>本课程的</a:t>
-            </a:r>
-            <a:r>
-              <a:rPr lang="zh-CN" altLang="en-US" sz="3600">
-                <a:solidFill>
-                  <a:schemeClr val="tx1">
-                    <a:lumMod val="75000"/>
-                    <a:lumOff val="25000"/>
-                  </a:schemeClr>
-                </a:solidFill>
-                <a:latin typeface="微软雅黑" panose="020B0503020204020204" pitchFamily="34" charset="-122"/>
-                <a:ea typeface="微软雅黑" panose="020B0503020204020204" pitchFamily="34" charset="-122"/>
-              </a:rPr>
-              <a:t>成绩由三部分</a:t>
-            </a:r>
-            <a:r>
-              <a:rPr lang="zh-CN" altLang="en-US" sz="3600" dirty="0">
-                <a:solidFill>
-                  <a:schemeClr val="tx1">
-                    <a:lumMod val="75000"/>
-                    <a:lumOff val="25000"/>
-                  </a:schemeClr>
-                </a:solidFill>
-                <a:latin typeface="微软雅黑" panose="020B0503020204020204" pitchFamily="34" charset="-122"/>
-                <a:ea typeface="微软雅黑" panose="020B0503020204020204" pitchFamily="34" charset="-122"/>
-              </a:rPr>
-              <a:t>组成：</a:t>
+              <a:t>本课程的成绩由两部分组成：</a:t>
             </a:r>
           </a:p>
           <a:p>
@@ -35613,7 +36399,7 @@
               </a:lnSpc>
             </a:pPr>
             <a:r>
-              <a:rPr lang="zh-CN" altLang="en-US" sz="3200" dirty="0">
+              <a:rPr lang="zh-CN" altLang="en-US" sz="3200">
                 <a:solidFill>
                   <a:schemeClr val="tx1">
                     <a:lumMod val="75000"/>
@@ -35623,10 +36409,10 @@
                 <a:latin typeface="微软雅黑" panose="020B0503020204020204" pitchFamily="34" charset="-122"/>
                 <a:ea typeface="微软雅黑" panose="020B0503020204020204" pitchFamily="34" charset="-122"/>
               </a:rPr>
-              <a:t> 平时表现：</a:t>
-            </a:r>
-            <a:r>
-              <a:rPr lang="en-US" altLang="zh-CN" sz="3200" dirty="0">
+              <a:t> </a:t>
+            </a:r>
+            <a:r>
+              <a:rPr lang="zh-CN" altLang="en-US" sz="3200" smtClean="0">
                 <a:solidFill>
                   <a:schemeClr val="tx1">
                     <a:lumMod val="75000"/>
@@ -35636,7 +36422,7 @@
                 <a:latin typeface="微软雅黑" panose="020B0503020204020204" pitchFamily="34" charset="-122"/>
                 <a:ea typeface="微软雅黑" panose="020B0503020204020204" pitchFamily="34" charset="-122"/>
               </a:rPr>
-              <a:t>5</a:t>
+              <a:t>作业分数（</a:t>
             </a:r>
             <a:r>
               <a:rPr lang="zh-CN" altLang="en-US" sz="3200" dirty="0">
@@ -35649,9 +36435,61 @@
                 <a:latin typeface="微软雅黑" panose="020B0503020204020204" pitchFamily="34" charset="-122"/>
                 <a:ea typeface="微软雅黑" panose="020B0503020204020204" pitchFamily="34" charset="-122"/>
               </a:rPr>
+              <a:t>作业、实验、期中</a:t>
+            </a:r>
+            <a:r>
+              <a:rPr lang="zh-CN" altLang="en-US" sz="3200">
+                <a:solidFill>
+                  <a:schemeClr val="tx1">
+                    <a:lumMod val="75000"/>
+                    <a:lumOff val="25000"/>
+                  </a:schemeClr>
+                </a:solidFill>
+                <a:latin typeface="微软雅黑" panose="020B0503020204020204" pitchFamily="34" charset="-122"/>
+                <a:ea typeface="微软雅黑" panose="020B0503020204020204" pitchFamily="34" charset="-122"/>
+              </a:rPr>
+              <a:t>）</a:t>
+            </a:r>
+            <a:r>
+              <a:rPr lang="zh-CN" altLang="en-US" sz="3200" smtClean="0">
+                <a:solidFill>
+                  <a:schemeClr val="tx1">
+                    <a:lumMod val="75000"/>
+                    <a:lumOff val="25000"/>
+                  </a:schemeClr>
+                </a:solidFill>
+                <a:latin typeface="微软雅黑" panose="020B0503020204020204" pitchFamily="34" charset="-122"/>
+                <a:ea typeface="微软雅黑" panose="020B0503020204020204" pitchFamily="34" charset="-122"/>
+              </a:rPr>
+              <a:t>：</a:t>
+            </a:r>
+            <a:r>
+              <a:rPr lang="en-US" altLang="zh-CN" sz="3200" smtClean="0">
+                <a:solidFill>
+                  <a:schemeClr val="tx1">
+                    <a:lumMod val="75000"/>
+                    <a:lumOff val="25000"/>
+                  </a:schemeClr>
+                </a:solidFill>
+                <a:latin typeface="微软雅黑" panose="020B0503020204020204" pitchFamily="34" charset="-122"/>
+                <a:ea typeface="微软雅黑" panose="020B0503020204020204" pitchFamily="34" charset="-122"/>
+              </a:rPr>
+              <a:t>55</a:t>
+            </a:r>
+            <a:r>
+              <a:rPr lang="zh-CN" altLang="en-US" sz="3200" smtClean="0">
+                <a:solidFill>
+                  <a:schemeClr val="tx1">
+                    <a:lumMod val="75000"/>
+                    <a:lumOff val="25000"/>
+                  </a:schemeClr>
+                </a:solidFill>
+                <a:latin typeface="微软雅黑" panose="020B0503020204020204" pitchFamily="34" charset="-122"/>
+                <a:ea typeface="微软雅黑" panose="020B0503020204020204" pitchFamily="34" charset="-122"/>
+              </a:rPr>
               <a:t>分</a:t>
             </a:r>
-            <a:endParaRPr lang="en-US" altLang="zh-CN" sz="3200" dirty="0">
+            <a:endParaRPr lang="en-US" altLang="zh-CN" sz="3200" smtClean="0">
               <a:solidFill>
                 <a:schemeClr val="tx1">
                   <a:lumMod val="75000"/>
@@ -35669,7 +36507,7 @@
               </a:lnSpc>
             </a:pPr>
             <a:r>
-              <a:rPr lang="zh-CN" altLang="en-US" sz="3200" dirty="0">
+              <a:rPr lang="zh-CN" altLang="en-US" sz="3200" smtClean="0">
                 <a:solidFill>
                   <a:schemeClr val="tx1">
                     <a:lumMod val="75000"/>
@@ -35679,10 +36517,10 @@
                 <a:latin typeface="微软雅黑" panose="020B0503020204020204" pitchFamily="34" charset="-122"/>
                 <a:ea typeface="微软雅黑" panose="020B0503020204020204" pitchFamily="34" charset="-122"/>
               </a:rPr>
-              <a:t> 雪梨作业：</a:t>
-            </a:r>
-            <a:r>
-              <a:rPr lang="en-US" altLang="zh-CN" sz="3200" dirty="0">
+              <a:t> 平时表现（课堂表现）</a:t>
+            </a:r>
+            <a:r>
+              <a:rPr lang="en-US" altLang="zh-CN" sz="3200" smtClean="0">
                 <a:solidFill>
                   <a:schemeClr val="tx1">
                     <a:lumMod val="75000"/>
@@ -35692,10 +36530,10 @@
                 <a:latin typeface="微软雅黑" panose="020B0503020204020204" pitchFamily="34" charset="-122"/>
                 <a:ea typeface="微软雅黑" panose="020B0503020204020204" pitchFamily="34" charset="-122"/>
               </a:rPr>
-              <a:t>55</a:t>
-            </a:r>
-            <a:r>
-              <a:rPr lang="zh-CN" altLang="en-US" sz="3200" dirty="0">
+              <a:t>15</a:t>
+            </a:r>
+            <a:r>
+              <a:rPr lang="zh-CN" altLang="en-US" sz="3200" smtClean="0">
                 <a:solidFill>
                   <a:schemeClr val="tx1">
                     <a:lumMod val="75000"/>
@@ -35707,6 +36545,16 @@
               </a:rPr>
               <a:t>分</a:t>
             </a:r>
+            <a:endParaRPr lang="zh-CN" altLang="en-US" sz="3200" dirty="0">
+              <a:solidFill>
+                <a:schemeClr val="tx1">
+                  <a:lumMod val="75000"/>
+                  <a:lumOff val="25000"/>
+                </a:schemeClr>
+              </a:solidFill>
+              <a:latin typeface="微软雅黑" panose="020B0503020204020204" pitchFamily="34" charset="-122"/>
+              <a:ea typeface="微软雅黑" panose="020B0503020204020204" pitchFamily="34" charset="-122"/>
+            </a:endParaRPr>
           </a:p>
           <a:p>
             <a:pPr lvl="1">
@@ -35725,10 +36573,10 @@
                 <a:latin typeface="微软雅黑" panose="020B0503020204020204" pitchFamily="34" charset="-122"/>
                 <a:ea typeface="微软雅黑" panose="020B0503020204020204" pitchFamily="34" charset="-122"/>
               </a:rPr>
-              <a:t> 期末考试：</a:t>
-            </a:r>
-            <a:r>
-              <a:rPr lang="en-US" altLang="zh-CN" sz="3200" dirty="0">
+              <a:t> 期末考试（闭卷、笔试）</a:t>
+            </a:r>
+            <a:r>
+              <a:rPr lang="zh-CN" altLang="en-US" sz="3200">
                 <a:solidFill>
                   <a:schemeClr val="tx1">
                     <a:lumMod val="75000"/>
@@ -35738,7 +36586,20 @@
                 <a:latin typeface="微软雅黑" panose="020B0503020204020204" pitchFamily="34" charset="-122"/>
                 <a:ea typeface="微软雅黑" panose="020B0503020204020204" pitchFamily="34" charset="-122"/>
               </a:rPr>
-              <a:t>40</a:t>
+              <a:t>： </a:t>
+            </a:r>
+            <a:r>
+              <a:rPr lang="en-US" altLang="zh-CN" sz="3200" smtClean="0">
+                <a:solidFill>
+                  <a:schemeClr val="tx1">
+                    <a:lumMod val="75000"/>
+                    <a:lumOff val="25000"/>
+                  </a:schemeClr>
+                </a:solidFill>
+                <a:latin typeface="微软雅黑" panose="020B0503020204020204" pitchFamily="34" charset="-122"/>
+                <a:ea typeface="微软雅黑" panose="020B0503020204020204" pitchFamily="34" charset="-122"/>
+              </a:rPr>
+              <a:t>30</a:t>
             </a:r>
             <a:r>
               <a:rPr lang="zh-CN" altLang="en-US" sz="3200" dirty="0">
@@ -35764,6 +36625,13 @@
   <p:transition>
     <p:fade/>
   </p:transition>
+  <p:timing>
+    <p:tnLst>
+      <p:par>
+        <p:cTn id="1" dur="indefinite" restart="never" nodeType="tmRoot"/>
+      </p:par>
+    </p:tnLst>
+  </p:timing>
 </p:sld>
 </file>
 
@@ -35805,7 +36673,7 @@
               </a:rPr>
               <a:t>计算机应用</a:t>
             </a:r>
-            <a:endParaRPr lang="zh-CN" altLang="en-US" dirty="0"/>
+            <a:endParaRPr lang="zh-CN" altLang="en-US" dirty="0" smtClean="0"/>
           </a:p>
         </p:txBody>
       </p:sp>
@@ -35935,7 +36803,7 @@
               <a:defRPr/>
             </a:pPr>
             <a:r>
-              <a:rPr lang="zh-CN" altLang="en-US" sz="3200" dirty="0">
+              <a:rPr lang="zh-CN" altLang="en-US" sz="3200" dirty="0" smtClean="0">
                 <a:solidFill>
                   <a:schemeClr val="tx1">
                     <a:lumMod val="75000"/>
@@ -35947,6 +36815,16 @@
               </a:rPr>
               <a:t>人工智能</a:t>
             </a:r>
+            <a:endParaRPr lang="zh-CN" altLang="en-US" sz="3200" dirty="0">
+              <a:solidFill>
+                <a:schemeClr val="tx1">
+                  <a:lumMod val="75000"/>
+                  <a:lumOff val="25000"/>
+                </a:schemeClr>
+              </a:solidFill>
+              <a:latin typeface="微软雅黑" panose="020B0503020204020204" pitchFamily="34" charset="-122"/>
+              <a:ea typeface="微软雅黑" panose="020B0503020204020204" pitchFamily="34" charset="-122"/>
+            </a:endParaRPr>
           </a:p>
         </p:txBody>
       </p:sp>
@@ -36470,7 +37348,7 @@
               </a:rPr>
               <a:t>计算机发展方向</a:t>
             </a:r>
-            <a:endParaRPr lang="zh-CN" altLang="en-US" dirty="0"/>
+            <a:endParaRPr lang="zh-CN" altLang="en-US" dirty="0" smtClean="0"/>
           </a:p>
         </p:txBody>
       </p:sp>
@@ -37181,7 +38059,7 @@
               <a:defRPr/>
             </a:pPr>
             <a:r>
-              <a:rPr lang="en-US" altLang="zh-CN" dirty="0">
+              <a:rPr lang="en-US" altLang="zh-CN" dirty="0" smtClean="0">
                 <a:solidFill>
                   <a:schemeClr val="tx1">
                     <a:lumMod val="75000"/>
@@ -37194,7 +38072,7 @@
               <a:t>"</a:t>
             </a:r>
             <a:r>
-              <a:rPr lang="zh-CN" altLang="en-US" dirty="0">
+              <a:rPr lang="zh-CN" altLang="en-US" dirty="0" smtClean="0">
                 <a:solidFill>
                   <a:schemeClr val="tx1">
                     <a:lumMod val="75000"/>
@@ -37207,7 +38085,7 @@
               <a:t>大数据</a:t>
             </a:r>
             <a:r>
-              <a:rPr lang="en-US" altLang="zh-CN" dirty="0">
+              <a:rPr lang="en-US" altLang="zh-CN" dirty="0" smtClean="0">
                 <a:solidFill>
                   <a:schemeClr val="tx1">
                     <a:lumMod val="75000"/>
@@ -37220,7 +38098,7 @@
               <a:t>" </a:t>
             </a:r>
             <a:r>
-              <a:rPr lang="zh-CN" altLang="en-US" dirty="0">
+              <a:rPr lang="zh-CN" altLang="en-US" dirty="0" smtClean="0">
                 <a:solidFill>
                   <a:schemeClr val="tx1">
                     <a:lumMod val="75000"/>
@@ -37230,7 +38108,20 @@
                 <a:latin typeface="微软雅黑" panose="020B0503020204020204" pitchFamily="34" charset="-122"/>
                 <a:ea typeface="微软雅黑" panose="020B0503020204020204" pitchFamily="34" charset="-122"/>
               </a:rPr>
-              <a:t>是指无法在可承受的时间范围内用常规软件工具进行捕捉、管理和处理的数据集合。</a:t>
+              <a:t>是</a:t>
+            </a:r>
+            <a:r>
+              <a:rPr lang="zh-CN" altLang="en-US" dirty="0">
+                <a:solidFill>
+                  <a:schemeClr val="tx1">
+                    <a:lumMod val="75000"/>
+                    <a:lumOff val="25000"/>
+                  </a:schemeClr>
+                </a:solidFill>
+                <a:latin typeface="微软雅黑" panose="020B0503020204020204" pitchFamily="34" charset="-122"/>
+                <a:ea typeface="微软雅黑" panose="020B0503020204020204" pitchFamily="34" charset="-122"/>
+              </a:rPr>
+              <a:t>指无法在可承受的时间范围内用常规软件工具进行捕捉、管理和处理的数据集合。</a:t>
             </a:r>
           </a:p>
           <a:p>
@@ -37246,7 +38137,7 @@
               <a:defRPr/>
             </a:pPr>
             <a:r>
-              <a:rPr lang="en-US" altLang="zh-CN" dirty="0">
+              <a:rPr lang="en-US" altLang="zh-CN" dirty="0" smtClean="0">
                 <a:solidFill>
                   <a:schemeClr val="tx1">
                     <a:lumMod val="75000"/>
@@ -37259,7 +38150,7 @@
               <a:t>"</a:t>
             </a:r>
             <a:r>
-              <a:rPr lang="zh-CN" altLang="en-US" dirty="0">
+              <a:rPr lang="zh-CN" altLang="en-US" dirty="0" smtClean="0">
                 <a:solidFill>
                   <a:schemeClr val="tx1">
                     <a:lumMod val="75000"/>
@@ -37272,7 +38163,7 @@
               <a:t>大数据</a:t>
             </a:r>
             <a:r>
-              <a:rPr lang="en-US" altLang="zh-CN" dirty="0">
+              <a:rPr lang="en-US" altLang="zh-CN" dirty="0" smtClean="0">
                 <a:solidFill>
                   <a:schemeClr val="tx1">
                     <a:lumMod val="75000"/>
@@ -37285,7 +38176,7 @@
               <a:t>" </a:t>
             </a:r>
             <a:r>
-              <a:rPr lang="zh-CN" altLang="en-US" dirty="0">
+              <a:rPr lang="zh-CN" altLang="en-US" dirty="0" smtClean="0">
                 <a:solidFill>
                   <a:schemeClr val="tx1">
                     <a:lumMod val="75000"/>
@@ -37295,7 +38186,20 @@
                 <a:latin typeface="微软雅黑" panose="020B0503020204020204" pitchFamily="34" charset="-122"/>
                 <a:ea typeface="微软雅黑" panose="020B0503020204020204" pitchFamily="34" charset="-122"/>
               </a:rPr>
-              <a:t>是需要新处理模式才能具有更强的决策力、洞察发现力和流程优化能力的海量、高增长率和多样化的信息资产。</a:t>
+              <a:t>是</a:t>
+            </a:r>
+            <a:r>
+              <a:rPr lang="zh-CN" altLang="en-US" dirty="0">
+                <a:solidFill>
+                  <a:schemeClr val="tx1">
+                    <a:lumMod val="75000"/>
+                    <a:lumOff val="25000"/>
+                  </a:schemeClr>
+                </a:solidFill>
+                <a:latin typeface="微软雅黑" panose="020B0503020204020204" pitchFamily="34" charset="-122"/>
+                <a:ea typeface="微软雅黑" panose="020B0503020204020204" pitchFamily="34" charset="-122"/>
+              </a:rPr>
+              <a:t>需要新处理模式才能具有更强的决策力、洞察发现力和流程优化能力的海量、高增长率和多样化的信息资产。</a:t>
             </a:r>
           </a:p>
           <a:p>
@@ -37321,7 +38225,33 @@
                 <a:latin typeface="微软雅黑" panose="020B0503020204020204" pitchFamily="34" charset="-122"/>
                 <a:ea typeface="微软雅黑" panose="020B0503020204020204" pitchFamily="34" charset="-122"/>
               </a:rPr>
-              <a:t>大数据的特点：</a:t>
+              <a:t>大数据的</a:t>
+            </a:r>
+            <a:r>
+              <a:rPr lang="zh-CN" altLang="en-US" dirty="0" smtClean="0">
+                <a:solidFill>
+                  <a:schemeClr val="tx1">
+                    <a:lumMod val="75000"/>
+                    <a:lumOff val="25000"/>
+                  </a:schemeClr>
+                </a:solidFill>
+                <a:latin typeface="微软雅黑" panose="020B0503020204020204" pitchFamily="34" charset="-122"/>
+                <a:ea typeface="微软雅黑" panose="020B0503020204020204" pitchFamily="34" charset="-122"/>
+              </a:rPr>
+              <a:t>特点</a:t>
+            </a:r>
+            <a:r>
+              <a:rPr lang="zh-CN" altLang="en-US" dirty="0">
+                <a:solidFill>
+                  <a:schemeClr val="tx1">
+                    <a:lumMod val="75000"/>
+                    <a:lumOff val="25000"/>
+                  </a:schemeClr>
+                </a:solidFill>
+                <a:latin typeface="微软雅黑" panose="020B0503020204020204" pitchFamily="34" charset="-122"/>
+                <a:ea typeface="微软雅黑" panose="020B0503020204020204" pitchFamily="34" charset="-122"/>
+              </a:rPr>
+              <a:t>：</a:t>
             </a:r>
           </a:p>
           <a:p>
@@ -37337,7 +38267,7 @@
               <a:defRPr/>
             </a:pPr>
             <a:r>
-              <a:rPr lang="en-US" altLang="zh-CN" sz="2800" dirty="0">
+              <a:rPr lang="en-US" altLang="zh-CN" sz="2800" dirty="0" smtClean="0">
                 <a:solidFill>
                   <a:schemeClr val="tx1">
                     <a:lumMod val="75000"/>
@@ -37360,10 +38290,23 @@
                 <a:latin typeface="微软雅黑" panose="020B0503020204020204" pitchFamily="34" charset="-122"/>
                 <a:ea typeface="微软雅黑" panose="020B0503020204020204" pitchFamily="34" charset="-122"/>
               </a:rPr>
-              <a:t>（大量） </a:t>
-            </a:r>
-            <a:r>
-              <a:rPr lang="en-US" altLang="zh-CN" sz="2800" dirty="0">
+              <a:t>（大量</a:t>
+            </a:r>
+            <a:r>
+              <a:rPr lang="zh-CN" altLang="en-US" sz="2800" dirty="0" smtClean="0">
+                <a:solidFill>
+                  <a:schemeClr val="tx1">
+                    <a:lumMod val="75000"/>
+                    <a:lumOff val="25000"/>
+                  </a:schemeClr>
+                </a:solidFill>
+                <a:latin typeface="微软雅黑" panose="020B0503020204020204" pitchFamily="34" charset="-122"/>
+                <a:ea typeface="微软雅黑" panose="020B0503020204020204" pitchFamily="34" charset="-122"/>
+              </a:rPr>
+              <a:t>） </a:t>
+            </a:r>
+            <a:r>
+              <a:rPr lang="en-US" altLang="zh-CN" sz="2800" dirty="0" smtClean="0">
                 <a:solidFill>
                   <a:schemeClr val="tx1">
                     <a:lumMod val="75000"/>
@@ -37402,7 +38345,7 @@
               <a:defRPr/>
             </a:pPr>
             <a:r>
-              <a:rPr lang="en-US" altLang="zh-CN" sz="2800" dirty="0">
+              <a:rPr lang="en-US" altLang="zh-CN" sz="2800" dirty="0" smtClean="0">
                 <a:solidFill>
                   <a:schemeClr val="tx1">
                     <a:lumMod val="75000"/>
@@ -37425,10 +38368,23 @@
                 <a:latin typeface="微软雅黑" panose="020B0503020204020204" pitchFamily="34" charset="-122"/>
                 <a:ea typeface="微软雅黑" panose="020B0503020204020204" pitchFamily="34" charset="-122"/>
               </a:rPr>
-              <a:t>（多样）  </a:t>
-            </a:r>
-            <a:r>
-              <a:rPr lang="en-US" altLang="zh-CN" sz="2800" dirty="0">
+              <a:t>（多样</a:t>
+            </a:r>
+            <a:r>
+              <a:rPr lang="zh-CN" altLang="en-US" sz="2800" dirty="0" smtClean="0">
+                <a:solidFill>
+                  <a:schemeClr val="tx1">
+                    <a:lumMod val="75000"/>
+                    <a:lumOff val="25000"/>
+                  </a:schemeClr>
+                </a:solidFill>
+                <a:latin typeface="微软雅黑" panose="020B0503020204020204" pitchFamily="34" charset="-122"/>
+                <a:ea typeface="微软雅黑" panose="020B0503020204020204" pitchFamily="34" charset="-122"/>
+              </a:rPr>
+              <a:t>）  </a:t>
+            </a:r>
+            <a:r>
+              <a:rPr lang="en-US" altLang="zh-CN" sz="2800" dirty="0" smtClean="0">
                 <a:solidFill>
                   <a:schemeClr val="tx1">
                     <a:lumMod val="75000"/>
@@ -37546,6 +38502,13 @@
   <p:transition>
     <p:fade/>
   </p:transition>
+  <p:timing>
+    <p:tnLst>
+      <p:par>
+        <p:cTn id="1" dur="indefinite" restart="never" nodeType="tmRoot"/>
+      </p:par>
+    </p:tnLst>
+  </p:timing>
 </p:sld>
 </file>
 
@@ -37631,7 +38594,7 @@
               <a:defRPr/>
             </a:pPr>
             <a:r>
-              <a:rPr lang="en-US" altLang="zh-CN" dirty="0">
+              <a:rPr lang="en-US" altLang="zh-CN" dirty="0" smtClean="0">
                 <a:solidFill>
                   <a:schemeClr val="tx1">
                     <a:lumMod val="75000"/>
@@ -37644,7 +38607,7 @@
               <a:t>"</a:t>
             </a:r>
             <a:r>
-              <a:rPr lang="zh-CN" altLang="en-US" dirty="0">
+              <a:rPr lang="zh-CN" altLang="en-US" dirty="0" smtClean="0">
                 <a:solidFill>
                   <a:schemeClr val="tx1">
                     <a:lumMod val="75000"/>
@@ -37657,7 +38620,7 @@
               <a:t>大数据</a:t>
             </a:r>
             <a:r>
-              <a:rPr lang="en-US" altLang="zh-CN" dirty="0">
+              <a:rPr lang="en-US" altLang="zh-CN" dirty="0" smtClean="0">
                 <a:solidFill>
                   <a:schemeClr val="tx1">
                     <a:lumMod val="75000"/>
@@ -37670,7 +38633,7 @@
               <a:t>" </a:t>
             </a:r>
             <a:r>
-              <a:rPr lang="zh-CN" altLang="en-US" dirty="0">
+              <a:rPr lang="zh-CN" altLang="en-US" dirty="0" smtClean="0">
                 <a:solidFill>
                   <a:schemeClr val="tx1">
                     <a:lumMod val="75000"/>
@@ -37683,7 +38646,7 @@
               <a:t>并不在 </a:t>
             </a:r>
             <a:r>
-              <a:rPr lang="en-US" altLang="zh-CN" dirty="0">
+              <a:rPr lang="en-US" altLang="zh-CN" dirty="0" smtClean="0">
                 <a:solidFill>
                   <a:schemeClr val="tx1">
                     <a:lumMod val="75000"/>
@@ -37696,7 +38659,7 @@
               <a:t>"</a:t>
             </a:r>
             <a:r>
-              <a:rPr lang="zh-CN" altLang="en-US" dirty="0">
+              <a:rPr lang="zh-CN" altLang="en-US" dirty="0" smtClean="0">
                 <a:solidFill>
                   <a:schemeClr val="tx1">
                     <a:lumMod val="75000"/>
@@ -37709,7 +38672,7 @@
               <a:t>大</a:t>
             </a:r>
             <a:r>
-              <a:rPr lang="en-US" altLang="zh-CN" dirty="0">
+              <a:rPr lang="en-US" altLang="zh-CN" dirty="0" smtClean="0">
                 <a:solidFill>
                   <a:schemeClr val="tx1">
                     <a:lumMod val="75000"/>
@@ -37722,7 +38685,7 @@
               <a:t>"</a:t>
             </a:r>
             <a:r>
-              <a:rPr lang="zh-CN" altLang="en-US" dirty="0">
+              <a:rPr lang="zh-CN" altLang="en-US" dirty="0" smtClean="0">
                 <a:solidFill>
                   <a:schemeClr val="tx1">
                     <a:lumMod val="75000"/>
@@ -37735,7 +38698,7 @@
               <a:t>，而在于 </a:t>
             </a:r>
             <a:r>
-              <a:rPr lang="en-US" altLang="zh-CN" dirty="0">
+              <a:rPr lang="en-US" altLang="zh-CN" dirty="0" smtClean="0">
                 <a:solidFill>
                   <a:schemeClr val="tx1">
                     <a:lumMod val="75000"/>
@@ -37748,7 +38711,7 @@
               <a:t>"</a:t>
             </a:r>
             <a:r>
-              <a:rPr lang="zh-CN" altLang="en-US" dirty="0">
+              <a:rPr lang="zh-CN" altLang="en-US" dirty="0" smtClean="0">
                 <a:solidFill>
                   <a:schemeClr val="tx1">
                     <a:lumMod val="75000"/>
@@ -37761,7 +38724,7 @@
               <a:t>有用</a:t>
             </a:r>
             <a:r>
-              <a:rPr lang="en-US" altLang="zh-CN" dirty="0">
+              <a:rPr lang="en-US" altLang="zh-CN" dirty="0" smtClean="0">
                 <a:solidFill>
                   <a:schemeClr val="tx1">
                     <a:lumMod val="75000"/>
@@ -37774,7 +38737,7 @@
               <a:t>"</a:t>
             </a:r>
             <a:r>
-              <a:rPr lang="zh-CN" altLang="en-US" dirty="0">
+              <a:rPr lang="zh-CN" altLang="en-US" dirty="0" smtClean="0">
                 <a:solidFill>
                   <a:schemeClr val="tx1">
                     <a:lumMod val="75000"/>
@@ -37800,7 +38763,7 @@
               <a:defRPr/>
             </a:pPr>
             <a:r>
-              <a:rPr lang="en-US" altLang="zh-CN" dirty="0">
+              <a:rPr lang="en-US" altLang="zh-CN" dirty="0" smtClean="0">
                 <a:solidFill>
                   <a:schemeClr val="tx1">
                     <a:lumMod val="75000"/>
@@ -37813,7 +38776,7 @@
               <a:t>"</a:t>
             </a:r>
             <a:r>
-              <a:rPr lang="zh-CN" altLang="en-US" dirty="0">
+              <a:rPr lang="zh-CN" altLang="en-US" dirty="0" smtClean="0">
                 <a:solidFill>
                   <a:schemeClr val="tx1">
                     <a:lumMod val="75000"/>
@@ -37826,7 +38789,7 @@
               <a:t>大数据</a:t>
             </a:r>
             <a:r>
-              <a:rPr lang="en-US" altLang="zh-CN" dirty="0">
+              <a:rPr lang="en-US" altLang="zh-CN" dirty="0" smtClean="0">
                 <a:solidFill>
                   <a:schemeClr val="tx1">
                     <a:lumMod val="75000"/>
@@ -37839,7 +38802,7 @@
               <a:t>" </a:t>
             </a:r>
             <a:r>
-              <a:rPr lang="zh-CN" altLang="en-US" dirty="0">
+              <a:rPr lang="zh-CN" altLang="en-US" dirty="0" smtClean="0">
                 <a:solidFill>
                   <a:schemeClr val="tx1">
                     <a:lumMod val="75000"/>
@@ -37851,7 +38814,7 @@
               </a:rPr>
               <a:t>是在多样的大量的数据中，迅速获取信息的能力。其重心是能力。</a:t>
             </a:r>
-            <a:endParaRPr lang="en-US" altLang="zh-CN" dirty="0">
+            <a:endParaRPr lang="en-US" altLang="zh-CN" dirty="0" smtClean="0">
               <a:solidFill>
                 <a:schemeClr val="tx1">
                   <a:lumMod val="75000"/>
@@ -37885,9 +38848,22 @@
                 <a:latin typeface="微软雅黑" panose="020B0503020204020204" pitchFamily="34" charset="-122"/>
                 <a:ea typeface="微软雅黑" panose="020B0503020204020204" pitchFamily="34" charset="-122"/>
               </a:rPr>
-              <a:t>大数据应用：</a:t>
-            </a:r>
-            <a:endParaRPr lang="en-US" altLang="zh-CN" dirty="0">
+              <a:t>大</a:t>
+            </a:r>
+            <a:r>
+              <a:rPr lang="zh-CN" altLang="en-US" dirty="0" smtClean="0">
+                <a:solidFill>
+                  <a:schemeClr val="tx1">
+                    <a:lumMod val="75000"/>
+                    <a:lumOff val="25000"/>
+                  </a:schemeClr>
+                </a:solidFill>
+                <a:latin typeface="微软雅黑" panose="020B0503020204020204" pitchFamily="34" charset="-122"/>
+                <a:ea typeface="微软雅黑" panose="020B0503020204020204" pitchFamily="34" charset="-122"/>
+              </a:rPr>
+              <a:t>数据应用：</a:t>
+            </a:r>
+            <a:endParaRPr lang="en-US" altLang="zh-CN" dirty="0" smtClean="0">
               <a:solidFill>
                 <a:schemeClr val="tx1">
                   <a:lumMod val="75000"/>
@@ -37921,7 +38897,33 @@
                 <a:latin typeface="微软雅黑" panose="020B0503020204020204" pitchFamily="34" charset="-122"/>
                 <a:ea typeface="微软雅黑" panose="020B0503020204020204" pitchFamily="34" charset="-122"/>
               </a:rPr>
-              <a:t>  商业中的大数据</a:t>
+              <a:t> </a:t>
+            </a:r>
+            <a:r>
+              <a:rPr lang="zh-CN" altLang="en-US" sz="2800" dirty="0" smtClean="0">
+                <a:solidFill>
+                  <a:schemeClr val="tx1">
+                    <a:lumMod val="75000"/>
+                    <a:lumOff val="25000"/>
+                  </a:schemeClr>
+                </a:solidFill>
+                <a:latin typeface="微软雅黑" panose="020B0503020204020204" pitchFamily="34" charset="-122"/>
+                <a:ea typeface="微软雅黑" panose="020B0503020204020204" pitchFamily="34" charset="-122"/>
+              </a:rPr>
+              <a:t> 商业</a:t>
+            </a:r>
+            <a:r>
+              <a:rPr lang="zh-CN" altLang="en-US" sz="2800" dirty="0">
+                <a:solidFill>
+                  <a:schemeClr val="tx1">
+                    <a:lumMod val="75000"/>
+                    <a:lumOff val="25000"/>
+                  </a:schemeClr>
+                </a:solidFill>
+                <a:latin typeface="微软雅黑" panose="020B0503020204020204" pitchFamily="34" charset="-122"/>
+                <a:ea typeface="微软雅黑" panose="020B0503020204020204" pitchFamily="34" charset="-122"/>
+              </a:rPr>
+              <a:t>中的大数据</a:t>
             </a:r>
             <a:endParaRPr lang="en-US" altLang="zh-CN" sz="2800" dirty="0">
               <a:solidFill>
@@ -37985,7 +38987,7 @@
               </a:rPr>
               <a:t>  日常生活中的大数据</a:t>
             </a:r>
-            <a:endParaRPr lang="en-US" altLang="zh-CN" sz="2800" dirty="0">
+            <a:endParaRPr lang="en-US" altLang="zh-CN" sz="2800" dirty="0" smtClean="0">
               <a:solidFill>
                 <a:schemeClr val="tx1">
                   <a:lumMod val="75000"/>
@@ -38011,6 +39013,13 @@
   <p:transition>
     <p:fade/>
   </p:transition>
+  <p:timing>
+    <p:tnLst>
+      <p:par>
+        <p:cTn id="1" dur="indefinite" restart="never" nodeType="tmRoot"/>
+      </p:par>
+    </p:tnLst>
+  </p:timing>
 </p:sld>
 </file>
 
@@ -38105,9 +39114,22 @@
                 <a:latin typeface="微软雅黑" panose="020B0503020204020204" pitchFamily="34" charset="-122"/>
                 <a:ea typeface="微软雅黑" panose="020B0503020204020204" pitchFamily="34" charset="-122"/>
               </a:rPr>
-              <a:t> 从技术上看，大数据与云计算的关系就像一枚硬币的正反面一样密不可分。大数据必然无法用单台的计算机进行处理，必须采用分布式架构。它的特色在于对海量数据进行分布式数据挖掘，但它必须依托云计算的分布式处理、分布式数据库和云存储、虚拟化技术。</a:t>
-            </a:r>
-            <a:endParaRPr lang="en-US" altLang="zh-CN" dirty="0">
+              <a:t> 从技术上看，大数据与云计算的关系就像一枚硬币的正反面一样密不可分。大数据必然无法用单台的计算机进行处理，必须采用分布式架构。它的特色在于对海量数据进行分布式数据挖掘，但它必须依托云计算的分布式处理、分布式数据库和云存储、虚拟化技术</a:t>
+            </a:r>
+            <a:r>
+              <a:rPr lang="zh-CN" altLang="en-US" dirty="0" smtClean="0">
+                <a:solidFill>
+                  <a:schemeClr val="tx1">
+                    <a:lumMod val="75000"/>
+                    <a:lumOff val="25000"/>
+                  </a:schemeClr>
+                </a:solidFill>
+                <a:latin typeface="微软雅黑" panose="020B0503020204020204" pitchFamily="34" charset="-122"/>
+                <a:ea typeface="微软雅黑" panose="020B0503020204020204" pitchFamily="34" charset="-122"/>
+              </a:rPr>
+              <a:t>。</a:t>
+            </a:r>
+            <a:endParaRPr lang="en-US" altLang="zh-CN" dirty="0" smtClean="0">
               <a:solidFill>
                 <a:schemeClr val="tx1">
                   <a:lumMod val="75000"/>
@@ -38140,9 +39162,22 @@
                 <a:latin typeface="微软雅黑" panose="020B0503020204020204" pitchFamily="34" charset="-122"/>
                 <a:ea typeface="微软雅黑" panose="020B0503020204020204" pitchFamily="34" charset="-122"/>
               </a:rPr>
-              <a:t>云计算特点：</a:t>
-            </a:r>
-            <a:endParaRPr lang="en-US" altLang="zh-CN" dirty="0">
+              <a:t>云</a:t>
+            </a:r>
+            <a:r>
+              <a:rPr lang="zh-CN" altLang="en-US" dirty="0" smtClean="0">
+                <a:solidFill>
+                  <a:schemeClr val="tx1">
+                    <a:lumMod val="75000"/>
+                    <a:lumOff val="25000"/>
+                  </a:schemeClr>
+                </a:solidFill>
+                <a:latin typeface="微软雅黑" panose="020B0503020204020204" pitchFamily="34" charset="-122"/>
+                <a:ea typeface="微软雅黑" panose="020B0503020204020204" pitchFamily="34" charset="-122"/>
+              </a:rPr>
+              <a:t>计算特点：</a:t>
+            </a:r>
+            <a:endParaRPr lang="en-US" altLang="zh-CN" dirty="0" smtClean="0">
               <a:solidFill>
                 <a:schemeClr val="tx1">
                   <a:lumMod val="75000"/>
@@ -38555,6 +39590,13 @@
   <p:transition>
     <p:fade/>
   </p:transition>
+  <p:timing>
+    <p:tnLst>
+      <p:par>
+        <p:cTn id="1" dur="indefinite" restart="never" nodeType="tmRoot"/>
+      </p:par>
+    </p:tnLst>
+  </p:timing>
 </p:sld>
 </file>
 
@@ -38968,6 +40010,13 @@
   <p:transition>
     <p:fade/>
   </p:transition>
+  <p:timing>
+    <p:tnLst>
+      <p:par>
+        <p:cTn id="1" dur="indefinite" restart="never" nodeType="tmRoot"/>
+      </p:par>
+    </p:tnLst>
+  </p:timing>
 </p:sld>
 </file>
 
@@ -39004,7 +40053,7 @@
           <a:lstStyle/>
           <a:p>
             <a:r>
-              <a:rPr lang="zh-CN" altLang="en-US" dirty="0"/>
+              <a:rPr lang="zh-CN" altLang="en-US" dirty="0" smtClean="0"/>
               <a:t>课程概述</a:t>
             </a:r>
           </a:p>
@@ -39190,7 +40239,7 @@
               </a:lnSpc>
             </a:pPr>
             <a:r>
-              <a:rPr lang="zh-CN" altLang="en-US" sz="3200" dirty="0">
+              <a:rPr lang="zh-CN" altLang="en-US" sz="3200" dirty="0" smtClean="0">
                 <a:solidFill>
                   <a:schemeClr val="tx1">
                     <a:lumMod val="75000"/>
@@ -39202,7 +40251,7 @@
               </a:rPr>
               <a:t>本课程是软件工程专业基础课程，也是必修课程，是打开计算机大门的钥匙；它包括八方面的内容。</a:t>
             </a:r>
-            <a:endParaRPr lang="en-US" altLang="zh-CN" sz="3200" dirty="0">
+            <a:endParaRPr lang="en-US" altLang="zh-CN" sz="3200" dirty="0" smtClean="0">
               <a:solidFill>
                 <a:schemeClr val="tx1">
                   <a:lumMod val="75000"/>
@@ -39598,7 +40647,7 @@
               <a:buChar char="-"/>
             </a:pPr>
             <a:r>
-              <a:rPr lang="zh-CN" altLang="en-US" sz="3200" dirty="0">
+              <a:rPr lang="zh-CN" altLang="en-US" sz="3200" dirty="0" smtClean="0">
                 <a:solidFill>
                   <a:schemeClr val="tx1">
                     <a:lumMod val="75000"/>
@@ -39610,6 +40659,16 @@
               </a:rPr>
               <a:t>计算机中的数据</a:t>
             </a:r>
+            <a:endParaRPr lang="zh-CN" altLang="en-US" sz="3200" dirty="0">
+              <a:solidFill>
+                <a:schemeClr val="tx1">
+                  <a:lumMod val="75000"/>
+                  <a:lumOff val="25000"/>
+                </a:schemeClr>
+              </a:solidFill>
+              <a:latin typeface="微软雅黑" panose="020B0503020204020204" pitchFamily="34" charset="-122"/>
+              <a:ea typeface="微软雅黑" panose="020B0503020204020204" pitchFamily="34" charset="-122"/>
+            </a:endParaRPr>
           </a:p>
         </p:txBody>
       </p:sp>
@@ -39797,7 +40856,7 @@
               <a:buChar char="-"/>
             </a:pPr>
             <a:r>
-              <a:rPr lang="en-US" altLang="zh-CN" sz="3200" dirty="0">
+              <a:rPr lang="en-US" altLang="zh-CN" sz="3200" dirty="0" smtClean="0">
                 <a:solidFill>
                   <a:schemeClr val="tx1">
                     <a:lumMod val="75000"/>
@@ -39810,7 +40869,7 @@
               <a:t>Python</a:t>
             </a:r>
             <a:r>
-              <a:rPr lang="zh-CN" altLang="en-US" sz="3200" dirty="0">
+              <a:rPr lang="zh-CN" altLang="en-US" sz="3200" dirty="0" smtClean="0">
                 <a:solidFill>
                   <a:schemeClr val="tx1">
                     <a:lumMod val="75000"/>
@@ -39822,6 +40881,16 @@
               </a:rPr>
               <a:t>语言及应用</a:t>
             </a:r>
+            <a:endParaRPr lang="zh-CN" altLang="en-US" sz="3200" dirty="0">
+              <a:solidFill>
+                <a:schemeClr val="tx1">
+                  <a:lumMod val="75000"/>
+                  <a:lumOff val="25000"/>
+                </a:schemeClr>
+              </a:solidFill>
+              <a:latin typeface="微软雅黑" panose="020B0503020204020204" pitchFamily="34" charset="-122"/>
+              <a:ea typeface="微软雅黑" panose="020B0503020204020204" pitchFamily="34" charset="-122"/>
+            </a:endParaRPr>
           </a:p>
         </p:txBody>
       </p:sp>
@@ -40009,7 +41078,7 @@
               <a:buChar char="-"/>
             </a:pPr>
             <a:r>
-              <a:rPr lang="zh-CN" altLang="en-US" sz="3200" dirty="0">
+              <a:rPr lang="zh-CN" altLang="en-US" sz="3200" dirty="0" smtClean="0">
                 <a:solidFill>
                   <a:schemeClr val="tx1">
                     <a:lumMod val="75000"/>
@@ -40021,6 +41090,16 @@
               </a:rPr>
               <a:t>程序设计导引</a:t>
             </a:r>
+            <a:endParaRPr lang="zh-CN" altLang="en-US" sz="3200" dirty="0">
+              <a:solidFill>
+                <a:schemeClr val="tx1">
+                  <a:lumMod val="75000"/>
+                  <a:lumOff val="25000"/>
+                </a:schemeClr>
+              </a:solidFill>
+              <a:latin typeface="微软雅黑" panose="020B0503020204020204" pitchFamily="34" charset="-122"/>
+              <a:ea typeface="微软雅黑" panose="020B0503020204020204" pitchFamily="34" charset="-122"/>
+            </a:endParaRPr>
           </a:p>
         </p:txBody>
       </p:sp>
@@ -40208,7 +41287,7 @@
               <a:buChar char="-"/>
             </a:pPr>
             <a:r>
-              <a:rPr lang="zh-CN" altLang="en-US" sz="3200" dirty="0">
+              <a:rPr lang="zh-CN" altLang="en-US" sz="3200" dirty="0" smtClean="0">
                 <a:solidFill>
                   <a:schemeClr val="tx1">
                     <a:lumMod val="75000"/>
@@ -40220,6 +41299,16 @@
               </a:rPr>
               <a:t>算法</a:t>
             </a:r>
+            <a:endParaRPr lang="zh-CN" altLang="en-US" sz="3200" dirty="0">
+              <a:solidFill>
+                <a:schemeClr val="tx1">
+                  <a:lumMod val="75000"/>
+                  <a:lumOff val="25000"/>
+                </a:schemeClr>
+              </a:solidFill>
+              <a:latin typeface="微软雅黑" panose="020B0503020204020204" pitchFamily="34" charset="-122"/>
+              <a:ea typeface="微软雅黑" panose="020B0503020204020204" pitchFamily="34" charset="-122"/>
+            </a:endParaRPr>
           </a:p>
         </p:txBody>
       </p:sp>
@@ -40407,7 +41496,7 @@
               <a:buChar char="-"/>
             </a:pPr>
             <a:r>
-              <a:rPr lang="zh-CN" altLang="en-US" sz="3200" dirty="0">
+              <a:rPr lang="zh-CN" altLang="en-US" sz="3200" dirty="0" smtClean="0">
                 <a:solidFill>
                   <a:schemeClr val="tx1">
                     <a:lumMod val="75000"/>
@@ -40419,6 +41508,16 @@
               </a:rPr>
               <a:t>操作系统</a:t>
             </a:r>
+            <a:endParaRPr lang="zh-CN" altLang="en-US" sz="3200" dirty="0">
+              <a:solidFill>
+                <a:schemeClr val="tx1">
+                  <a:lumMod val="75000"/>
+                  <a:lumOff val="25000"/>
+                </a:schemeClr>
+              </a:solidFill>
+              <a:latin typeface="微软雅黑" panose="020B0503020204020204" pitchFamily="34" charset="-122"/>
+              <a:ea typeface="微软雅黑" panose="020B0503020204020204" pitchFamily="34" charset="-122"/>
+            </a:endParaRPr>
           </a:p>
         </p:txBody>
       </p:sp>
@@ -40606,7 +41705,7 @@
               <a:buChar char="-"/>
             </a:pPr>
             <a:r>
-              <a:rPr lang="zh-CN" altLang="en-US" sz="3200" dirty="0">
+              <a:rPr lang="zh-CN" altLang="en-US" sz="3200" dirty="0" smtClean="0">
                 <a:solidFill>
                   <a:schemeClr val="tx1">
                     <a:lumMod val="75000"/>
@@ -40618,6 +41717,16 @@
               </a:rPr>
               <a:t>网络和物联网</a:t>
             </a:r>
+            <a:endParaRPr lang="zh-CN" altLang="en-US" sz="3200" dirty="0">
+              <a:solidFill>
+                <a:schemeClr val="tx1">
+                  <a:lumMod val="75000"/>
+                  <a:lumOff val="25000"/>
+                </a:schemeClr>
+              </a:solidFill>
+              <a:latin typeface="微软雅黑" panose="020B0503020204020204" pitchFamily="34" charset="-122"/>
+              <a:ea typeface="微软雅黑" panose="020B0503020204020204" pitchFamily="34" charset="-122"/>
+            </a:endParaRPr>
           </a:p>
         </p:txBody>
       </p:sp>
@@ -40805,7 +41914,7 @@
               <a:buChar char="-"/>
             </a:pPr>
             <a:r>
-              <a:rPr lang="zh-CN" altLang="en-US" sz="3200" dirty="0">
+              <a:rPr lang="zh-CN" altLang="en-US" sz="3200" dirty="0" smtClean="0">
                 <a:solidFill>
                   <a:schemeClr val="tx1">
                     <a:lumMod val="75000"/>
@@ -40817,6 +41926,16 @@
               </a:rPr>
               <a:t>数据库</a:t>
             </a:r>
+            <a:endParaRPr lang="zh-CN" altLang="en-US" sz="3200" dirty="0">
+              <a:solidFill>
+                <a:schemeClr val="tx1">
+                  <a:lumMod val="75000"/>
+                  <a:lumOff val="25000"/>
+                </a:schemeClr>
+              </a:solidFill>
+              <a:latin typeface="微软雅黑" panose="020B0503020204020204" pitchFamily="34" charset="-122"/>
+              <a:ea typeface="微软雅黑" panose="020B0503020204020204" pitchFamily="34" charset="-122"/>
+            </a:endParaRPr>
           </a:p>
         </p:txBody>
       </p:sp>
@@ -40833,6 +41952,13 @@
   <p:transition>
     <p:fade/>
   </p:transition>
+  <p:timing>
+    <p:tnLst>
+      <p:par>
+        <p:cTn id="1" dur="indefinite" restart="never" nodeType="tmRoot"/>
+      </p:par>
+    </p:tnLst>
+  </p:timing>
 </p:sld>
 </file>
 
@@ -40869,10 +41995,10 @@
           <a:lstStyle/>
           <a:p>
             <a:r>
-              <a:rPr lang="zh-CN" altLang="en-US" dirty="0"/>
+              <a:rPr lang="zh-CN" altLang="en-US" dirty="0" smtClean="0"/>
               <a:t>本章内容</a:t>
             </a:r>
-            <a:endParaRPr lang="en-US" altLang="zh-CN" dirty="0"/>
+            <a:endParaRPr lang="en-US" altLang="zh-CN" dirty="0" smtClean="0"/>
           </a:p>
         </p:txBody>
       </p:sp>
@@ -40904,7 +42030,7 @@
               <a:buChar char="Ø"/>
             </a:pPr>
             <a:r>
-              <a:rPr lang="zh-CN" altLang="en-US" sz="4000" dirty="0">
+              <a:rPr lang="zh-CN" altLang="en-US" sz="4000" dirty="0" smtClean="0">
                 <a:solidFill>
                   <a:schemeClr val="tx1">
                     <a:lumMod val="75000"/>
@@ -40916,7 +42042,7 @@
               </a:rPr>
               <a:t> 计算机的历史及分类</a:t>
             </a:r>
-            <a:endParaRPr lang="en-US" altLang="zh-CN" sz="4000" dirty="0">
+            <a:endParaRPr lang="en-US" altLang="zh-CN" sz="4000" dirty="0" smtClean="0">
               <a:solidFill>
                 <a:schemeClr val="tx1">
                   <a:lumMod val="75000"/>
@@ -40936,7 +42062,7 @@
               <a:buChar char="Ø"/>
             </a:pPr>
             <a:r>
-              <a:rPr lang="zh-CN" altLang="en-US" sz="4000" dirty="0">
+              <a:rPr lang="zh-CN" altLang="en-US" sz="4000" dirty="0" smtClean="0">
                 <a:solidFill>
                   <a:schemeClr val="tx1">
                     <a:lumMod val="75000"/>
@@ -40948,7 +42074,7 @@
               </a:rPr>
               <a:t> 计算机的基本概念</a:t>
             </a:r>
-            <a:endParaRPr lang="en-US" altLang="zh-CN" sz="4000" dirty="0">
+            <a:endParaRPr lang="en-US" altLang="zh-CN" sz="4000" dirty="0" smtClean="0">
               <a:solidFill>
                 <a:schemeClr val="tx1">
                   <a:lumMod val="75000"/>
@@ -40968,7 +42094,7 @@
               <a:buChar char="Ø"/>
             </a:pPr>
             <a:r>
-              <a:rPr lang="zh-CN" altLang="en-US" sz="4000" dirty="0">
+              <a:rPr lang="zh-CN" altLang="en-US" sz="4000" dirty="0" smtClean="0">
                 <a:solidFill>
                   <a:schemeClr val="tx1">
                     <a:lumMod val="75000"/>
@@ -40980,7 +42106,7 @@
               </a:rPr>
               <a:t> 计算机性能指标</a:t>
             </a:r>
-            <a:endParaRPr lang="en-US" altLang="zh-CN" sz="4000" dirty="0">
+            <a:endParaRPr lang="en-US" altLang="zh-CN" sz="4000" dirty="0" smtClean="0">
               <a:solidFill>
                 <a:schemeClr val="tx1">
                   <a:lumMod val="75000"/>
@@ -41000,7 +42126,7 @@
               <a:buChar char="Ø"/>
             </a:pPr>
             <a:r>
-              <a:rPr lang="zh-CN" altLang="en-US" sz="4000" dirty="0">
+              <a:rPr lang="zh-CN" altLang="en-US" sz="4000" dirty="0" smtClean="0">
                 <a:solidFill>
                   <a:schemeClr val="tx1">
                     <a:lumMod val="75000"/>
@@ -41012,7 +42138,7 @@
               </a:rPr>
               <a:t> 计算机的应用领域及发展趋势</a:t>
             </a:r>
-            <a:endParaRPr lang="en-US" altLang="zh-CN" sz="4000" dirty="0">
+            <a:endParaRPr lang="en-US" altLang="zh-CN" sz="4000" dirty="0" smtClean="0">
               <a:solidFill>
                 <a:schemeClr val="tx1">
                   <a:lumMod val="75000"/>
@@ -41033,6 +42159,13 @@
   <p:transition>
     <p:fade/>
   </p:transition>
+  <p:timing>
+    <p:tnLst>
+      <p:par>
+        <p:cTn id="1" dur="indefinite" restart="never" nodeType="tmRoot"/>
+      </p:par>
+    </p:tnLst>
+  </p:timing>
 </p:sld>
 </file>
 
@@ -41069,10 +42202,10 @@
           <a:lstStyle/>
           <a:p>
             <a:r>
-              <a:rPr lang="zh-CN" altLang="en-US" dirty="0"/>
+              <a:rPr lang="zh-CN" altLang="en-US" dirty="0" smtClean="0"/>
               <a:t>本章内容</a:t>
             </a:r>
-            <a:endParaRPr lang="en-US" altLang="zh-CN" dirty="0"/>
+            <a:endParaRPr lang="en-US" altLang="zh-CN" dirty="0" smtClean="0"/>
           </a:p>
         </p:txBody>
       </p:sp>
@@ -41104,7 +42237,7 @@
               <a:buChar char="Ø"/>
             </a:pPr>
             <a:r>
-              <a:rPr lang="zh-CN" altLang="en-US" sz="4000" dirty="0">
+              <a:rPr lang="zh-CN" altLang="en-US" sz="4000" dirty="0" smtClean="0">
                 <a:solidFill>
                   <a:srgbClr val="C00000"/>
                 </a:solidFill>
@@ -41113,7 +42246,7 @@
               </a:rPr>
               <a:t> 计算机的历史及分类</a:t>
             </a:r>
-            <a:endParaRPr lang="en-US" altLang="zh-CN" sz="4000" dirty="0">
+            <a:endParaRPr lang="en-US" altLang="zh-CN" sz="4000" dirty="0" smtClean="0">
               <a:solidFill>
                 <a:srgbClr val="C00000"/>
               </a:solidFill>
@@ -41130,14 +42263,14 @@
               <a:buChar char="Ø"/>
             </a:pPr>
             <a:r>
-              <a:rPr lang="zh-CN" altLang="en-US" sz="4000" dirty="0">
+              <a:rPr lang="zh-CN" altLang="en-US" sz="4000" dirty="0" smtClean="0">
                 <a:latin typeface="微软雅黑" panose="020B0503020204020204" pitchFamily="34" charset="-122"/>
                 <a:ea typeface="微软雅黑" panose="020B0503020204020204" pitchFamily="34" charset="-122"/>
               </a:rPr>
               <a:t> </a:t>
             </a:r>
             <a:r>
-              <a:rPr lang="zh-CN" altLang="en-US" sz="4000" dirty="0">
+              <a:rPr lang="zh-CN" altLang="en-US" sz="4000" dirty="0" smtClean="0">
                 <a:solidFill>
                   <a:schemeClr val="tx1">
                     <a:lumMod val="75000"/>
@@ -41149,7 +42282,7 @@
               </a:rPr>
               <a:t>计算机的基本概念</a:t>
             </a:r>
-            <a:endParaRPr lang="en-US" altLang="zh-CN" sz="4000" dirty="0">
+            <a:endParaRPr lang="en-US" altLang="zh-CN" sz="4000" dirty="0" smtClean="0">
               <a:solidFill>
                 <a:schemeClr val="tx1">
                   <a:lumMod val="75000"/>
@@ -41169,7 +42302,7 @@
               <a:buChar char="Ø"/>
             </a:pPr>
             <a:r>
-              <a:rPr lang="zh-CN" altLang="en-US" sz="4000" dirty="0">
+              <a:rPr lang="zh-CN" altLang="en-US" sz="4000" dirty="0" smtClean="0">
                 <a:solidFill>
                   <a:schemeClr val="tx1">
                     <a:lumMod val="75000"/>
@@ -41181,7 +42314,7 @@
               </a:rPr>
               <a:t> 计算机性能指标</a:t>
             </a:r>
-            <a:endParaRPr lang="en-US" altLang="zh-CN" sz="4000" dirty="0">
+            <a:endParaRPr lang="en-US" altLang="zh-CN" sz="4000" dirty="0" smtClean="0">
               <a:solidFill>
                 <a:schemeClr val="tx1">
                   <a:lumMod val="75000"/>
@@ -41201,7 +42334,7 @@
               <a:buChar char="Ø"/>
             </a:pPr>
             <a:r>
-              <a:rPr lang="zh-CN" altLang="en-US" sz="4000" dirty="0">
+              <a:rPr lang="zh-CN" altLang="en-US" sz="4000" dirty="0" smtClean="0">
                 <a:solidFill>
                   <a:schemeClr val="tx1">
                     <a:lumMod val="75000"/>
@@ -41213,7 +42346,7 @@
               </a:rPr>
               <a:t> 计算机的应用领域及发展趋势</a:t>
             </a:r>
-            <a:endParaRPr lang="en-US" altLang="zh-CN" sz="4000" dirty="0">
+            <a:endParaRPr lang="en-US" altLang="zh-CN" sz="4000" dirty="0" smtClean="0">
               <a:solidFill>
                 <a:schemeClr val="tx1">
                   <a:lumMod val="75000"/>
@@ -41239,6 +42372,13 @@
   <p:transition>
     <p:fade/>
   </p:transition>
+  <p:timing>
+    <p:tnLst>
+      <p:par>
+        <p:cTn id="1" dur="indefinite" restart="never" nodeType="tmRoot"/>
+      </p:par>
+    </p:tnLst>
+  </p:timing>
 </p:sld>
 </file>
 
@@ -41336,7 +42476,7 @@
               </a:lnSpc>
             </a:pPr>
             <a:r>
-              <a:rPr lang="zh-CN" altLang="en-US" sz="3200" dirty="0">
+              <a:rPr lang="zh-CN" altLang="en-US" sz="3200" dirty="0" smtClean="0">
                 <a:solidFill>
                   <a:schemeClr val="tx1">
                     <a:lumMod val="75000"/>
@@ -41348,7 +42488,7 @@
               </a:rPr>
               <a:t>历史上的计算器</a:t>
             </a:r>
-            <a:endParaRPr lang="en-US" altLang="zh-CN" sz="3200" dirty="0">
+            <a:endParaRPr lang="en-US" altLang="zh-CN" sz="3200" dirty="0" smtClean="0">
               <a:solidFill>
                 <a:schemeClr val="tx1">
                   <a:lumMod val="75000"/>
@@ -41366,7 +42506,7 @@
               </a:lnSpc>
             </a:pPr>
             <a:r>
-              <a:rPr lang="zh-CN" altLang="en-US" sz="3200" dirty="0">
+              <a:rPr lang="zh-CN" altLang="en-US" sz="3200" dirty="0" smtClean="0">
                 <a:solidFill>
                   <a:schemeClr val="tx1">
                     <a:lumMod val="75000"/>
@@ -41379,7 +42519,7 @@
               <a:t>电子管计算机时代（</a:t>
             </a:r>
             <a:r>
-              <a:rPr lang="en-US" altLang="zh-CN" sz="3200" dirty="0">
+              <a:rPr lang="en-US" altLang="zh-CN" sz="3200" dirty="0" smtClean="0">
                 <a:solidFill>
                   <a:schemeClr val="tx1">
                     <a:lumMod val="75000"/>
@@ -41392,7 +42532,7 @@
               <a:t>1946—1958</a:t>
             </a:r>
             <a:r>
-              <a:rPr lang="zh-CN" altLang="en-US" sz="3200" dirty="0">
+              <a:rPr lang="zh-CN" altLang="en-US" sz="3200" dirty="0" smtClean="0">
                 <a:solidFill>
                   <a:schemeClr val="tx1">
                     <a:lumMod val="75000"/>
@@ -41404,7 +42544,7 @@
               </a:rPr>
               <a:t>年）</a:t>
             </a:r>
-            <a:endParaRPr lang="en-US" altLang="zh-CN" sz="3200" dirty="0">
+            <a:endParaRPr lang="en-US" altLang="zh-CN" sz="3200" dirty="0" smtClean="0">
               <a:solidFill>
                 <a:schemeClr val="tx1">
                   <a:lumMod val="75000"/>
@@ -41422,7 +42562,7 @@
               </a:lnSpc>
             </a:pPr>
             <a:r>
-              <a:rPr lang="zh-CN" altLang="en-US" sz="3200" dirty="0">
+              <a:rPr lang="zh-CN" altLang="en-US" sz="3200" dirty="0" smtClean="0">
                 <a:solidFill>
                   <a:schemeClr val="tx1">
                     <a:lumMod val="75000"/>
@@ -41435,7 +42575,7 @@
               <a:t>晶体管计算机时代（</a:t>
             </a:r>
             <a:r>
-              <a:rPr lang="en-US" altLang="zh-CN" sz="3200" dirty="0">
+              <a:rPr lang="en-US" altLang="zh-CN" sz="3200" dirty="0" smtClean="0">
                 <a:solidFill>
                   <a:schemeClr val="tx1">
                     <a:lumMod val="75000"/>
@@ -41448,7 +42588,7 @@
               <a:t>1958—1965</a:t>
             </a:r>
             <a:r>
-              <a:rPr lang="zh-CN" altLang="en-US" sz="3200" dirty="0">
+              <a:rPr lang="zh-CN" altLang="en-US" sz="3200" dirty="0" smtClean="0">
                 <a:solidFill>
                   <a:schemeClr val="tx1">
                     <a:lumMod val="75000"/>
@@ -41460,7 +42600,7 @@
               </a:rPr>
               <a:t>年）</a:t>
             </a:r>
-            <a:endParaRPr lang="en-US" altLang="zh-CN" sz="3200" dirty="0">
+            <a:endParaRPr lang="en-US" altLang="zh-CN" sz="3200" dirty="0" smtClean="0">
               <a:solidFill>
                 <a:schemeClr val="tx1">
                   <a:lumMod val="75000"/>
@@ -41478,7 +42618,7 @@
               </a:lnSpc>
             </a:pPr>
             <a:r>
-              <a:rPr lang="zh-CN" altLang="en-US" sz="3200" dirty="0">
+              <a:rPr lang="zh-CN" altLang="en-US" sz="3200" dirty="0" smtClean="0">
                 <a:solidFill>
                   <a:schemeClr val="tx1">
                     <a:lumMod val="75000"/>
@@ -41491,7 +42631,7 @@
               <a:t>小、中规模集成电路时代（</a:t>
             </a:r>
             <a:r>
-              <a:rPr lang="en-US" altLang="zh-CN" sz="3200" dirty="0">
+              <a:rPr lang="en-US" altLang="zh-CN" sz="3200" dirty="0" smtClean="0">
                 <a:solidFill>
                   <a:schemeClr val="tx1">
                     <a:lumMod val="75000"/>
@@ -41504,7 +42644,7 @@
               <a:t>1965—1970</a:t>
             </a:r>
             <a:r>
-              <a:rPr lang="zh-CN" altLang="en-US" sz="3200" dirty="0">
+              <a:rPr lang="zh-CN" altLang="en-US" sz="3200" dirty="0" smtClean="0">
                 <a:solidFill>
                   <a:schemeClr val="tx1">
                     <a:lumMod val="75000"/>
@@ -41524,7 +42664,7 @@
               </a:lnSpc>
             </a:pPr>
             <a:r>
-              <a:rPr lang="zh-CN" altLang="en-US" sz="3200" dirty="0">
+              <a:rPr lang="zh-CN" altLang="en-US" sz="3200" dirty="0" smtClean="0">
                 <a:solidFill>
                   <a:schemeClr val="tx1">
                     <a:lumMod val="75000"/>
@@ -41537,7 +42677,7 @@
               <a:t>大、超大、甚大、极大规模集成电路时代（</a:t>
             </a:r>
             <a:r>
-              <a:rPr lang="en-US" altLang="zh-CN" sz="3200" dirty="0">
+              <a:rPr lang="en-US" altLang="zh-CN" sz="3200" dirty="0" smtClean="0">
                 <a:solidFill>
                   <a:schemeClr val="tx1">
                     <a:lumMod val="75000"/>
@@ -41550,7 +42690,7 @@
               <a:t>1970</a:t>
             </a:r>
             <a:r>
-              <a:rPr lang="zh-CN" altLang="en-US" sz="3200" dirty="0">
+              <a:rPr lang="zh-CN" altLang="en-US" sz="3200" dirty="0" smtClean="0">
                 <a:solidFill>
                   <a:schemeClr val="tx1">
                     <a:lumMod val="75000"/>
@@ -41573,6 +42713,13 @@
   <p:transition>
     <p:fade/>
   </p:transition>
+  <p:timing>
+    <p:tnLst>
+      <p:par>
+        <p:cTn id="1" dur="indefinite" restart="never" nodeType="tmRoot"/>
+      </p:par>
+    </p:tnLst>
+  </p:timing>
 </p:sld>
 </file>
 
